--- a/Graphics/Graphics_loadTest.pptx
+++ b/Graphics/Graphics_loadTest.pptx
@@ -2,32 +2,20 @@
 <file path=ppt/presentation.xml><?xml version="1.0" encoding="utf-8"?>
 <p:presentation xmlns:a="http://schemas.openxmlformats.org/drawingml/2006/main" xmlns:r="http://schemas.openxmlformats.org/officeDocument/2006/relationships" xmlns:p="http://schemas.openxmlformats.org/presentationml/2006/main" saveSubsetFonts="1">
   <p:sldMasterIdLst>
-    <p:sldMasterId id="2147483660" r:id="rId1"/>
+    <p:sldMasterId id="2147483672" r:id="rId1"/>
   </p:sldMasterIdLst>
   <p:sldIdLst>
-    <p:sldId id="256" r:id="rId2"/>
-    <p:sldId id="257" r:id="rId3"/>
-    <p:sldId id="258" r:id="rId4"/>
-    <p:sldId id="259" r:id="rId5"/>
-    <p:sldId id="260" r:id="rId6"/>
-    <p:sldId id="261" r:id="rId7"/>
-    <p:sldId id="262" r:id="rId8"/>
-    <p:sldId id="263" r:id="rId9"/>
-    <p:sldId id="264" r:id="rId10"/>
-    <p:sldId id="265" r:id="rId11"/>
-    <p:sldId id="266" r:id="rId12"/>
-    <p:sldId id="267" r:id="rId13"/>
-    <p:sldId id="268" r:id="rId14"/>
-    <p:sldId id="269" r:id="rId15"/>
-    <p:sldId id="270" r:id="rId16"/>
-    <p:sldId id="271" r:id="rId17"/>
-    <p:sldId id="272" r:id="rId18"/>
-    <p:sldId id="273" r:id="rId19"/>
-    <p:sldId id="274" r:id="rId20"/>
-    <p:sldId id="275" r:id="rId21"/>
-    <p:sldId id="276" r:id="rId22"/>
-    <p:sldId id="277" r:id="rId23"/>
-    <p:sldId id="278" r:id="rId24"/>
+    <p:sldId id="278" r:id="rId2"/>
+    <p:sldId id="256" r:id="rId3"/>
+    <p:sldId id="257" r:id="rId4"/>
+    <p:sldId id="258" r:id="rId5"/>
+    <p:sldId id="261" r:id="rId6"/>
+    <p:sldId id="264" r:id="rId7"/>
+    <p:sldId id="267" r:id="rId8"/>
+    <p:sldId id="270" r:id="rId9"/>
+    <p:sldId id="273" r:id="rId10"/>
+    <p:sldId id="276" r:id="rId11"/>
+    <p:sldId id="277" r:id="rId12"/>
   </p:sldIdLst>
   <p:sldSz cx="12192000" cy="6858000"/>
   <p:notesSz cx="6858000" cy="9144000"/>
@@ -158,15 +146,49 @@
         </p:nvSpPr>
         <p:spPr>
           <a:xfrm>
-            <a:off x="1524000" y="1122363"/>
-            <a:ext cx="9144000" cy="2387600"/>
-          </a:xfrm>
-        </p:spPr>
-        <p:txBody>
-          <a:bodyPr anchor="b"/>
+            <a:off x="2209800" y="4464028"/>
+            <a:ext cx="9144000" cy="1641490"/>
+          </a:xfrm>
+        </p:spPr>
+        <p:txBody>
+          <a:bodyPr wrap="none" anchor="t">
+            <a:normAutofit/>
+          </a:bodyPr>
           <a:lstStyle>
-            <a:lvl1pPr algn="ctr">
-              <a:defRPr sz="6000"/>
+            <a:lvl1pPr algn="r">
+              <a:defRPr sz="9600" b="0" spc="-300">
+                <a:gradFill flip="none" rotWithShape="1">
+                  <a:gsLst>
+                    <a:gs pos="32000">
+                      <a:schemeClr val="tx1">
+                        <a:lumMod val="89000"/>
+                      </a:schemeClr>
+                    </a:gs>
+                    <a:gs pos="0">
+                      <a:schemeClr val="bg1">
+                        <a:lumMod val="41000"/>
+                        <a:lumOff val="59000"/>
+                      </a:schemeClr>
+                    </a:gs>
+                    <a:gs pos="100000">
+                      <a:schemeClr val="tx2">
+                        <a:lumMod val="0"/>
+                        <a:lumOff val="100000"/>
+                      </a:schemeClr>
+                    </a:gs>
+                  </a:gsLst>
+                  <a:lin ang="8100000" scaled="1"/>
+                  <a:tileRect/>
+                </a:gradFill>
+                <a:effectLst>
+                  <a:outerShdw blurRad="469900" dist="342900" dir="5400000" sy="-20000" rotWithShape="0">
+                    <a:prstClr val="black">
+                      <a:alpha val="66000"/>
+                    </a:prstClr>
+                  </a:outerShdw>
+                </a:effectLst>
+                <a:latin typeface="+mj-lt"/>
+              </a:defRPr>
             </a:lvl1pPr>
           </a:lstStyle>
           <a:p>
@@ -190,16 +212,47 @@
         </p:nvSpPr>
         <p:spPr>
           <a:xfrm>
-            <a:off x="1524000" y="3602038"/>
-            <a:ext cx="9144000" cy="1655762"/>
-          </a:xfrm>
-        </p:spPr>
-        <p:txBody>
-          <a:bodyPr/>
+            <a:off x="2209799" y="3694375"/>
+            <a:ext cx="9144000" cy="754025"/>
+          </a:xfrm>
+        </p:spPr>
+        <p:txBody>
+          <a:bodyPr anchor="b">
+            <a:normAutofit/>
+          </a:bodyPr>
           <a:lstStyle>
-            <a:lvl1pPr marL="0" indent="0" algn="ctr">
-              <a:buNone/>
-              <a:defRPr sz="2400"/>
+            <a:lvl1pPr marL="0" indent="0" algn="r">
+              <a:buNone/>
+              <a:defRPr sz="3200" b="0">
+                <a:gradFill flip="none" rotWithShape="1">
+                  <a:gsLst>
+                    <a:gs pos="15000">
+                      <a:schemeClr val="tx2"/>
+                    </a:gs>
+                    <a:gs pos="73000">
+                      <a:schemeClr val="tx2">
+                        <a:lumMod val="60000"/>
+                        <a:lumOff val="40000"/>
+                      </a:schemeClr>
+                    </a:gs>
+                    <a:gs pos="0">
+                      <a:schemeClr val="tx2">
+                        <a:lumMod val="90000"/>
+                        <a:lumOff val="10000"/>
+                      </a:schemeClr>
+                    </a:gs>
+                    <a:gs pos="100000">
+                      <a:schemeClr val="tx2">
+                        <a:lumMod val="0"/>
+                        <a:lumOff val="100000"/>
+                      </a:schemeClr>
+                    </a:gs>
+                  </a:gsLst>
+                  <a:lin ang="16200000" scaled="1"/>
+                  <a:tileRect/>
+                </a:gradFill>
+                <a:latin typeface="+mj-lt"/>
+              </a:defRPr>
             </a:lvl1pPr>
             <a:lvl2pPr marL="457200" indent="0" algn="ctr">
               <a:buNone/>
@@ -245,7 +298,7 @@
       </p:sp>
       <p:sp>
         <p:nvSpPr>
-          <p:cNvPr id="4" name="Date Placeholder 3"/>
+          <p:cNvPr id="7" name="Date Placeholder 6"/>
           <p:cNvSpPr>
             <a:spLocks noGrp="1"/>
           </p:cNvSpPr>
@@ -268,7 +321,7 @@
       </p:sp>
       <p:sp>
         <p:nvSpPr>
-          <p:cNvPr id="5" name="Footer Placeholder 4"/>
+          <p:cNvPr id="8" name="Footer Placeholder 7"/>
           <p:cNvSpPr>
             <a:spLocks noGrp="1"/>
           </p:cNvSpPr>
@@ -287,7 +340,7 @@
       </p:sp>
       <p:sp>
         <p:nvSpPr>
-          <p:cNvPr id="6" name="Slide Number Placeholder 5"/>
+          <p:cNvPr id="9" name="Slide Number Placeholder 8"/>
           <p:cNvSpPr>
             <a:spLocks noGrp="1"/>
           </p:cNvSpPr>
@@ -311,7 +364,7 @@
     </p:spTree>
     <p:extLst>
       <p:ext uri="{BB962C8B-B14F-4D97-AF65-F5344CB8AC3E}">
-        <p14:creationId xmlns:p14="http://schemas.microsoft.com/office/powerpoint/2010/main" val="2424285643"/>
+        <p14:creationId xmlns:p14="http://schemas.microsoft.com/office/powerpoint/2010/main" val="1859268400"/>
       </p:ext>
     </p:extLst>
   </p:cSld>
@@ -322,6 +375,2543 @@
 </file>
 
 <file path=ppt/slideLayouts/slideLayout10.xml><?xml version="1.0" encoding="utf-8"?>
+<p:sldLayout xmlns:a="http://schemas.openxmlformats.org/drawingml/2006/main" xmlns:r="http://schemas.openxmlformats.org/officeDocument/2006/relationships" xmlns:p="http://schemas.openxmlformats.org/presentationml/2006/main" preserve="1">
+  <p:cSld name="Imagen panorámica con descripción">
+    <p:spTree>
+      <p:nvGrpSpPr>
+        <p:cNvPr id="1" name=""/>
+        <p:cNvGrpSpPr/>
+        <p:nvPr/>
+      </p:nvGrpSpPr>
+      <p:grpSpPr>
+        <a:xfrm>
+          <a:off x="0" y="0"/>
+          <a:ext cx="0" cy="0"/>
+          <a:chOff x="0" y="0"/>
+          <a:chExt cx="0" cy="0"/>
+        </a:xfrm>
+      </p:grpSpPr>
+      <p:sp>
+        <p:nvSpPr>
+          <p:cNvPr id="2" name="Title 1"/>
+          <p:cNvSpPr>
+            <a:spLocks noGrp="1"/>
+          </p:cNvSpPr>
+          <p:nvPr>
+            <p:ph type="title"/>
+          </p:nvPr>
+        </p:nvSpPr>
+        <p:spPr>
+          <a:xfrm>
+            <a:off x="839788" y="4367160"/>
+            <a:ext cx="10515600" cy="819355"/>
+          </a:xfrm>
+        </p:spPr>
+        <p:txBody>
+          <a:bodyPr anchor="b"/>
+          <a:lstStyle>
+            <a:lvl1pPr>
+              <a:defRPr sz="3200"/>
+            </a:lvl1pPr>
+          </a:lstStyle>
+          <a:p>
+            <a:r>
+              <a:rPr lang="es-ES" smtClean="0"/>
+              <a:t>Haga clic para modificar el estilo de título del patrón</a:t>
+            </a:r>
+            <a:endParaRPr lang="en-US" dirty="0"/>
+          </a:p>
+        </p:txBody>
+      </p:sp>
+      <p:sp>
+        <p:nvSpPr>
+          <p:cNvPr id="3" name="Picture Placeholder 2"/>
+          <p:cNvSpPr>
+            <a:spLocks noGrp="1" noChangeAspect="1"/>
+          </p:cNvSpPr>
+          <p:nvPr>
+            <p:ph type="pic" idx="1"/>
+          </p:nvPr>
+        </p:nvSpPr>
+        <p:spPr>
+          <a:xfrm>
+            <a:off x="839788" y="987425"/>
+            <a:ext cx="10515600" cy="3379735"/>
+          </a:xfrm>
+        </p:spPr>
+        <p:txBody>
+          <a:bodyPr anchor="t"/>
+          <a:lstStyle>
+            <a:lvl1pPr marL="0" indent="0">
+              <a:buNone/>
+              <a:defRPr sz="3200"/>
+            </a:lvl1pPr>
+            <a:lvl2pPr marL="457200" indent="0">
+              <a:buNone/>
+              <a:defRPr sz="2800"/>
+            </a:lvl2pPr>
+            <a:lvl3pPr marL="914400" indent="0">
+              <a:buNone/>
+              <a:defRPr sz="2400"/>
+            </a:lvl3pPr>
+            <a:lvl4pPr marL="1371600" indent="0">
+              <a:buNone/>
+              <a:defRPr sz="2000"/>
+            </a:lvl4pPr>
+            <a:lvl5pPr marL="1828800" indent="0">
+              <a:buNone/>
+              <a:defRPr sz="2000"/>
+            </a:lvl5pPr>
+            <a:lvl6pPr marL="2286000" indent="0">
+              <a:buNone/>
+              <a:defRPr sz="2000"/>
+            </a:lvl6pPr>
+            <a:lvl7pPr marL="2743200" indent="0">
+              <a:buNone/>
+              <a:defRPr sz="2000"/>
+            </a:lvl7pPr>
+            <a:lvl8pPr marL="3200400" indent="0">
+              <a:buNone/>
+              <a:defRPr sz="2000"/>
+            </a:lvl8pPr>
+            <a:lvl9pPr marL="3657600" indent="0">
+              <a:buNone/>
+              <a:defRPr sz="2000"/>
+            </a:lvl9pPr>
+          </a:lstStyle>
+          <a:p>
+            <a:r>
+              <a:rPr lang="es-ES" smtClean="0"/>
+              <a:t>Haga clic en el icono para agregar una imagen</a:t>
+            </a:r>
+            <a:endParaRPr lang="en-US" dirty="0"/>
+          </a:p>
+        </p:txBody>
+      </p:sp>
+      <p:sp>
+        <p:nvSpPr>
+          <p:cNvPr id="4" name="Text Placeholder 3"/>
+          <p:cNvSpPr>
+            <a:spLocks noGrp="1"/>
+          </p:cNvSpPr>
+          <p:nvPr>
+            <p:ph type="body" sz="half" idx="2"/>
+          </p:nvPr>
+        </p:nvSpPr>
+        <p:spPr>
+          <a:xfrm>
+            <a:off x="839788" y="5186516"/>
+            <a:ext cx="10514012" cy="682472"/>
+          </a:xfrm>
+        </p:spPr>
+        <p:txBody>
+          <a:bodyPr/>
+          <a:lstStyle>
+            <a:lvl1pPr marL="0" indent="0">
+              <a:buNone/>
+              <a:defRPr sz="1600">
+                <a:gradFill>
+                  <a:gsLst>
+                    <a:gs pos="15000">
+                      <a:schemeClr val="tx2"/>
+                    </a:gs>
+                    <a:gs pos="73000">
+                      <a:schemeClr val="tx2">
+                        <a:lumMod val="60000"/>
+                        <a:lumOff val="40000"/>
+                      </a:schemeClr>
+                    </a:gs>
+                    <a:gs pos="0">
+                      <a:schemeClr val="tx1"/>
+                    </a:gs>
+                    <a:gs pos="100000">
+                      <a:schemeClr val="tx2">
+                        <a:lumMod val="0"/>
+                        <a:lumOff val="100000"/>
+                      </a:schemeClr>
+                    </a:gs>
+                  </a:gsLst>
+                  <a:lin ang="16200000" scaled="1"/>
+                </a:gradFill>
+              </a:defRPr>
+            </a:lvl1pPr>
+            <a:lvl2pPr marL="457200" indent="0">
+              <a:buNone/>
+              <a:defRPr sz="1400"/>
+            </a:lvl2pPr>
+            <a:lvl3pPr marL="914400" indent="0">
+              <a:buNone/>
+              <a:defRPr sz="1200"/>
+            </a:lvl3pPr>
+            <a:lvl4pPr marL="1371600" indent="0">
+              <a:buNone/>
+              <a:defRPr sz="1000"/>
+            </a:lvl4pPr>
+            <a:lvl5pPr marL="1828800" indent="0">
+              <a:buNone/>
+              <a:defRPr sz="1000"/>
+            </a:lvl5pPr>
+            <a:lvl6pPr marL="2286000" indent="0">
+              <a:buNone/>
+              <a:defRPr sz="1000"/>
+            </a:lvl6pPr>
+            <a:lvl7pPr marL="2743200" indent="0">
+              <a:buNone/>
+              <a:defRPr sz="1000"/>
+            </a:lvl7pPr>
+            <a:lvl8pPr marL="3200400" indent="0">
+              <a:buNone/>
+              <a:defRPr sz="1000"/>
+            </a:lvl8pPr>
+            <a:lvl9pPr marL="3657600" indent="0">
+              <a:buNone/>
+              <a:defRPr sz="1000"/>
+            </a:lvl9pPr>
+          </a:lstStyle>
+          <a:p>
+            <a:pPr lvl="0"/>
+            <a:r>
+              <a:rPr lang="es-ES" smtClean="0"/>
+              <a:t>Haga clic para modificar el estilo de texto del patrón</a:t>
+            </a:r>
+          </a:p>
+        </p:txBody>
+      </p:sp>
+      <p:sp>
+        <p:nvSpPr>
+          <p:cNvPr id="5" name="Date Placeholder 4"/>
+          <p:cNvSpPr>
+            <a:spLocks noGrp="1"/>
+          </p:cNvSpPr>
+          <p:nvPr>
+            <p:ph type="dt" sz="half" idx="10"/>
+          </p:nvPr>
+        </p:nvSpPr>
+        <p:spPr/>
+        <p:txBody>
+          <a:bodyPr/>
+          <a:lstStyle/>
+          <a:p>
+            <a:fld id="{2DC4752A-8283-433F-8D9F-D2EF165F857A}" type="datetimeFigureOut">
+              <a:rPr lang="en-US" smtClean="0"/>
+              <a:t>8/18/2016</a:t>
+            </a:fld>
+            <a:endParaRPr lang="en-US"/>
+          </a:p>
+        </p:txBody>
+      </p:sp>
+      <p:sp>
+        <p:nvSpPr>
+          <p:cNvPr id="6" name="Footer Placeholder 5"/>
+          <p:cNvSpPr>
+            <a:spLocks noGrp="1"/>
+          </p:cNvSpPr>
+          <p:nvPr>
+            <p:ph type="ftr" sz="quarter" idx="11"/>
+          </p:nvPr>
+        </p:nvSpPr>
+        <p:spPr/>
+        <p:txBody>
+          <a:bodyPr/>
+          <a:lstStyle/>
+          <a:p>
+            <a:endParaRPr lang="en-US"/>
+          </a:p>
+        </p:txBody>
+      </p:sp>
+      <p:sp>
+        <p:nvSpPr>
+          <p:cNvPr id="7" name="Slide Number Placeholder 6"/>
+          <p:cNvSpPr>
+            <a:spLocks noGrp="1"/>
+          </p:cNvSpPr>
+          <p:nvPr>
+            <p:ph type="sldNum" sz="quarter" idx="12"/>
+          </p:nvPr>
+        </p:nvSpPr>
+        <p:spPr/>
+        <p:txBody>
+          <a:bodyPr/>
+          <a:lstStyle/>
+          <a:p>
+            <a:fld id="{3D016699-BB03-4E62-B809-A100F09088A4}" type="slidenum">
+              <a:rPr lang="en-US" smtClean="0"/>
+              <a:t>‹Nº›</a:t>
+            </a:fld>
+            <a:endParaRPr lang="en-US"/>
+          </a:p>
+        </p:txBody>
+      </p:sp>
+    </p:spTree>
+    <p:extLst>
+      <p:ext uri="{BB962C8B-B14F-4D97-AF65-F5344CB8AC3E}">
+        <p14:creationId xmlns:p14="http://schemas.microsoft.com/office/powerpoint/2010/main" val="1622023964"/>
+      </p:ext>
+    </p:extLst>
+  </p:cSld>
+  <p:clrMapOvr>
+    <a:masterClrMapping/>
+  </p:clrMapOvr>
+</p:sldLayout>
+</file>
+
+<file path=ppt/slideLayouts/slideLayout11.xml><?xml version="1.0" encoding="utf-8"?>
+<p:sldLayout xmlns:a="http://schemas.openxmlformats.org/drawingml/2006/main" xmlns:r="http://schemas.openxmlformats.org/officeDocument/2006/relationships" xmlns:p="http://schemas.openxmlformats.org/presentationml/2006/main" preserve="1">
+  <p:cSld name="Título y descripción">
+    <p:spTree>
+      <p:nvGrpSpPr>
+        <p:cNvPr id="1" name=""/>
+        <p:cNvGrpSpPr/>
+        <p:nvPr/>
+      </p:nvGrpSpPr>
+      <p:grpSpPr>
+        <a:xfrm>
+          <a:off x="0" y="0"/>
+          <a:ext cx="0" cy="0"/>
+          <a:chOff x="0" y="0"/>
+          <a:chExt cx="0" cy="0"/>
+        </a:xfrm>
+      </p:grpSpPr>
+      <p:sp>
+        <p:nvSpPr>
+          <p:cNvPr id="2" name="Title 1"/>
+          <p:cNvSpPr>
+            <a:spLocks noGrp="1"/>
+          </p:cNvSpPr>
+          <p:nvPr>
+            <p:ph type="title"/>
+          </p:nvPr>
+        </p:nvSpPr>
+        <p:spPr>
+          <a:xfrm>
+            <a:off x="839788" y="365125"/>
+            <a:ext cx="10515600" cy="3534344"/>
+          </a:xfrm>
+        </p:spPr>
+        <p:txBody>
+          <a:bodyPr anchor="ctr"/>
+          <a:lstStyle>
+            <a:lvl1pPr>
+              <a:defRPr sz="3200"/>
+            </a:lvl1pPr>
+          </a:lstStyle>
+          <a:p>
+            <a:r>
+              <a:rPr lang="es-ES" smtClean="0"/>
+              <a:t>Haga clic para modificar el estilo de título del patrón</a:t>
+            </a:r>
+            <a:endParaRPr lang="en-US" dirty="0"/>
+          </a:p>
+        </p:txBody>
+      </p:sp>
+      <p:sp>
+        <p:nvSpPr>
+          <p:cNvPr id="4" name="Text Placeholder 3"/>
+          <p:cNvSpPr>
+            <a:spLocks noGrp="1"/>
+          </p:cNvSpPr>
+          <p:nvPr>
+            <p:ph type="body" sz="half" idx="2"/>
+          </p:nvPr>
+        </p:nvSpPr>
+        <p:spPr>
+          <a:xfrm>
+            <a:off x="839788" y="4489399"/>
+            <a:ext cx="10514012" cy="1501826"/>
+          </a:xfrm>
+        </p:spPr>
+        <p:txBody>
+          <a:bodyPr anchor="ctr"/>
+          <a:lstStyle>
+            <a:lvl1pPr marL="0" indent="0">
+              <a:buNone/>
+              <a:defRPr sz="1600"/>
+            </a:lvl1pPr>
+            <a:lvl2pPr marL="457200" indent="0">
+              <a:buNone/>
+              <a:defRPr sz="1400"/>
+            </a:lvl2pPr>
+            <a:lvl3pPr marL="914400" indent="0">
+              <a:buNone/>
+              <a:defRPr sz="1200"/>
+            </a:lvl3pPr>
+            <a:lvl4pPr marL="1371600" indent="0">
+              <a:buNone/>
+              <a:defRPr sz="1000"/>
+            </a:lvl4pPr>
+            <a:lvl5pPr marL="1828800" indent="0">
+              <a:buNone/>
+              <a:defRPr sz="1000"/>
+            </a:lvl5pPr>
+            <a:lvl6pPr marL="2286000" indent="0">
+              <a:buNone/>
+              <a:defRPr sz="1000"/>
+            </a:lvl6pPr>
+            <a:lvl7pPr marL="2743200" indent="0">
+              <a:buNone/>
+              <a:defRPr sz="1000"/>
+            </a:lvl7pPr>
+            <a:lvl8pPr marL="3200400" indent="0">
+              <a:buNone/>
+              <a:defRPr sz="1000"/>
+            </a:lvl8pPr>
+            <a:lvl9pPr marL="3657600" indent="0">
+              <a:buNone/>
+              <a:defRPr sz="1000"/>
+            </a:lvl9pPr>
+          </a:lstStyle>
+          <a:p>
+            <a:pPr lvl="0"/>
+            <a:r>
+              <a:rPr lang="es-ES" smtClean="0"/>
+              <a:t>Haga clic para modificar el estilo de texto del patrón</a:t>
+            </a:r>
+          </a:p>
+        </p:txBody>
+      </p:sp>
+      <p:sp>
+        <p:nvSpPr>
+          <p:cNvPr id="5" name="Date Placeholder 4"/>
+          <p:cNvSpPr>
+            <a:spLocks noGrp="1"/>
+          </p:cNvSpPr>
+          <p:nvPr>
+            <p:ph type="dt" sz="half" idx="10"/>
+          </p:nvPr>
+        </p:nvSpPr>
+        <p:spPr/>
+        <p:txBody>
+          <a:bodyPr/>
+          <a:lstStyle/>
+          <a:p>
+            <a:fld id="{2DC4752A-8283-433F-8D9F-D2EF165F857A}" type="datetimeFigureOut">
+              <a:rPr lang="en-US" smtClean="0"/>
+              <a:t>8/18/2016</a:t>
+            </a:fld>
+            <a:endParaRPr lang="en-US"/>
+          </a:p>
+        </p:txBody>
+      </p:sp>
+      <p:sp>
+        <p:nvSpPr>
+          <p:cNvPr id="6" name="Footer Placeholder 5"/>
+          <p:cNvSpPr>
+            <a:spLocks noGrp="1"/>
+          </p:cNvSpPr>
+          <p:nvPr>
+            <p:ph type="ftr" sz="quarter" idx="11"/>
+          </p:nvPr>
+        </p:nvSpPr>
+        <p:spPr/>
+        <p:txBody>
+          <a:bodyPr/>
+          <a:lstStyle/>
+          <a:p>
+            <a:endParaRPr lang="en-US"/>
+          </a:p>
+        </p:txBody>
+      </p:sp>
+      <p:sp>
+        <p:nvSpPr>
+          <p:cNvPr id="7" name="Slide Number Placeholder 6"/>
+          <p:cNvSpPr>
+            <a:spLocks noGrp="1"/>
+          </p:cNvSpPr>
+          <p:nvPr>
+            <p:ph type="sldNum" sz="quarter" idx="12"/>
+          </p:nvPr>
+        </p:nvSpPr>
+        <p:spPr/>
+        <p:txBody>
+          <a:bodyPr/>
+          <a:lstStyle/>
+          <a:p>
+            <a:fld id="{3D016699-BB03-4E62-B809-A100F09088A4}" type="slidenum">
+              <a:rPr lang="en-US" smtClean="0"/>
+              <a:t>‹Nº›</a:t>
+            </a:fld>
+            <a:endParaRPr lang="en-US"/>
+          </a:p>
+        </p:txBody>
+      </p:sp>
+    </p:spTree>
+    <p:extLst>
+      <p:ext uri="{BB962C8B-B14F-4D97-AF65-F5344CB8AC3E}">
+        <p14:creationId xmlns:p14="http://schemas.microsoft.com/office/powerpoint/2010/main" val="2069143556"/>
+      </p:ext>
+    </p:extLst>
+  </p:cSld>
+  <p:clrMapOvr>
+    <a:masterClrMapping/>
+  </p:clrMapOvr>
+</p:sldLayout>
+</file>
+
+<file path=ppt/slideLayouts/slideLayout12.xml><?xml version="1.0" encoding="utf-8"?>
+<p:sldLayout xmlns:a="http://schemas.openxmlformats.org/drawingml/2006/main" xmlns:r="http://schemas.openxmlformats.org/officeDocument/2006/relationships" xmlns:p="http://schemas.openxmlformats.org/presentationml/2006/main" preserve="1">
+  <p:cSld name="Cita con descripción">
+    <p:spTree>
+      <p:nvGrpSpPr>
+        <p:cNvPr id="1" name=""/>
+        <p:cNvGrpSpPr/>
+        <p:nvPr/>
+      </p:nvGrpSpPr>
+      <p:grpSpPr>
+        <a:xfrm>
+          <a:off x="0" y="0"/>
+          <a:ext cx="0" cy="0"/>
+          <a:chOff x="0" y="0"/>
+          <a:chExt cx="0" cy="0"/>
+        </a:xfrm>
+      </p:grpSpPr>
+      <p:sp>
+        <p:nvSpPr>
+          <p:cNvPr id="2" name="Title 1"/>
+          <p:cNvSpPr>
+            <a:spLocks noGrp="1"/>
+          </p:cNvSpPr>
+          <p:nvPr>
+            <p:ph type="title"/>
+          </p:nvPr>
+        </p:nvSpPr>
+        <p:spPr>
+          <a:xfrm>
+            <a:off x="1446212" y="365125"/>
+            <a:ext cx="9302752" cy="2992904"/>
+          </a:xfrm>
+        </p:spPr>
+        <p:txBody>
+          <a:bodyPr anchor="ctr"/>
+          <a:lstStyle>
+            <a:lvl1pPr>
+              <a:defRPr sz="4400"/>
+            </a:lvl1pPr>
+          </a:lstStyle>
+          <a:p>
+            <a:r>
+              <a:rPr lang="es-ES" smtClean="0"/>
+              <a:t>Haga clic para modificar el estilo de título del patrón</a:t>
+            </a:r>
+            <a:endParaRPr lang="en-US" dirty="0"/>
+          </a:p>
+        </p:txBody>
+      </p:sp>
+      <p:sp>
+        <p:nvSpPr>
+          <p:cNvPr id="12" name="Text Placeholder 3"/>
+          <p:cNvSpPr>
+            <a:spLocks noGrp="1"/>
+          </p:cNvSpPr>
+          <p:nvPr>
+            <p:ph type="body" sz="half" idx="13"/>
+          </p:nvPr>
+        </p:nvSpPr>
+        <p:spPr>
+          <a:xfrm>
+            <a:off x="1720644" y="3365557"/>
+            <a:ext cx="8752299" cy="548968"/>
+          </a:xfrm>
+        </p:spPr>
+        <p:txBody>
+          <a:bodyPr anchor="t">
+            <a:normAutofit/>
+          </a:bodyPr>
+          <a:lstStyle>
+            <a:lvl1pPr marL="0" indent="0">
+              <a:buNone/>
+              <a:defRPr sz="1400"/>
+            </a:lvl1pPr>
+            <a:lvl2pPr marL="457200" indent="0">
+              <a:buNone/>
+              <a:defRPr sz="1400"/>
+            </a:lvl2pPr>
+            <a:lvl3pPr marL="914400" indent="0">
+              <a:buNone/>
+              <a:defRPr sz="1200"/>
+            </a:lvl3pPr>
+            <a:lvl4pPr marL="1371600" indent="0">
+              <a:buNone/>
+              <a:defRPr sz="1000"/>
+            </a:lvl4pPr>
+            <a:lvl5pPr marL="1828800" indent="0">
+              <a:buNone/>
+              <a:defRPr sz="1000"/>
+            </a:lvl5pPr>
+            <a:lvl6pPr marL="2286000" indent="0">
+              <a:buNone/>
+              <a:defRPr sz="1000"/>
+            </a:lvl6pPr>
+            <a:lvl7pPr marL="2743200" indent="0">
+              <a:buNone/>
+              <a:defRPr sz="1000"/>
+            </a:lvl7pPr>
+            <a:lvl8pPr marL="3200400" indent="0">
+              <a:buNone/>
+              <a:defRPr sz="1000"/>
+            </a:lvl8pPr>
+            <a:lvl9pPr marL="3657600" indent="0">
+              <a:buNone/>
+              <a:defRPr sz="1000"/>
+            </a:lvl9pPr>
+          </a:lstStyle>
+          <a:p>
+            <a:pPr lvl="0"/>
+            <a:r>
+              <a:rPr lang="es-ES" smtClean="0"/>
+              <a:t>Haga clic para modificar el estilo de texto del patrón</a:t>
+            </a:r>
+          </a:p>
+        </p:txBody>
+      </p:sp>
+      <p:sp>
+        <p:nvSpPr>
+          <p:cNvPr id="4" name="Text Placeholder 3"/>
+          <p:cNvSpPr>
+            <a:spLocks noGrp="1"/>
+          </p:cNvSpPr>
+          <p:nvPr>
+            <p:ph type="body" sz="half" idx="2"/>
+          </p:nvPr>
+        </p:nvSpPr>
+        <p:spPr>
+          <a:xfrm>
+            <a:off x="838200" y="4501729"/>
+            <a:ext cx="10512424" cy="1489496"/>
+          </a:xfrm>
+        </p:spPr>
+        <p:txBody>
+          <a:bodyPr anchor="ctr">
+            <a:normAutofit/>
+          </a:bodyPr>
+          <a:lstStyle>
+            <a:lvl1pPr marL="0" indent="0">
+              <a:buNone/>
+              <a:defRPr sz="1600"/>
+            </a:lvl1pPr>
+            <a:lvl2pPr marL="457200" indent="0">
+              <a:buNone/>
+              <a:defRPr sz="1400"/>
+            </a:lvl2pPr>
+            <a:lvl3pPr marL="914400" indent="0">
+              <a:buNone/>
+              <a:defRPr sz="1200"/>
+            </a:lvl3pPr>
+            <a:lvl4pPr marL="1371600" indent="0">
+              <a:buNone/>
+              <a:defRPr sz="1000"/>
+            </a:lvl4pPr>
+            <a:lvl5pPr marL="1828800" indent="0">
+              <a:buNone/>
+              <a:defRPr sz="1000"/>
+            </a:lvl5pPr>
+            <a:lvl6pPr marL="2286000" indent="0">
+              <a:buNone/>
+              <a:defRPr sz="1000"/>
+            </a:lvl6pPr>
+            <a:lvl7pPr marL="2743200" indent="0">
+              <a:buNone/>
+              <a:defRPr sz="1000"/>
+            </a:lvl7pPr>
+            <a:lvl8pPr marL="3200400" indent="0">
+              <a:buNone/>
+              <a:defRPr sz="1000"/>
+            </a:lvl8pPr>
+            <a:lvl9pPr marL="3657600" indent="0">
+              <a:buNone/>
+              <a:defRPr sz="1000"/>
+            </a:lvl9pPr>
+          </a:lstStyle>
+          <a:p>
+            <a:pPr lvl="0"/>
+            <a:r>
+              <a:rPr lang="es-ES" smtClean="0"/>
+              <a:t>Haga clic para modificar el estilo de texto del patrón</a:t>
+            </a:r>
+          </a:p>
+        </p:txBody>
+      </p:sp>
+      <p:sp>
+        <p:nvSpPr>
+          <p:cNvPr id="5" name="Date Placeholder 4"/>
+          <p:cNvSpPr>
+            <a:spLocks noGrp="1"/>
+          </p:cNvSpPr>
+          <p:nvPr>
+            <p:ph type="dt" sz="half" idx="10"/>
+          </p:nvPr>
+        </p:nvSpPr>
+        <p:spPr/>
+        <p:txBody>
+          <a:bodyPr/>
+          <a:lstStyle/>
+          <a:p>
+            <a:fld id="{2DC4752A-8283-433F-8D9F-D2EF165F857A}" type="datetimeFigureOut">
+              <a:rPr lang="en-US" smtClean="0"/>
+              <a:t>8/18/2016</a:t>
+            </a:fld>
+            <a:endParaRPr lang="en-US"/>
+          </a:p>
+        </p:txBody>
+      </p:sp>
+      <p:sp>
+        <p:nvSpPr>
+          <p:cNvPr id="6" name="Footer Placeholder 5"/>
+          <p:cNvSpPr>
+            <a:spLocks noGrp="1"/>
+          </p:cNvSpPr>
+          <p:nvPr>
+            <p:ph type="ftr" sz="quarter" idx="11"/>
+          </p:nvPr>
+        </p:nvSpPr>
+        <p:spPr/>
+        <p:txBody>
+          <a:bodyPr/>
+          <a:lstStyle/>
+          <a:p>
+            <a:endParaRPr lang="en-US"/>
+          </a:p>
+        </p:txBody>
+      </p:sp>
+      <p:sp>
+        <p:nvSpPr>
+          <p:cNvPr id="7" name="Slide Number Placeholder 6"/>
+          <p:cNvSpPr>
+            <a:spLocks noGrp="1"/>
+          </p:cNvSpPr>
+          <p:nvPr>
+            <p:ph type="sldNum" sz="quarter" idx="12"/>
+          </p:nvPr>
+        </p:nvSpPr>
+        <p:spPr/>
+        <p:txBody>
+          <a:bodyPr/>
+          <a:lstStyle/>
+          <a:p>
+            <a:fld id="{3D016699-BB03-4E62-B809-A100F09088A4}" type="slidenum">
+              <a:rPr lang="en-US" smtClean="0"/>
+              <a:t>‹Nº›</a:t>
+            </a:fld>
+            <a:endParaRPr lang="en-US"/>
+          </a:p>
+        </p:txBody>
+      </p:sp>
+      <p:sp>
+        <p:nvSpPr>
+          <p:cNvPr id="9" name="TextBox 8"/>
+          <p:cNvSpPr txBox="1"/>
+          <p:nvPr/>
+        </p:nvSpPr>
+        <p:spPr>
+          <a:xfrm>
+            <a:off x="1111044" y="786824"/>
+            <a:ext cx="609600" cy="584776"/>
+          </a:xfrm>
+          <a:prstGeom prst="rect">
+            <a:avLst/>
+          </a:prstGeom>
+        </p:spPr>
+        <p:txBody>
+          <a:bodyPr vert="horz" lIns="91440" tIns="45720" rIns="91440" bIns="45720" rtlCol="0" anchor="ctr">
+            <a:noAutofit/>
+          </a:bodyPr>
+          <a:lstStyle>
+            <a:lvl1pPr>
+              <a:spcBef>
+                <a:spcPct val="0"/>
+              </a:spcBef>
+              <a:buNone/>
+              <a:defRPr sz="3200" b="0" cap="all">
+                <a:ln w="3175" cmpd="sng">
+                  <a:noFill/>
+                </a:ln>
+                <a:effectLst>
+                  <a:glow rad="38100">
+                    <a:schemeClr val="bg1">
+                      <a:lumMod val="65000"/>
+                      <a:lumOff val="35000"/>
+                      <a:alpha val="40000"/>
+                    </a:schemeClr>
+                  </a:glow>
+                  <a:outerShdw blurRad="28575" dist="38100" dir="14040000" algn="tl" rotWithShape="0">
+                    <a:srgbClr val="000000">
+                      <a:alpha val="25000"/>
+                    </a:srgbClr>
+                  </a:outerShdw>
+                </a:effectLst>
+              </a:defRPr>
+            </a:lvl1pPr>
+            <a:lvl2pPr>
+              <a:defRPr>
+                <a:solidFill>
+                  <a:schemeClr val="tx2"/>
+                </a:solidFill>
+              </a:defRPr>
+            </a:lvl2pPr>
+            <a:lvl3pPr>
+              <a:defRPr>
+                <a:solidFill>
+                  <a:schemeClr val="tx2"/>
+                </a:solidFill>
+              </a:defRPr>
+            </a:lvl3pPr>
+            <a:lvl4pPr>
+              <a:defRPr>
+                <a:solidFill>
+                  <a:schemeClr val="tx2"/>
+                </a:solidFill>
+              </a:defRPr>
+            </a:lvl4pPr>
+            <a:lvl5pPr>
+              <a:defRPr>
+                <a:solidFill>
+                  <a:schemeClr val="tx2"/>
+                </a:solidFill>
+              </a:defRPr>
+            </a:lvl5pPr>
+            <a:lvl6pPr>
+              <a:defRPr>
+                <a:solidFill>
+                  <a:schemeClr val="tx2"/>
+                </a:solidFill>
+              </a:defRPr>
+            </a:lvl6pPr>
+            <a:lvl7pPr>
+              <a:defRPr>
+                <a:solidFill>
+                  <a:schemeClr val="tx2"/>
+                </a:solidFill>
+              </a:defRPr>
+            </a:lvl7pPr>
+            <a:lvl8pPr>
+              <a:defRPr>
+                <a:solidFill>
+                  <a:schemeClr val="tx2"/>
+                </a:solidFill>
+              </a:defRPr>
+            </a:lvl8pPr>
+            <a:lvl9pPr>
+              <a:defRPr>
+                <a:solidFill>
+                  <a:schemeClr val="tx2"/>
+                </a:solidFill>
+              </a:defRPr>
+            </a:lvl9pPr>
+          </a:lstStyle>
+          <a:p>
+            <a:pPr lvl="0"/>
+            <a:r>
+              <a:rPr lang="en-US" sz="8000" dirty="0">
+                <a:solidFill>
+                  <a:schemeClr val="tx1"/>
+                </a:solidFill>
+                <a:effectLst/>
+              </a:rPr>
+              <a:t>“</a:t>
+            </a:r>
+          </a:p>
+        </p:txBody>
+      </p:sp>
+      <p:sp>
+        <p:nvSpPr>
+          <p:cNvPr id="10" name="TextBox 9"/>
+          <p:cNvSpPr txBox="1"/>
+          <p:nvPr/>
+        </p:nvSpPr>
+        <p:spPr>
+          <a:xfrm>
+            <a:off x="10437812" y="2743200"/>
+            <a:ext cx="609600" cy="584776"/>
+          </a:xfrm>
+          <a:prstGeom prst="rect">
+            <a:avLst/>
+          </a:prstGeom>
+        </p:spPr>
+        <p:txBody>
+          <a:bodyPr vert="horz" lIns="91440" tIns="45720" rIns="91440" bIns="45720" rtlCol="0" anchor="ctr">
+            <a:noAutofit/>
+          </a:bodyPr>
+          <a:lstStyle>
+            <a:lvl1pPr>
+              <a:spcBef>
+                <a:spcPct val="0"/>
+              </a:spcBef>
+              <a:buNone/>
+              <a:defRPr sz="3200" b="0" cap="all">
+                <a:ln w="3175" cmpd="sng">
+                  <a:noFill/>
+                </a:ln>
+                <a:effectLst>
+                  <a:glow rad="38100">
+                    <a:schemeClr val="bg1">
+                      <a:lumMod val="65000"/>
+                      <a:lumOff val="35000"/>
+                      <a:alpha val="40000"/>
+                    </a:schemeClr>
+                  </a:glow>
+                  <a:outerShdw blurRad="28575" dist="38100" dir="14040000" algn="tl" rotWithShape="0">
+                    <a:srgbClr val="000000">
+                      <a:alpha val="25000"/>
+                    </a:srgbClr>
+                  </a:outerShdw>
+                </a:effectLst>
+              </a:defRPr>
+            </a:lvl1pPr>
+            <a:lvl2pPr>
+              <a:defRPr>
+                <a:solidFill>
+                  <a:schemeClr val="tx2"/>
+                </a:solidFill>
+              </a:defRPr>
+            </a:lvl2pPr>
+            <a:lvl3pPr>
+              <a:defRPr>
+                <a:solidFill>
+                  <a:schemeClr val="tx2"/>
+                </a:solidFill>
+              </a:defRPr>
+            </a:lvl3pPr>
+            <a:lvl4pPr>
+              <a:defRPr>
+                <a:solidFill>
+                  <a:schemeClr val="tx2"/>
+                </a:solidFill>
+              </a:defRPr>
+            </a:lvl4pPr>
+            <a:lvl5pPr>
+              <a:defRPr>
+                <a:solidFill>
+                  <a:schemeClr val="tx2"/>
+                </a:solidFill>
+              </a:defRPr>
+            </a:lvl5pPr>
+            <a:lvl6pPr>
+              <a:defRPr>
+                <a:solidFill>
+                  <a:schemeClr val="tx2"/>
+                </a:solidFill>
+              </a:defRPr>
+            </a:lvl6pPr>
+            <a:lvl7pPr>
+              <a:defRPr>
+                <a:solidFill>
+                  <a:schemeClr val="tx2"/>
+                </a:solidFill>
+              </a:defRPr>
+            </a:lvl7pPr>
+            <a:lvl8pPr>
+              <a:defRPr>
+                <a:solidFill>
+                  <a:schemeClr val="tx2"/>
+                </a:solidFill>
+              </a:defRPr>
+            </a:lvl8pPr>
+            <a:lvl9pPr>
+              <a:defRPr>
+                <a:solidFill>
+                  <a:schemeClr val="tx2"/>
+                </a:solidFill>
+              </a:defRPr>
+            </a:lvl9pPr>
+          </a:lstStyle>
+          <a:p>
+            <a:pPr lvl="0" algn="r"/>
+            <a:r>
+              <a:rPr lang="en-US" sz="8000" dirty="0">
+                <a:solidFill>
+                  <a:schemeClr val="tx1"/>
+                </a:solidFill>
+                <a:effectLst/>
+              </a:rPr>
+              <a:t>”</a:t>
+            </a:r>
+          </a:p>
+        </p:txBody>
+      </p:sp>
+    </p:spTree>
+    <p:extLst>
+      <p:ext uri="{BB962C8B-B14F-4D97-AF65-F5344CB8AC3E}">
+        <p14:creationId xmlns:p14="http://schemas.microsoft.com/office/powerpoint/2010/main" val="2711410145"/>
+      </p:ext>
+    </p:extLst>
+  </p:cSld>
+  <p:clrMapOvr>
+    <a:masterClrMapping/>
+  </p:clrMapOvr>
+</p:sldLayout>
+</file>
+
+<file path=ppt/slideLayouts/slideLayout13.xml><?xml version="1.0" encoding="utf-8"?>
+<p:sldLayout xmlns:a="http://schemas.openxmlformats.org/drawingml/2006/main" xmlns:r="http://schemas.openxmlformats.org/officeDocument/2006/relationships" xmlns:p="http://schemas.openxmlformats.org/presentationml/2006/main" preserve="1">
+  <p:cSld name="Tarjeta de nombre">
+    <p:spTree>
+      <p:nvGrpSpPr>
+        <p:cNvPr id="1" name=""/>
+        <p:cNvGrpSpPr/>
+        <p:nvPr/>
+      </p:nvGrpSpPr>
+      <p:grpSpPr>
+        <a:xfrm>
+          <a:off x="0" y="0"/>
+          <a:ext cx="0" cy="0"/>
+          <a:chOff x="0" y="0"/>
+          <a:chExt cx="0" cy="0"/>
+        </a:xfrm>
+      </p:grpSpPr>
+      <p:sp>
+        <p:nvSpPr>
+          <p:cNvPr id="2" name="Title 1"/>
+          <p:cNvSpPr>
+            <a:spLocks noGrp="1"/>
+          </p:cNvSpPr>
+          <p:nvPr>
+            <p:ph type="title"/>
+          </p:nvPr>
+        </p:nvSpPr>
+        <p:spPr>
+          <a:xfrm>
+            <a:off x="839788" y="2326967"/>
+            <a:ext cx="10515600" cy="2511835"/>
+          </a:xfrm>
+        </p:spPr>
+        <p:txBody>
+          <a:bodyPr anchor="b">
+            <a:normAutofit/>
+          </a:bodyPr>
+          <a:lstStyle>
+            <a:lvl1pPr>
+              <a:defRPr sz="5400"/>
+            </a:lvl1pPr>
+          </a:lstStyle>
+          <a:p>
+            <a:r>
+              <a:rPr lang="es-ES" smtClean="0"/>
+              <a:t>Haga clic para modificar el estilo de título del patrón</a:t>
+            </a:r>
+            <a:endParaRPr lang="en-US" dirty="0"/>
+          </a:p>
+        </p:txBody>
+      </p:sp>
+      <p:sp>
+        <p:nvSpPr>
+          <p:cNvPr id="4" name="Text Placeholder 3"/>
+          <p:cNvSpPr>
+            <a:spLocks noGrp="1"/>
+          </p:cNvSpPr>
+          <p:nvPr>
+            <p:ph type="body" sz="half" idx="2"/>
+          </p:nvPr>
+        </p:nvSpPr>
+        <p:spPr>
+          <a:xfrm>
+            <a:off x="839788" y="4850581"/>
+            <a:ext cx="10514012" cy="1140644"/>
+          </a:xfrm>
+        </p:spPr>
+        <p:txBody>
+          <a:bodyPr anchor="t"/>
+          <a:lstStyle>
+            <a:lvl1pPr marL="0" indent="0">
+              <a:buNone/>
+              <a:defRPr sz="1600"/>
+            </a:lvl1pPr>
+            <a:lvl2pPr marL="457200" indent="0">
+              <a:buNone/>
+              <a:defRPr sz="1400"/>
+            </a:lvl2pPr>
+            <a:lvl3pPr marL="914400" indent="0">
+              <a:buNone/>
+              <a:defRPr sz="1200"/>
+            </a:lvl3pPr>
+            <a:lvl4pPr marL="1371600" indent="0">
+              <a:buNone/>
+              <a:defRPr sz="1000"/>
+            </a:lvl4pPr>
+            <a:lvl5pPr marL="1828800" indent="0">
+              <a:buNone/>
+              <a:defRPr sz="1000"/>
+            </a:lvl5pPr>
+            <a:lvl6pPr marL="2286000" indent="0">
+              <a:buNone/>
+              <a:defRPr sz="1000"/>
+            </a:lvl6pPr>
+            <a:lvl7pPr marL="2743200" indent="0">
+              <a:buNone/>
+              <a:defRPr sz="1000"/>
+            </a:lvl7pPr>
+            <a:lvl8pPr marL="3200400" indent="0">
+              <a:buNone/>
+              <a:defRPr sz="1000"/>
+            </a:lvl8pPr>
+            <a:lvl9pPr marL="3657600" indent="0">
+              <a:buNone/>
+              <a:defRPr sz="1000"/>
+            </a:lvl9pPr>
+          </a:lstStyle>
+          <a:p>
+            <a:pPr lvl="0"/>
+            <a:r>
+              <a:rPr lang="es-ES" smtClean="0"/>
+              <a:t>Haga clic para modificar el estilo de texto del patrón</a:t>
+            </a:r>
+          </a:p>
+        </p:txBody>
+      </p:sp>
+      <p:sp>
+        <p:nvSpPr>
+          <p:cNvPr id="5" name="Date Placeholder 4"/>
+          <p:cNvSpPr>
+            <a:spLocks noGrp="1"/>
+          </p:cNvSpPr>
+          <p:nvPr>
+            <p:ph type="dt" sz="half" idx="10"/>
+          </p:nvPr>
+        </p:nvSpPr>
+        <p:spPr/>
+        <p:txBody>
+          <a:bodyPr/>
+          <a:lstStyle/>
+          <a:p>
+            <a:fld id="{2DC4752A-8283-433F-8D9F-D2EF165F857A}" type="datetimeFigureOut">
+              <a:rPr lang="en-US" smtClean="0"/>
+              <a:t>8/18/2016</a:t>
+            </a:fld>
+            <a:endParaRPr lang="en-US"/>
+          </a:p>
+        </p:txBody>
+      </p:sp>
+      <p:sp>
+        <p:nvSpPr>
+          <p:cNvPr id="6" name="Footer Placeholder 5"/>
+          <p:cNvSpPr>
+            <a:spLocks noGrp="1"/>
+          </p:cNvSpPr>
+          <p:nvPr>
+            <p:ph type="ftr" sz="quarter" idx="11"/>
+          </p:nvPr>
+        </p:nvSpPr>
+        <p:spPr/>
+        <p:txBody>
+          <a:bodyPr/>
+          <a:lstStyle/>
+          <a:p>
+            <a:endParaRPr lang="en-US"/>
+          </a:p>
+        </p:txBody>
+      </p:sp>
+      <p:sp>
+        <p:nvSpPr>
+          <p:cNvPr id="7" name="Slide Number Placeholder 6"/>
+          <p:cNvSpPr>
+            <a:spLocks noGrp="1"/>
+          </p:cNvSpPr>
+          <p:nvPr>
+            <p:ph type="sldNum" sz="quarter" idx="12"/>
+          </p:nvPr>
+        </p:nvSpPr>
+        <p:spPr/>
+        <p:txBody>
+          <a:bodyPr/>
+          <a:lstStyle/>
+          <a:p>
+            <a:fld id="{3D016699-BB03-4E62-B809-A100F09088A4}" type="slidenum">
+              <a:rPr lang="en-US" smtClean="0"/>
+              <a:t>‹Nº›</a:t>
+            </a:fld>
+            <a:endParaRPr lang="en-US"/>
+          </a:p>
+        </p:txBody>
+      </p:sp>
+    </p:spTree>
+    <p:extLst>
+      <p:ext uri="{BB962C8B-B14F-4D97-AF65-F5344CB8AC3E}">
+        <p14:creationId xmlns:p14="http://schemas.microsoft.com/office/powerpoint/2010/main" val="2433003620"/>
+      </p:ext>
+    </p:extLst>
+  </p:cSld>
+  <p:clrMapOvr>
+    <a:masterClrMapping/>
+  </p:clrMapOvr>
+</p:sldLayout>
+</file>
+
+<file path=ppt/slideLayouts/slideLayout14.xml><?xml version="1.0" encoding="utf-8"?>
+<p:sldLayout xmlns:a="http://schemas.openxmlformats.org/drawingml/2006/main" xmlns:r="http://schemas.openxmlformats.org/officeDocument/2006/relationships" xmlns:p="http://schemas.openxmlformats.org/presentationml/2006/main" preserve="1">
+  <p:cSld name="Columna 3">
+    <p:spTree>
+      <p:nvGrpSpPr>
+        <p:cNvPr id="1" name=""/>
+        <p:cNvGrpSpPr/>
+        <p:nvPr/>
+      </p:nvGrpSpPr>
+      <p:grpSpPr>
+        <a:xfrm>
+          <a:off x="0" y="0"/>
+          <a:ext cx="0" cy="0"/>
+          <a:chOff x="0" y="0"/>
+          <a:chExt cx="0" cy="0"/>
+        </a:xfrm>
+      </p:grpSpPr>
+      <p:sp>
+        <p:nvSpPr>
+          <p:cNvPr id="15" name="Title 1"/>
+          <p:cNvSpPr>
+            <a:spLocks noGrp="1"/>
+          </p:cNvSpPr>
+          <p:nvPr>
+            <p:ph type="title"/>
+          </p:nvPr>
+        </p:nvSpPr>
+        <p:spPr>
+          <a:xfrm>
+            <a:off x="838200" y="365125"/>
+            <a:ext cx="10515600" cy="1325563"/>
+          </a:xfrm>
+        </p:spPr>
+        <p:txBody>
+          <a:bodyPr/>
+          <a:lstStyle/>
+          <a:p>
+            <a:r>
+              <a:rPr lang="es-ES" smtClean="0"/>
+              <a:t>Haga clic para modificar el estilo de título del patrón</a:t>
+            </a:r>
+            <a:endParaRPr lang="en-US" dirty="0"/>
+          </a:p>
+        </p:txBody>
+      </p:sp>
+      <p:sp>
+        <p:nvSpPr>
+          <p:cNvPr id="7" name="Text Placeholder 2"/>
+          <p:cNvSpPr>
+            <a:spLocks noGrp="1"/>
+          </p:cNvSpPr>
+          <p:nvPr>
+            <p:ph type="body" idx="1"/>
+          </p:nvPr>
+        </p:nvSpPr>
+        <p:spPr>
+          <a:xfrm>
+            <a:off x="1337282" y="1885950"/>
+            <a:ext cx="2946866" cy="576262"/>
+          </a:xfrm>
+        </p:spPr>
+        <p:txBody>
+          <a:bodyPr anchor="b">
+            <a:noAutofit/>
+          </a:bodyPr>
+          <a:lstStyle>
+            <a:lvl1pPr marL="0" indent="0">
+              <a:buNone/>
+              <a:defRPr sz="2400" b="0">
+                <a:gradFill>
+                  <a:gsLst>
+                    <a:gs pos="15000">
+                      <a:schemeClr val="tx2"/>
+                    </a:gs>
+                    <a:gs pos="73000">
+                      <a:schemeClr val="tx2">
+                        <a:lumMod val="60000"/>
+                        <a:lumOff val="40000"/>
+                      </a:schemeClr>
+                    </a:gs>
+                    <a:gs pos="0">
+                      <a:schemeClr val="tx2">
+                        <a:lumMod val="90000"/>
+                        <a:lumOff val="10000"/>
+                      </a:schemeClr>
+                    </a:gs>
+                    <a:gs pos="100000">
+                      <a:schemeClr val="tx2">
+                        <a:lumMod val="0"/>
+                        <a:lumOff val="100000"/>
+                      </a:schemeClr>
+                    </a:gs>
+                  </a:gsLst>
+                  <a:lin ang="16200000" scaled="1"/>
+                </a:gradFill>
+              </a:defRPr>
+            </a:lvl1pPr>
+            <a:lvl2pPr marL="457200" indent="0">
+              <a:buNone/>
+              <a:defRPr sz="2000" b="1"/>
+            </a:lvl2pPr>
+            <a:lvl3pPr marL="914400" indent="0">
+              <a:buNone/>
+              <a:defRPr sz="1800" b="1"/>
+            </a:lvl3pPr>
+            <a:lvl4pPr marL="1371600" indent="0">
+              <a:buNone/>
+              <a:defRPr sz="1600" b="1"/>
+            </a:lvl4pPr>
+            <a:lvl5pPr marL="1828800" indent="0">
+              <a:buNone/>
+              <a:defRPr sz="1600" b="1"/>
+            </a:lvl5pPr>
+            <a:lvl6pPr marL="2286000" indent="0">
+              <a:buNone/>
+              <a:defRPr sz="1600" b="1"/>
+            </a:lvl6pPr>
+            <a:lvl7pPr marL="2743200" indent="0">
+              <a:buNone/>
+              <a:defRPr sz="1600" b="1"/>
+            </a:lvl7pPr>
+            <a:lvl8pPr marL="3200400" indent="0">
+              <a:buNone/>
+              <a:defRPr sz="1600" b="1"/>
+            </a:lvl8pPr>
+            <a:lvl9pPr marL="3657600" indent="0">
+              <a:buNone/>
+              <a:defRPr sz="1600" b="1"/>
+            </a:lvl9pPr>
+          </a:lstStyle>
+          <a:p>
+            <a:pPr lvl="0"/>
+            <a:r>
+              <a:rPr lang="es-ES" smtClean="0"/>
+              <a:t>Haga clic para modificar el estilo de texto del patrón</a:t>
+            </a:r>
+          </a:p>
+        </p:txBody>
+      </p:sp>
+      <p:sp>
+        <p:nvSpPr>
+          <p:cNvPr id="8" name="Text Placeholder 3"/>
+          <p:cNvSpPr>
+            <a:spLocks noGrp="1"/>
+          </p:cNvSpPr>
+          <p:nvPr>
+            <p:ph type="body" sz="half" idx="15"/>
+          </p:nvPr>
+        </p:nvSpPr>
+        <p:spPr>
+          <a:xfrm>
+            <a:off x="1356798" y="2571750"/>
+            <a:ext cx="2927350" cy="3589338"/>
+          </a:xfrm>
+        </p:spPr>
+        <p:txBody>
+          <a:bodyPr anchor="t">
+            <a:normAutofit/>
+          </a:bodyPr>
+          <a:lstStyle>
+            <a:lvl1pPr marL="0" indent="0">
+              <a:buNone/>
+              <a:defRPr sz="1400"/>
+            </a:lvl1pPr>
+            <a:lvl2pPr marL="457200" indent="0">
+              <a:buNone/>
+              <a:defRPr sz="1200"/>
+            </a:lvl2pPr>
+            <a:lvl3pPr marL="914400" indent="0">
+              <a:buNone/>
+              <a:defRPr sz="1000"/>
+            </a:lvl3pPr>
+            <a:lvl4pPr marL="1371600" indent="0">
+              <a:buNone/>
+              <a:defRPr sz="900"/>
+            </a:lvl4pPr>
+            <a:lvl5pPr marL="1828800" indent="0">
+              <a:buNone/>
+              <a:defRPr sz="900"/>
+            </a:lvl5pPr>
+            <a:lvl6pPr marL="2286000" indent="0">
+              <a:buNone/>
+              <a:defRPr sz="900"/>
+            </a:lvl6pPr>
+            <a:lvl7pPr marL="2743200" indent="0">
+              <a:buNone/>
+              <a:defRPr sz="900"/>
+            </a:lvl7pPr>
+            <a:lvl8pPr marL="3200400" indent="0">
+              <a:buNone/>
+              <a:defRPr sz="900"/>
+            </a:lvl8pPr>
+            <a:lvl9pPr marL="3657600" indent="0">
+              <a:buNone/>
+              <a:defRPr sz="900"/>
+            </a:lvl9pPr>
+          </a:lstStyle>
+          <a:p>
+            <a:pPr lvl="0"/>
+            <a:r>
+              <a:rPr lang="es-ES" smtClean="0"/>
+              <a:t>Haga clic para modificar el estilo de texto del patrón</a:t>
+            </a:r>
+          </a:p>
+        </p:txBody>
+      </p:sp>
+      <p:sp>
+        <p:nvSpPr>
+          <p:cNvPr id="9" name="Text Placeholder 4"/>
+          <p:cNvSpPr>
+            <a:spLocks noGrp="1"/>
+          </p:cNvSpPr>
+          <p:nvPr>
+            <p:ph type="body" sz="quarter" idx="3"/>
+          </p:nvPr>
+        </p:nvSpPr>
+        <p:spPr>
+          <a:xfrm>
+            <a:off x="4587994" y="1885950"/>
+            <a:ext cx="2936241" cy="576262"/>
+          </a:xfrm>
+        </p:spPr>
+        <p:txBody>
+          <a:bodyPr vert="horz" lIns="91440" tIns="45720" rIns="91440" bIns="45720" rtlCol="0" anchor="b">
+            <a:noAutofit/>
+          </a:bodyPr>
+          <a:lstStyle>
+            <a:lvl1pPr>
+              <a:buNone/>
+              <a:defRPr lang="en-US" sz="2400" b="0">
+                <a:gradFill>
+                  <a:gsLst>
+                    <a:gs pos="15000">
+                      <a:schemeClr val="tx2"/>
+                    </a:gs>
+                    <a:gs pos="73000">
+                      <a:schemeClr val="tx2">
+                        <a:lumMod val="60000"/>
+                        <a:lumOff val="40000"/>
+                      </a:schemeClr>
+                    </a:gs>
+                    <a:gs pos="0">
+                      <a:schemeClr val="tx2">
+                        <a:lumMod val="90000"/>
+                        <a:lumOff val="10000"/>
+                      </a:schemeClr>
+                    </a:gs>
+                    <a:gs pos="100000">
+                      <a:schemeClr val="tx2">
+                        <a:lumMod val="0"/>
+                        <a:lumOff val="100000"/>
+                      </a:schemeClr>
+                    </a:gs>
+                  </a:gsLst>
+                  <a:lin ang="16200000" scaled="1"/>
+                </a:gradFill>
+              </a:defRPr>
+            </a:lvl1pPr>
+          </a:lstStyle>
+          <a:p>
+            <a:pPr marL="0" lvl="0" indent="0">
+              <a:buNone/>
+            </a:pPr>
+            <a:r>
+              <a:rPr lang="es-ES" smtClean="0"/>
+              <a:t>Haga clic para modificar el estilo de texto del patrón</a:t>
+            </a:r>
+          </a:p>
+        </p:txBody>
+      </p:sp>
+      <p:sp>
+        <p:nvSpPr>
+          <p:cNvPr id="10" name="Text Placeholder 3"/>
+          <p:cNvSpPr>
+            <a:spLocks noGrp="1"/>
+          </p:cNvSpPr>
+          <p:nvPr>
+            <p:ph type="body" sz="half" idx="16"/>
+          </p:nvPr>
+        </p:nvSpPr>
+        <p:spPr>
+          <a:xfrm>
+            <a:off x="4577441" y="2571750"/>
+            <a:ext cx="2946794" cy="3589338"/>
+          </a:xfrm>
+        </p:spPr>
+        <p:txBody>
+          <a:bodyPr anchor="t">
+            <a:normAutofit/>
+          </a:bodyPr>
+          <a:lstStyle>
+            <a:lvl1pPr marL="0" indent="0">
+              <a:buNone/>
+              <a:defRPr sz="1400"/>
+            </a:lvl1pPr>
+            <a:lvl2pPr marL="457200" indent="0">
+              <a:buNone/>
+              <a:defRPr sz="1200"/>
+            </a:lvl2pPr>
+            <a:lvl3pPr marL="914400" indent="0">
+              <a:buNone/>
+              <a:defRPr sz="1000"/>
+            </a:lvl3pPr>
+            <a:lvl4pPr marL="1371600" indent="0">
+              <a:buNone/>
+              <a:defRPr sz="900"/>
+            </a:lvl4pPr>
+            <a:lvl5pPr marL="1828800" indent="0">
+              <a:buNone/>
+              <a:defRPr sz="900"/>
+            </a:lvl5pPr>
+            <a:lvl6pPr marL="2286000" indent="0">
+              <a:buNone/>
+              <a:defRPr sz="900"/>
+            </a:lvl6pPr>
+            <a:lvl7pPr marL="2743200" indent="0">
+              <a:buNone/>
+              <a:defRPr sz="900"/>
+            </a:lvl7pPr>
+            <a:lvl8pPr marL="3200400" indent="0">
+              <a:buNone/>
+              <a:defRPr sz="900"/>
+            </a:lvl8pPr>
+            <a:lvl9pPr marL="3657600" indent="0">
+              <a:buNone/>
+              <a:defRPr sz="900"/>
+            </a:lvl9pPr>
+          </a:lstStyle>
+          <a:p>
+            <a:pPr lvl="0"/>
+            <a:r>
+              <a:rPr lang="es-ES" smtClean="0"/>
+              <a:t>Haga clic para modificar el estilo de texto del patrón</a:t>
+            </a:r>
+          </a:p>
+        </p:txBody>
+      </p:sp>
+      <p:sp>
+        <p:nvSpPr>
+          <p:cNvPr id="11" name="Text Placeholder 4"/>
+          <p:cNvSpPr>
+            <a:spLocks noGrp="1"/>
+          </p:cNvSpPr>
+          <p:nvPr>
+            <p:ph type="body" sz="quarter" idx="13"/>
+          </p:nvPr>
+        </p:nvSpPr>
+        <p:spPr>
+          <a:xfrm>
+            <a:off x="7829035" y="1885950"/>
+            <a:ext cx="2932113" cy="576262"/>
+          </a:xfrm>
+        </p:spPr>
+        <p:txBody>
+          <a:bodyPr vert="horz" lIns="91440" tIns="45720" rIns="91440" bIns="45720" rtlCol="0" anchor="b">
+            <a:noAutofit/>
+          </a:bodyPr>
+          <a:lstStyle>
+            <a:lvl1pPr>
+              <a:buNone/>
+              <a:defRPr lang="en-US" sz="2400" b="0" dirty="0">
+                <a:gradFill>
+                  <a:gsLst>
+                    <a:gs pos="15000">
+                      <a:schemeClr val="tx2"/>
+                    </a:gs>
+                    <a:gs pos="73000">
+                      <a:schemeClr val="tx2">
+                        <a:lumMod val="60000"/>
+                        <a:lumOff val="40000"/>
+                      </a:schemeClr>
+                    </a:gs>
+                    <a:gs pos="0">
+                      <a:schemeClr val="tx2">
+                        <a:lumMod val="90000"/>
+                        <a:lumOff val="10000"/>
+                      </a:schemeClr>
+                    </a:gs>
+                    <a:gs pos="100000">
+                      <a:schemeClr val="tx2">
+                        <a:lumMod val="0"/>
+                        <a:lumOff val="100000"/>
+                      </a:schemeClr>
+                    </a:gs>
+                  </a:gsLst>
+                  <a:lin ang="16200000" scaled="1"/>
+                </a:gradFill>
+              </a:defRPr>
+            </a:lvl1pPr>
+          </a:lstStyle>
+          <a:p>
+            <a:pPr marL="0" lvl="0" indent="0">
+              <a:buNone/>
+            </a:pPr>
+            <a:r>
+              <a:rPr lang="es-ES" smtClean="0"/>
+              <a:t>Haga clic para modificar el estilo de texto del patrón</a:t>
+            </a:r>
+          </a:p>
+        </p:txBody>
+      </p:sp>
+      <p:sp>
+        <p:nvSpPr>
+          <p:cNvPr id="12" name="Text Placeholder 3"/>
+          <p:cNvSpPr>
+            <a:spLocks noGrp="1"/>
+          </p:cNvSpPr>
+          <p:nvPr>
+            <p:ph type="body" sz="half" idx="17"/>
+          </p:nvPr>
+        </p:nvSpPr>
+        <p:spPr>
+          <a:xfrm>
+            <a:off x="7829035" y="2571750"/>
+            <a:ext cx="2932113" cy="3589338"/>
+          </a:xfrm>
+        </p:spPr>
+        <p:txBody>
+          <a:bodyPr anchor="t">
+            <a:normAutofit/>
+          </a:bodyPr>
+          <a:lstStyle>
+            <a:lvl1pPr marL="0" indent="0">
+              <a:buNone/>
+              <a:defRPr sz="1400"/>
+            </a:lvl1pPr>
+            <a:lvl2pPr marL="457200" indent="0">
+              <a:buNone/>
+              <a:defRPr sz="1200"/>
+            </a:lvl2pPr>
+            <a:lvl3pPr marL="914400" indent="0">
+              <a:buNone/>
+              <a:defRPr sz="1000"/>
+            </a:lvl3pPr>
+            <a:lvl4pPr marL="1371600" indent="0">
+              <a:buNone/>
+              <a:defRPr sz="900"/>
+            </a:lvl4pPr>
+            <a:lvl5pPr marL="1828800" indent="0">
+              <a:buNone/>
+              <a:defRPr sz="900"/>
+            </a:lvl5pPr>
+            <a:lvl6pPr marL="2286000" indent="0">
+              <a:buNone/>
+              <a:defRPr sz="900"/>
+            </a:lvl6pPr>
+            <a:lvl7pPr marL="2743200" indent="0">
+              <a:buNone/>
+              <a:defRPr sz="900"/>
+            </a:lvl7pPr>
+            <a:lvl8pPr marL="3200400" indent="0">
+              <a:buNone/>
+              <a:defRPr sz="900"/>
+            </a:lvl8pPr>
+            <a:lvl9pPr marL="3657600" indent="0">
+              <a:buNone/>
+              <a:defRPr sz="900"/>
+            </a:lvl9pPr>
+          </a:lstStyle>
+          <a:p>
+            <a:pPr lvl="0"/>
+            <a:r>
+              <a:rPr lang="es-ES" smtClean="0"/>
+              <a:t>Haga clic para modificar el estilo de texto del patrón</a:t>
+            </a:r>
+          </a:p>
+        </p:txBody>
+      </p:sp>
+      <p:sp>
+        <p:nvSpPr>
+          <p:cNvPr id="3" name="Date Placeholder 2"/>
+          <p:cNvSpPr>
+            <a:spLocks noGrp="1"/>
+          </p:cNvSpPr>
+          <p:nvPr>
+            <p:ph type="dt" sz="half" idx="10"/>
+          </p:nvPr>
+        </p:nvSpPr>
+        <p:spPr/>
+        <p:txBody>
+          <a:bodyPr/>
+          <a:lstStyle/>
+          <a:p>
+            <a:fld id="{2DC4752A-8283-433F-8D9F-D2EF165F857A}" type="datetimeFigureOut">
+              <a:rPr lang="en-US" smtClean="0"/>
+              <a:t>8/18/2016</a:t>
+            </a:fld>
+            <a:endParaRPr lang="en-US"/>
+          </a:p>
+        </p:txBody>
+      </p:sp>
+      <p:sp>
+        <p:nvSpPr>
+          <p:cNvPr id="4" name="Footer Placeholder 3"/>
+          <p:cNvSpPr>
+            <a:spLocks noGrp="1"/>
+          </p:cNvSpPr>
+          <p:nvPr>
+            <p:ph type="ftr" sz="quarter" idx="11"/>
+          </p:nvPr>
+        </p:nvSpPr>
+        <p:spPr/>
+        <p:txBody>
+          <a:bodyPr/>
+          <a:lstStyle/>
+          <a:p>
+            <a:endParaRPr lang="en-US"/>
+          </a:p>
+        </p:txBody>
+      </p:sp>
+      <p:sp>
+        <p:nvSpPr>
+          <p:cNvPr id="5" name="Slide Number Placeholder 4"/>
+          <p:cNvSpPr>
+            <a:spLocks noGrp="1"/>
+          </p:cNvSpPr>
+          <p:nvPr>
+            <p:ph type="sldNum" sz="quarter" idx="12"/>
+          </p:nvPr>
+        </p:nvSpPr>
+        <p:spPr/>
+        <p:txBody>
+          <a:bodyPr/>
+          <a:lstStyle/>
+          <a:p>
+            <a:fld id="{3D016699-BB03-4E62-B809-A100F09088A4}" type="slidenum">
+              <a:rPr lang="en-US" smtClean="0"/>
+              <a:t>‹Nº›</a:t>
+            </a:fld>
+            <a:endParaRPr lang="en-US"/>
+          </a:p>
+        </p:txBody>
+      </p:sp>
+    </p:spTree>
+    <p:extLst>
+      <p:ext uri="{BB962C8B-B14F-4D97-AF65-F5344CB8AC3E}">
+        <p14:creationId xmlns:p14="http://schemas.microsoft.com/office/powerpoint/2010/main" val="1519234465"/>
+      </p:ext>
+    </p:extLst>
+  </p:cSld>
+  <p:clrMapOvr>
+    <a:masterClrMapping/>
+  </p:clrMapOvr>
+</p:sldLayout>
+</file>
+
+<file path=ppt/slideLayouts/slideLayout15.xml><?xml version="1.0" encoding="utf-8"?>
+<p:sldLayout xmlns:a="http://schemas.openxmlformats.org/drawingml/2006/main" xmlns:r="http://schemas.openxmlformats.org/officeDocument/2006/relationships" xmlns:p="http://schemas.openxmlformats.org/presentationml/2006/main" preserve="1">
+  <p:cSld name="Columna de imagen 3">
+    <p:spTree>
+      <p:nvGrpSpPr>
+        <p:cNvPr id="1" name=""/>
+        <p:cNvGrpSpPr/>
+        <p:nvPr/>
+      </p:nvGrpSpPr>
+      <p:grpSpPr>
+        <a:xfrm>
+          <a:off x="0" y="0"/>
+          <a:ext cx="0" cy="0"/>
+          <a:chOff x="0" y="0"/>
+          <a:chExt cx="0" cy="0"/>
+        </a:xfrm>
+      </p:grpSpPr>
+      <p:sp>
+        <p:nvSpPr>
+          <p:cNvPr id="30" name="Title 1"/>
+          <p:cNvSpPr>
+            <a:spLocks noGrp="1"/>
+          </p:cNvSpPr>
+          <p:nvPr>
+            <p:ph type="title"/>
+          </p:nvPr>
+        </p:nvSpPr>
+        <p:spPr>
+          <a:xfrm>
+            <a:off x="838200" y="365125"/>
+            <a:ext cx="10515600" cy="1325563"/>
+          </a:xfrm>
+        </p:spPr>
+        <p:txBody>
+          <a:bodyPr/>
+          <a:lstStyle/>
+          <a:p>
+            <a:r>
+              <a:rPr lang="es-ES" smtClean="0"/>
+              <a:t>Haga clic para modificar el estilo de título del patrón</a:t>
+            </a:r>
+            <a:endParaRPr lang="en-US" dirty="0"/>
+          </a:p>
+        </p:txBody>
+      </p:sp>
+      <p:sp>
+        <p:nvSpPr>
+          <p:cNvPr id="19" name="Text Placeholder 2"/>
+          <p:cNvSpPr>
+            <a:spLocks noGrp="1"/>
+          </p:cNvSpPr>
+          <p:nvPr>
+            <p:ph type="body" idx="1"/>
+          </p:nvPr>
+        </p:nvSpPr>
+        <p:spPr>
+          <a:xfrm>
+            <a:off x="1332085" y="4297503"/>
+            <a:ext cx="2940050" cy="576262"/>
+          </a:xfrm>
+        </p:spPr>
+        <p:txBody>
+          <a:bodyPr anchor="b">
+            <a:noAutofit/>
+          </a:bodyPr>
+          <a:lstStyle>
+            <a:lvl1pPr marL="0" indent="0">
+              <a:buNone/>
+              <a:defRPr sz="2400" b="0">
+                <a:gradFill>
+                  <a:gsLst>
+                    <a:gs pos="34000">
+                      <a:schemeClr val="tx1">
+                        <a:lumMod val="93000"/>
+                      </a:schemeClr>
+                    </a:gs>
+                    <a:gs pos="0">
+                      <a:schemeClr val="bg1">
+                        <a:lumMod val="41000"/>
+                        <a:lumOff val="59000"/>
+                      </a:schemeClr>
+                    </a:gs>
+                    <a:gs pos="100000">
+                      <a:schemeClr val="tx2">
+                        <a:lumMod val="0"/>
+                        <a:lumOff val="100000"/>
+                      </a:schemeClr>
+                    </a:gs>
+                  </a:gsLst>
+                  <a:lin ang="4800000" scaled="0"/>
+                </a:gradFill>
+              </a:defRPr>
+            </a:lvl1pPr>
+            <a:lvl2pPr marL="457200" indent="0">
+              <a:buNone/>
+              <a:defRPr sz="2000" b="1"/>
+            </a:lvl2pPr>
+            <a:lvl3pPr marL="914400" indent="0">
+              <a:buNone/>
+              <a:defRPr sz="1800" b="1"/>
+            </a:lvl3pPr>
+            <a:lvl4pPr marL="1371600" indent="0">
+              <a:buNone/>
+              <a:defRPr sz="1600" b="1"/>
+            </a:lvl4pPr>
+            <a:lvl5pPr marL="1828800" indent="0">
+              <a:buNone/>
+              <a:defRPr sz="1600" b="1"/>
+            </a:lvl5pPr>
+            <a:lvl6pPr marL="2286000" indent="0">
+              <a:buNone/>
+              <a:defRPr sz="1600" b="1"/>
+            </a:lvl6pPr>
+            <a:lvl7pPr marL="2743200" indent="0">
+              <a:buNone/>
+              <a:defRPr sz="1600" b="1"/>
+            </a:lvl7pPr>
+            <a:lvl8pPr marL="3200400" indent="0">
+              <a:buNone/>
+              <a:defRPr sz="1600" b="1"/>
+            </a:lvl8pPr>
+            <a:lvl9pPr marL="3657600" indent="0">
+              <a:buNone/>
+              <a:defRPr sz="1600" b="1"/>
+            </a:lvl9pPr>
+          </a:lstStyle>
+          <a:p>
+            <a:pPr lvl="0"/>
+            <a:r>
+              <a:rPr lang="es-ES" smtClean="0"/>
+              <a:t>Haga clic para modificar el estilo de texto del patrón</a:t>
+            </a:r>
+          </a:p>
+        </p:txBody>
+      </p:sp>
+      <p:sp>
+        <p:nvSpPr>
+          <p:cNvPr id="20" name="Picture Placeholder 2"/>
+          <p:cNvSpPr>
+            <a:spLocks noGrp="1" noChangeAspect="1"/>
+          </p:cNvSpPr>
+          <p:nvPr>
+            <p:ph type="pic" idx="15"/>
+          </p:nvPr>
+        </p:nvSpPr>
+        <p:spPr>
+          <a:xfrm>
+            <a:off x="1332085" y="2256354"/>
+            <a:ext cx="2940050" cy="1524000"/>
+          </a:xfrm>
+          <a:prstGeom prst="roundRect">
+            <a:avLst>
+              <a:gd name="adj" fmla="val 1858"/>
+            </a:avLst>
+          </a:prstGeom>
+          <a:effectLst>
+            <a:outerShdw blurRad="50800" dist="50800" dir="5400000" algn="tl" rotWithShape="0">
+              <a:srgbClr val="000000">
+                <a:alpha val="43000"/>
+              </a:srgbClr>
+            </a:outerShdw>
+          </a:effectLst>
+        </p:spPr>
+        <p:txBody>
+          <a:bodyPr anchor="t">
+            <a:normAutofit/>
+          </a:bodyPr>
+          <a:lstStyle>
+            <a:lvl1pPr marL="0" indent="0" algn="ctr">
+              <a:buNone/>
+              <a:defRPr sz="1600"/>
+            </a:lvl1pPr>
+            <a:lvl2pPr marL="457200" indent="0">
+              <a:buNone/>
+              <a:defRPr sz="1600"/>
+            </a:lvl2pPr>
+            <a:lvl3pPr marL="914400" indent="0">
+              <a:buNone/>
+              <a:defRPr sz="1600"/>
+            </a:lvl3pPr>
+            <a:lvl4pPr marL="1371600" indent="0">
+              <a:buNone/>
+              <a:defRPr sz="1600"/>
+            </a:lvl4pPr>
+            <a:lvl5pPr marL="1828800" indent="0">
+              <a:buNone/>
+              <a:defRPr sz="1600"/>
+            </a:lvl5pPr>
+            <a:lvl6pPr marL="2286000" indent="0">
+              <a:buNone/>
+              <a:defRPr sz="1600"/>
+            </a:lvl6pPr>
+            <a:lvl7pPr marL="2743200" indent="0">
+              <a:buNone/>
+              <a:defRPr sz="1600"/>
+            </a:lvl7pPr>
+            <a:lvl8pPr marL="3200400" indent="0">
+              <a:buNone/>
+              <a:defRPr sz="1600"/>
+            </a:lvl8pPr>
+            <a:lvl9pPr marL="3657600" indent="0">
+              <a:buNone/>
+              <a:defRPr sz="1600"/>
+            </a:lvl9pPr>
+          </a:lstStyle>
+          <a:p>
+            <a:r>
+              <a:rPr lang="es-ES" smtClean="0"/>
+              <a:t>Haga clic en el icono para agregar una imagen</a:t>
+            </a:r>
+            <a:endParaRPr lang="en-US" dirty="0"/>
+          </a:p>
+        </p:txBody>
+      </p:sp>
+      <p:sp>
+        <p:nvSpPr>
+          <p:cNvPr id="21" name="Text Placeholder 3"/>
+          <p:cNvSpPr>
+            <a:spLocks noGrp="1"/>
+          </p:cNvSpPr>
+          <p:nvPr>
+            <p:ph type="body" sz="half" idx="18"/>
+          </p:nvPr>
+        </p:nvSpPr>
+        <p:spPr>
+          <a:xfrm>
+            <a:off x="1332085" y="4873765"/>
+            <a:ext cx="2940050" cy="659189"/>
+          </a:xfrm>
+        </p:spPr>
+        <p:txBody>
+          <a:bodyPr anchor="t">
+            <a:normAutofit/>
+          </a:bodyPr>
+          <a:lstStyle>
+            <a:lvl1pPr marL="0" indent="0">
+              <a:buNone/>
+              <a:defRPr sz="1400"/>
+            </a:lvl1pPr>
+            <a:lvl2pPr marL="457200" indent="0">
+              <a:buNone/>
+              <a:defRPr sz="1200"/>
+            </a:lvl2pPr>
+            <a:lvl3pPr marL="914400" indent="0">
+              <a:buNone/>
+              <a:defRPr sz="1000"/>
+            </a:lvl3pPr>
+            <a:lvl4pPr marL="1371600" indent="0">
+              <a:buNone/>
+              <a:defRPr sz="900"/>
+            </a:lvl4pPr>
+            <a:lvl5pPr marL="1828800" indent="0">
+              <a:buNone/>
+              <a:defRPr sz="900"/>
+            </a:lvl5pPr>
+            <a:lvl6pPr marL="2286000" indent="0">
+              <a:buNone/>
+              <a:defRPr sz="900"/>
+            </a:lvl6pPr>
+            <a:lvl7pPr marL="2743200" indent="0">
+              <a:buNone/>
+              <a:defRPr sz="900"/>
+            </a:lvl7pPr>
+            <a:lvl8pPr marL="3200400" indent="0">
+              <a:buNone/>
+              <a:defRPr sz="900"/>
+            </a:lvl8pPr>
+            <a:lvl9pPr marL="3657600" indent="0">
+              <a:buNone/>
+              <a:defRPr sz="900"/>
+            </a:lvl9pPr>
+          </a:lstStyle>
+          <a:p>
+            <a:pPr lvl="0"/>
+            <a:r>
+              <a:rPr lang="es-ES" smtClean="0"/>
+              <a:t>Haga clic para modificar el estilo de texto del patrón</a:t>
+            </a:r>
+          </a:p>
+        </p:txBody>
+      </p:sp>
+      <p:sp>
+        <p:nvSpPr>
+          <p:cNvPr id="22" name="Text Placeholder 4"/>
+          <p:cNvSpPr>
+            <a:spLocks noGrp="1"/>
+          </p:cNvSpPr>
+          <p:nvPr>
+            <p:ph type="body" sz="quarter" idx="3"/>
+          </p:nvPr>
+        </p:nvSpPr>
+        <p:spPr>
+          <a:xfrm>
+            <a:off x="4568997" y="4297503"/>
+            <a:ext cx="2930525" cy="576262"/>
+          </a:xfrm>
+        </p:spPr>
+        <p:txBody>
+          <a:bodyPr anchor="b">
+            <a:noAutofit/>
+          </a:bodyPr>
+          <a:lstStyle>
+            <a:lvl1pPr marL="0" indent="0">
+              <a:buNone/>
+              <a:defRPr sz="2400" b="0">
+                <a:gradFill>
+                  <a:gsLst>
+                    <a:gs pos="34000">
+                      <a:schemeClr val="tx1">
+                        <a:lumMod val="93000"/>
+                      </a:schemeClr>
+                    </a:gs>
+                    <a:gs pos="0">
+                      <a:schemeClr val="bg1">
+                        <a:lumMod val="41000"/>
+                        <a:lumOff val="59000"/>
+                      </a:schemeClr>
+                    </a:gs>
+                    <a:gs pos="100000">
+                      <a:schemeClr val="tx2">
+                        <a:lumMod val="0"/>
+                        <a:lumOff val="100000"/>
+                      </a:schemeClr>
+                    </a:gs>
+                  </a:gsLst>
+                  <a:lin ang="4800000" scaled="0"/>
+                </a:gradFill>
+              </a:defRPr>
+            </a:lvl1pPr>
+            <a:lvl2pPr marL="457200" indent="0">
+              <a:buNone/>
+              <a:defRPr sz="2000" b="1"/>
+            </a:lvl2pPr>
+            <a:lvl3pPr marL="914400" indent="0">
+              <a:buNone/>
+              <a:defRPr sz="1800" b="1"/>
+            </a:lvl3pPr>
+            <a:lvl4pPr marL="1371600" indent="0">
+              <a:buNone/>
+              <a:defRPr sz="1600" b="1"/>
+            </a:lvl4pPr>
+            <a:lvl5pPr marL="1828800" indent="0">
+              <a:buNone/>
+              <a:defRPr sz="1600" b="1"/>
+            </a:lvl5pPr>
+            <a:lvl6pPr marL="2286000" indent="0">
+              <a:buNone/>
+              <a:defRPr sz="1600" b="1"/>
+            </a:lvl6pPr>
+            <a:lvl7pPr marL="2743200" indent="0">
+              <a:buNone/>
+              <a:defRPr sz="1600" b="1"/>
+            </a:lvl7pPr>
+            <a:lvl8pPr marL="3200400" indent="0">
+              <a:buNone/>
+              <a:defRPr sz="1600" b="1"/>
+            </a:lvl8pPr>
+            <a:lvl9pPr marL="3657600" indent="0">
+              <a:buNone/>
+              <a:defRPr sz="1600" b="1"/>
+            </a:lvl9pPr>
+          </a:lstStyle>
+          <a:p>
+            <a:pPr lvl="0"/>
+            <a:r>
+              <a:rPr lang="es-ES" smtClean="0"/>
+              <a:t>Haga clic para modificar el estilo de texto del patrón</a:t>
+            </a:r>
+          </a:p>
+        </p:txBody>
+      </p:sp>
+      <p:sp>
+        <p:nvSpPr>
+          <p:cNvPr id="23" name="Picture Placeholder 2"/>
+          <p:cNvSpPr>
+            <a:spLocks noGrp="1" noChangeAspect="1"/>
+          </p:cNvSpPr>
+          <p:nvPr>
+            <p:ph type="pic" idx="21"/>
+          </p:nvPr>
+        </p:nvSpPr>
+        <p:spPr>
+          <a:xfrm>
+            <a:off x="4568996" y="2256354"/>
+            <a:ext cx="2930525" cy="1524000"/>
+          </a:xfrm>
+          <a:prstGeom prst="roundRect">
+            <a:avLst>
+              <a:gd name="adj" fmla="val 1858"/>
+            </a:avLst>
+          </a:prstGeom>
+          <a:effectLst>
+            <a:outerShdw blurRad="50800" dist="50800" dir="5400000" algn="tl" rotWithShape="0">
+              <a:srgbClr val="000000">
+                <a:alpha val="43000"/>
+              </a:srgbClr>
+            </a:outerShdw>
+          </a:effectLst>
+        </p:spPr>
+        <p:txBody>
+          <a:bodyPr anchor="t">
+            <a:normAutofit/>
+          </a:bodyPr>
+          <a:lstStyle>
+            <a:lvl1pPr marL="0" indent="0" algn="ctr">
+              <a:buNone/>
+              <a:defRPr sz="1600"/>
+            </a:lvl1pPr>
+            <a:lvl2pPr marL="457200" indent="0">
+              <a:buNone/>
+              <a:defRPr sz="1600"/>
+            </a:lvl2pPr>
+            <a:lvl3pPr marL="914400" indent="0">
+              <a:buNone/>
+              <a:defRPr sz="1600"/>
+            </a:lvl3pPr>
+            <a:lvl4pPr marL="1371600" indent="0">
+              <a:buNone/>
+              <a:defRPr sz="1600"/>
+            </a:lvl4pPr>
+            <a:lvl5pPr marL="1828800" indent="0">
+              <a:buNone/>
+              <a:defRPr sz="1600"/>
+            </a:lvl5pPr>
+            <a:lvl6pPr marL="2286000" indent="0">
+              <a:buNone/>
+              <a:defRPr sz="1600"/>
+            </a:lvl6pPr>
+            <a:lvl7pPr marL="2743200" indent="0">
+              <a:buNone/>
+              <a:defRPr sz="1600"/>
+            </a:lvl7pPr>
+            <a:lvl8pPr marL="3200400" indent="0">
+              <a:buNone/>
+              <a:defRPr sz="1600"/>
+            </a:lvl8pPr>
+            <a:lvl9pPr marL="3657600" indent="0">
+              <a:buNone/>
+              <a:defRPr sz="1600"/>
+            </a:lvl9pPr>
+          </a:lstStyle>
+          <a:p>
+            <a:r>
+              <a:rPr lang="es-ES" smtClean="0"/>
+              <a:t>Haga clic en el icono para agregar una imagen</a:t>
+            </a:r>
+            <a:endParaRPr lang="en-US" dirty="0"/>
+          </a:p>
+        </p:txBody>
+      </p:sp>
+      <p:sp>
+        <p:nvSpPr>
+          <p:cNvPr id="24" name="Text Placeholder 3"/>
+          <p:cNvSpPr>
+            <a:spLocks noGrp="1"/>
+          </p:cNvSpPr>
+          <p:nvPr>
+            <p:ph type="body" sz="half" idx="19"/>
+          </p:nvPr>
+        </p:nvSpPr>
+        <p:spPr>
+          <a:xfrm>
+            <a:off x="4567644" y="4873764"/>
+            <a:ext cx="2934406" cy="659189"/>
+          </a:xfrm>
+        </p:spPr>
+        <p:txBody>
+          <a:bodyPr anchor="t">
+            <a:normAutofit/>
+          </a:bodyPr>
+          <a:lstStyle>
+            <a:lvl1pPr marL="0" indent="0">
+              <a:buNone/>
+              <a:defRPr sz="1400"/>
+            </a:lvl1pPr>
+            <a:lvl2pPr marL="457200" indent="0">
+              <a:buNone/>
+              <a:defRPr sz="1200"/>
+            </a:lvl2pPr>
+            <a:lvl3pPr marL="914400" indent="0">
+              <a:buNone/>
+              <a:defRPr sz="1000"/>
+            </a:lvl3pPr>
+            <a:lvl4pPr marL="1371600" indent="0">
+              <a:buNone/>
+              <a:defRPr sz="900"/>
+            </a:lvl4pPr>
+            <a:lvl5pPr marL="1828800" indent="0">
+              <a:buNone/>
+              <a:defRPr sz="900"/>
+            </a:lvl5pPr>
+            <a:lvl6pPr marL="2286000" indent="0">
+              <a:buNone/>
+              <a:defRPr sz="900"/>
+            </a:lvl6pPr>
+            <a:lvl7pPr marL="2743200" indent="0">
+              <a:buNone/>
+              <a:defRPr sz="900"/>
+            </a:lvl7pPr>
+            <a:lvl8pPr marL="3200400" indent="0">
+              <a:buNone/>
+              <a:defRPr sz="900"/>
+            </a:lvl8pPr>
+            <a:lvl9pPr marL="3657600" indent="0">
+              <a:buNone/>
+              <a:defRPr sz="900"/>
+            </a:lvl9pPr>
+          </a:lstStyle>
+          <a:p>
+            <a:pPr lvl="0"/>
+            <a:r>
+              <a:rPr lang="es-ES" smtClean="0"/>
+              <a:t>Haga clic para modificar el estilo de texto del patrón</a:t>
+            </a:r>
+          </a:p>
+        </p:txBody>
+      </p:sp>
+      <p:sp>
+        <p:nvSpPr>
+          <p:cNvPr id="25" name="Text Placeholder 4"/>
+          <p:cNvSpPr>
+            <a:spLocks noGrp="1"/>
+          </p:cNvSpPr>
+          <p:nvPr>
+            <p:ph type="body" sz="quarter" idx="13"/>
+          </p:nvPr>
+        </p:nvSpPr>
+        <p:spPr>
+          <a:xfrm>
+            <a:off x="7804322" y="4297503"/>
+            <a:ext cx="2932113" cy="576262"/>
+          </a:xfrm>
+        </p:spPr>
+        <p:txBody>
+          <a:bodyPr anchor="b">
+            <a:noAutofit/>
+          </a:bodyPr>
+          <a:lstStyle>
+            <a:lvl1pPr marL="0" indent="0">
+              <a:buNone/>
+              <a:defRPr sz="2400" b="0">
+                <a:gradFill>
+                  <a:gsLst>
+                    <a:gs pos="34000">
+                      <a:schemeClr val="tx1">
+                        <a:lumMod val="93000"/>
+                      </a:schemeClr>
+                    </a:gs>
+                    <a:gs pos="0">
+                      <a:schemeClr val="bg1">
+                        <a:lumMod val="41000"/>
+                        <a:lumOff val="59000"/>
+                      </a:schemeClr>
+                    </a:gs>
+                    <a:gs pos="100000">
+                      <a:schemeClr val="tx2">
+                        <a:lumMod val="0"/>
+                        <a:lumOff val="100000"/>
+                      </a:schemeClr>
+                    </a:gs>
+                  </a:gsLst>
+                  <a:lin ang="4800000" scaled="0"/>
+                </a:gradFill>
+              </a:defRPr>
+            </a:lvl1pPr>
+            <a:lvl2pPr marL="457200" indent="0">
+              <a:buNone/>
+              <a:defRPr sz="2000" b="1"/>
+            </a:lvl2pPr>
+            <a:lvl3pPr marL="914400" indent="0">
+              <a:buNone/>
+              <a:defRPr sz="1800" b="1"/>
+            </a:lvl3pPr>
+            <a:lvl4pPr marL="1371600" indent="0">
+              <a:buNone/>
+              <a:defRPr sz="1600" b="1"/>
+            </a:lvl4pPr>
+            <a:lvl5pPr marL="1828800" indent="0">
+              <a:buNone/>
+              <a:defRPr sz="1600" b="1"/>
+            </a:lvl5pPr>
+            <a:lvl6pPr marL="2286000" indent="0">
+              <a:buNone/>
+              <a:defRPr sz="1600" b="1"/>
+            </a:lvl6pPr>
+            <a:lvl7pPr marL="2743200" indent="0">
+              <a:buNone/>
+              <a:defRPr sz="1600" b="1"/>
+            </a:lvl7pPr>
+            <a:lvl8pPr marL="3200400" indent="0">
+              <a:buNone/>
+              <a:defRPr sz="1600" b="1"/>
+            </a:lvl8pPr>
+            <a:lvl9pPr marL="3657600" indent="0">
+              <a:buNone/>
+              <a:defRPr sz="1600" b="1"/>
+            </a:lvl9pPr>
+          </a:lstStyle>
+          <a:p>
+            <a:pPr lvl="0"/>
+            <a:r>
+              <a:rPr lang="es-ES" smtClean="0"/>
+              <a:t>Haga clic para modificar el estilo de texto del patrón</a:t>
+            </a:r>
+          </a:p>
+        </p:txBody>
+      </p:sp>
+      <p:sp>
+        <p:nvSpPr>
+          <p:cNvPr id="26" name="Picture Placeholder 2"/>
+          <p:cNvSpPr>
+            <a:spLocks noGrp="1" noChangeAspect="1"/>
+          </p:cNvSpPr>
+          <p:nvPr>
+            <p:ph type="pic" idx="22"/>
+          </p:nvPr>
+        </p:nvSpPr>
+        <p:spPr>
+          <a:xfrm>
+            <a:off x="7804321" y="2256354"/>
+            <a:ext cx="2932113" cy="1524000"/>
+          </a:xfrm>
+          <a:prstGeom prst="roundRect">
+            <a:avLst>
+              <a:gd name="adj" fmla="val 1858"/>
+            </a:avLst>
+          </a:prstGeom>
+          <a:effectLst>
+            <a:outerShdw blurRad="50800" dist="50800" dir="5400000" algn="tl" rotWithShape="0">
+              <a:srgbClr val="000000">
+                <a:alpha val="43000"/>
+              </a:srgbClr>
+            </a:outerShdw>
+          </a:effectLst>
+        </p:spPr>
+        <p:txBody>
+          <a:bodyPr anchor="t">
+            <a:normAutofit/>
+          </a:bodyPr>
+          <a:lstStyle>
+            <a:lvl1pPr marL="0" indent="0" algn="ctr">
+              <a:buNone/>
+              <a:defRPr sz="1600"/>
+            </a:lvl1pPr>
+            <a:lvl2pPr marL="457200" indent="0">
+              <a:buNone/>
+              <a:defRPr sz="1600"/>
+            </a:lvl2pPr>
+            <a:lvl3pPr marL="914400" indent="0">
+              <a:buNone/>
+              <a:defRPr sz="1600"/>
+            </a:lvl3pPr>
+            <a:lvl4pPr marL="1371600" indent="0">
+              <a:buNone/>
+              <a:defRPr sz="1600"/>
+            </a:lvl4pPr>
+            <a:lvl5pPr marL="1828800" indent="0">
+              <a:buNone/>
+              <a:defRPr sz="1600"/>
+            </a:lvl5pPr>
+            <a:lvl6pPr marL="2286000" indent="0">
+              <a:buNone/>
+              <a:defRPr sz="1600"/>
+            </a:lvl6pPr>
+            <a:lvl7pPr marL="2743200" indent="0">
+              <a:buNone/>
+              <a:defRPr sz="1600"/>
+            </a:lvl7pPr>
+            <a:lvl8pPr marL="3200400" indent="0">
+              <a:buNone/>
+              <a:defRPr sz="1600"/>
+            </a:lvl8pPr>
+            <a:lvl9pPr marL="3657600" indent="0">
+              <a:buNone/>
+              <a:defRPr sz="1600"/>
+            </a:lvl9pPr>
+          </a:lstStyle>
+          <a:p>
+            <a:r>
+              <a:rPr lang="es-ES" smtClean="0"/>
+              <a:t>Haga clic en el icono para agregar una imagen</a:t>
+            </a:r>
+            <a:endParaRPr lang="en-US" dirty="0"/>
+          </a:p>
+        </p:txBody>
+      </p:sp>
+      <p:sp>
+        <p:nvSpPr>
+          <p:cNvPr id="27" name="Text Placeholder 3"/>
+          <p:cNvSpPr>
+            <a:spLocks noGrp="1"/>
+          </p:cNvSpPr>
+          <p:nvPr>
+            <p:ph type="body" sz="half" idx="20"/>
+          </p:nvPr>
+        </p:nvSpPr>
+        <p:spPr>
+          <a:xfrm>
+            <a:off x="7804197" y="4873762"/>
+            <a:ext cx="2935997" cy="659189"/>
+          </a:xfrm>
+        </p:spPr>
+        <p:txBody>
+          <a:bodyPr anchor="t">
+            <a:normAutofit/>
+          </a:bodyPr>
+          <a:lstStyle>
+            <a:lvl1pPr marL="0" indent="0">
+              <a:buNone/>
+              <a:defRPr sz="1400"/>
+            </a:lvl1pPr>
+            <a:lvl2pPr marL="457200" indent="0">
+              <a:buNone/>
+              <a:defRPr sz="1200"/>
+            </a:lvl2pPr>
+            <a:lvl3pPr marL="914400" indent="0">
+              <a:buNone/>
+              <a:defRPr sz="1000"/>
+            </a:lvl3pPr>
+            <a:lvl4pPr marL="1371600" indent="0">
+              <a:buNone/>
+              <a:defRPr sz="900"/>
+            </a:lvl4pPr>
+            <a:lvl5pPr marL="1828800" indent="0">
+              <a:buNone/>
+              <a:defRPr sz="900"/>
+            </a:lvl5pPr>
+            <a:lvl6pPr marL="2286000" indent="0">
+              <a:buNone/>
+              <a:defRPr sz="900"/>
+            </a:lvl6pPr>
+            <a:lvl7pPr marL="2743200" indent="0">
+              <a:buNone/>
+              <a:defRPr sz="900"/>
+            </a:lvl7pPr>
+            <a:lvl8pPr marL="3200400" indent="0">
+              <a:buNone/>
+              <a:defRPr sz="900"/>
+            </a:lvl8pPr>
+            <a:lvl9pPr marL="3657600" indent="0">
+              <a:buNone/>
+              <a:defRPr sz="900"/>
+            </a:lvl9pPr>
+          </a:lstStyle>
+          <a:p>
+            <a:pPr lvl="0"/>
+            <a:r>
+              <a:rPr lang="es-ES" smtClean="0"/>
+              <a:t>Haga clic para modificar el estilo de texto del patrón</a:t>
+            </a:r>
+          </a:p>
+        </p:txBody>
+      </p:sp>
+      <p:sp>
+        <p:nvSpPr>
+          <p:cNvPr id="3" name="Date Placeholder 2"/>
+          <p:cNvSpPr>
+            <a:spLocks noGrp="1"/>
+          </p:cNvSpPr>
+          <p:nvPr>
+            <p:ph type="dt" sz="half" idx="10"/>
+          </p:nvPr>
+        </p:nvSpPr>
+        <p:spPr/>
+        <p:txBody>
+          <a:bodyPr/>
+          <a:lstStyle/>
+          <a:p>
+            <a:fld id="{2DC4752A-8283-433F-8D9F-D2EF165F857A}" type="datetimeFigureOut">
+              <a:rPr lang="en-US" smtClean="0"/>
+              <a:t>8/18/2016</a:t>
+            </a:fld>
+            <a:endParaRPr lang="en-US"/>
+          </a:p>
+        </p:txBody>
+      </p:sp>
+      <p:sp>
+        <p:nvSpPr>
+          <p:cNvPr id="4" name="Footer Placeholder 3"/>
+          <p:cNvSpPr>
+            <a:spLocks noGrp="1"/>
+          </p:cNvSpPr>
+          <p:nvPr>
+            <p:ph type="ftr" sz="quarter" idx="11"/>
+          </p:nvPr>
+        </p:nvSpPr>
+        <p:spPr/>
+        <p:txBody>
+          <a:bodyPr/>
+          <a:lstStyle/>
+          <a:p>
+            <a:endParaRPr lang="en-US"/>
+          </a:p>
+        </p:txBody>
+      </p:sp>
+      <p:sp>
+        <p:nvSpPr>
+          <p:cNvPr id="5" name="Slide Number Placeholder 4"/>
+          <p:cNvSpPr>
+            <a:spLocks noGrp="1"/>
+          </p:cNvSpPr>
+          <p:nvPr>
+            <p:ph type="sldNum" sz="quarter" idx="12"/>
+          </p:nvPr>
+        </p:nvSpPr>
+        <p:spPr/>
+        <p:txBody>
+          <a:bodyPr/>
+          <a:lstStyle/>
+          <a:p>
+            <a:fld id="{3D016699-BB03-4E62-B809-A100F09088A4}" type="slidenum">
+              <a:rPr lang="en-US" smtClean="0"/>
+              <a:t>‹Nº›</a:t>
+            </a:fld>
+            <a:endParaRPr lang="en-US"/>
+          </a:p>
+        </p:txBody>
+      </p:sp>
+    </p:spTree>
+    <p:extLst>
+      <p:ext uri="{BB962C8B-B14F-4D97-AF65-F5344CB8AC3E}">
+        <p14:creationId xmlns:p14="http://schemas.microsoft.com/office/powerpoint/2010/main" val="1703878100"/>
+      </p:ext>
+    </p:extLst>
+  </p:cSld>
+  <p:clrMapOvr>
+    <a:masterClrMapping/>
+  </p:clrMapOvr>
+</p:sldLayout>
+</file>
+
+<file path=ppt/slideLayouts/slideLayout16.xml><?xml version="1.0" encoding="utf-8"?>
 <p:sldLayout xmlns:a="http://schemas.openxmlformats.org/drawingml/2006/main" xmlns:r="http://schemas.openxmlformats.org/officeDocument/2006/relationships" xmlns:p="http://schemas.openxmlformats.org/presentationml/2006/main" type="vertTx" preserve="1">
   <p:cSld name="Título y texto vertical">
     <p:spTree>
@@ -481,7 +3071,7 @@
     </p:spTree>
     <p:extLst>
       <p:ext uri="{BB962C8B-B14F-4D97-AF65-F5344CB8AC3E}">
-        <p14:creationId xmlns:p14="http://schemas.microsoft.com/office/powerpoint/2010/main" val="812909291"/>
+        <p14:creationId xmlns:p14="http://schemas.microsoft.com/office/powerpoint/2010/main" val="4214998189"/>
       </p:ext>
     </p:extLst>
   </p:cSld>
@@ -491,7 +3081,7 @@
 </p:sldLayout>
 </file>
 
-<file path=ppt/slideLayouts/slideLayout11.xml><?xml version="1.0" encoding="utf-8"?>
+<file path=ppt/slideLayouts/slideLayout17.xml><?xml version="1.0" encoding="utf-8"?>
 <p:sldLayout xmlns:a="http://schemas.openxmlformats.org/drawingml/2006/main" xmlns:r="http://schemas.openxmlformats.org/officeDocument/2006/relationships" xmlns:p="http://schemas.openxmlformats.org/presentationml/2006/main" type="vertTitleAndTx" preserve="1">
   <p:cSld name="Título vertical y texto">
     <p:spTree>
@@ -661,7 +3251,7 @@
     </p:spTree>
     <p:extLst>
       <p:ext uri="{BB962C8B-B14F-4D97-AF65-F5344CB8AC3E}">
-        <p14:creationId xmlns:p14="http://schemas.microsoft.com/office/powerpoint/2010/main" val="3445486160"/>
+        <p14:creationId xmlns:p14="http://schemas.microsoft.com/office/powerpoint/2010/main" val="3151636752"/>
       </p:ext>
     </p:extLst>
   </p:cSld>
@@ -690,7 +3280,7 @@
       </p:grpSpPr>
       <p:sp>
         <p:nvSpPr>
-          <p:cNvPr id="2" name="Title 1"/>
+          <p:cNvPr id="8" name="Title 1"/>
           <p:cNvSpPr>
             <a:spLocks noGrp="1"/>
           </p:cNvSpPr>
@@ -831,7 +3421,7 @@
     </p:spTree>
     <p:extLst>
       <p:ext uri="{BB962C8B-B14F-4D97-AF65-F5344CB8AC3E}">
-        <p14:creationId xmlns:p14="http://schemas.microsoft.com/office/powerpoint/2010/main" val="2354110580"/>
+        <p14:creationId xmlns:p14="http://schemas.microsoft.com/office/powerpoint/2010/main" val="1802752605"/>
       </p:ext>
     </p:extLst>
   </p:cSld>
@@ -860,25 +3450,59 @@
       </p:grpSpPr>
       <p:sp>
         <p:nvSpPr>
-          <p:cNvPr id="2" name="Title 1"/>
-          <p:cNvSpPr>
-            <a:spLocks noGrp="1"/>
-          </p:cNvSpPr>
-          <p:nvPr>
-            <p:ph type="title"/>
-          </p:nvPr>
-        </p:nvSpPr>
-        <p:spPr>
-          <a:xfrm>
-            <a:off x="831850" y="1709738"/>
-            <a:ext cx="10515600" cy="2852737"/>
-          </a:xfrm>
-        </p:spPr>
-        <p:txBody>
-          <a:bodyPr anchor="b"/>
+          <p:cNvPr id="7" name="Title 1"/>
+          <p:cNvSpPr>
+            <a:spLocks noGrp="1"/>
+          </p:cNvSpPr>
+          <p:nvPr>
+            <p:ph type="ctrTitle"/>
+          </p:nvPr>
+        </p:nvSpPr>
+        <p:spPr>
+          <a:xfrm>
+            <a:off x="854532" y="4464028"/>
+            <a:ext cx="9144000" cy="1641490"/>
+          </a:xfrm>
+        </p:spPr>
+        <p:txBody>
+          <a:bodyPr wrap="none" anchor="t">
+            <a:normAutofit/>
+          </a:bodyPr>
           <a:lstStyle>
-            <a:lvl1pPr>
-              <a:defRPr sz="6000"/>
+            <a:lvl1pPr algn="l">
+              <a:defRPr sz="9600" b="0" spc="-300">
+                <a:gradFill flip="none" rotWithShape="1">
+                  <a:gsLst>
+                    <a:gs pos="32000">
+                      <a:schemeClr val="tx1">
+                        <a:lumMod val="89000"/>
+                      </a:schemeClr>
+                    </a:gs>
+                    <a:gs pos="0">
+                      <a:schemeClr val="bg1">
+                        <a:lumMod val="47000"/>
+                        <a:lumOff val="53000"/>
+                      </a:schemeClr>
+                    </a:gs>
+                    <a:gs pos="100000">
+                      <a:schemeClr val="tx2">
+                        <a:lumMod val="0"/>
+                        <a:lumOff val="100000"/>
+                      </a:schemeClr>
+                    </a:gs>
+                  </a:gsLst>
+                  <a:lin ang="8100000" scaled="1"/>
+                  <a:tileRect/>
+                </a:gradFill>
+                <a:effectLst>
+                  <a:outerShdw blurRad="469900" dist="342900" dir="5400000" sy="-20000" rotWithShape="0">
+                    <a:prstClr val="black">
+                      <a:alpha val="66000"/>
+                    </a:prstClr>
+                  </a:outerShdw>
+                </a:effectLst>
+                <a:latin typeface="+mj-lt"/>
+              </a:defRPr>
             </a:lvl1pPr>
           </a:lstStyle>
           <a:p>
@@ -892,120 +3516,97 @@
       </p:sp>
       <p:sp>
         <p:nvSpPr>
-          <p:cNvPr id="3" name="Text Placeholder 2"/>
-          <p:cNvSpPr>
-            <a:spLocks noGrp="1"/>
-          </p:cNvSpPr>
-          <p:nvPr>
-            <p:ph type="body" idx="1"/>
-          </p:nvPr>
-        </p:nvSpPr>
-        <p:spPr>
-          <a:xfrm>
-            <a:off x="831850" y="4589463"/>
-            <a:ext cx="10515600" cy="1500187"/>
-          </a:xfrm>
-        </p:spPr>
-        <p:txBody>
-          <a:bodyPr/>
+          <p:cNvPr id="8" name="Subtitle 2"/>
+          <p:cNvSpPr>
+            <a:spLocks noGrp="1"/>
+          </p:cNvSpPr>
+          <p:nvPr>
+            <p:ph type="subTitle" idx="1"/>
+          </p:nvPr>
+        </p:nvSpPr>
+        <p:spPr>
+          <a:xfrm>
+            <a:off x="854532" y="3693674"/>
+            <a:ext cx="9144000" cy="754025"/>
+          </a:xfrm>
+        </p:spPr>
+        <p:txBody>
+          <a:bodyPr anchor="b">
+            <a:normAutofit/>
+          </a:bodyPr>
           <a:lstStyle>
-            <a:lvl1pPr marL="0" indent="0">
-              <a:buNone/>
-              <a:defRPr sz="2400">
-                <a:solidFill>
-                  <a:schemeClr val="tx1">
-                    <a:tint val="75000"/>
-                  </a:schemeClr>
-                </a:solidFill>
+            <a:lvl1pPr marL="0" indent="0" algn="l">
+              <a:buNone/>
+              <a:defRPr sz="3200" b="0">
+                <a:gradFill flip="none" rotWithShape="1">
+                  <a:gsLst>
+                    <a:gs pos="15000">
+                      <a:schemeClr val="tx2"/>
+                    </a:gs>
+                    <a:gs pos="73000">
+                      <a:schemeClr val="tx2">
+                        <a:lumMod val="60000"/>
+                        <a:lumOff val="40000"/>
+                      </a:schemeClr>
+                    </a:gs>
+                    <a:gs pos="0">
+                      <a:schemeClr val="tx2">
+                        <a:lumMod val="90000"/>
+                        <a:lumOff val="10000"/>
+                      </a:schemeClr>
+                    </a:gs>
+                    <a:gs pos="100000">
+                      <a:schemeClr val="tx2">
+                        <a:lumMod val="0"/>
+                        <a:lumOff val="100000"/>
+                      </a:schemeClr>
+                    </a:gs>
+                  </a:gsLst>
+                  <a:lin ang="16200000" scaled="1"/>
+                  <a:tileRect/>
+                </a:gradFill>
+                <a:latin typeface="+mj-lt"/>
               </a:defRPr>
             </a:lvl1pPr>
-            <a:lvl2pPr marL="457200" indent="0">
-              <a:buNone/>
-              <a:defRPr sz="2000">
-                <a:solidFill>
-                  <a:schemeClr val="tx1">
-                    <a:tint val="75000"/>
-                  </a:schemeClr>
-                </a:solidFill>
-              </a:defRPr>
+            <a:lvl2pPr marL="457200" indent="0" algn="ctr">
+              <a:buNone/>
+              <a:defRPr sz="2000"/>
             </a:lvl2pPr>
-            <a:lvl3pPr marL="914400" indent="0">
-              <a:buNone/>
-              <a:defRPr sz="1800">
-                <a:solidFill>
-                  <a:schemeClr val="tx1">
-                    <a:tint val="75000"/>
-                  </a:schemeClr>
-                </a:solidFill>
-              </a:defRPr>
+            <a:lvl3pPr marL="914400" indent="0" algn="ctr">
+              <a:buNone/>
+              <a:defRPr sz="1800"/>
             </a:lvl3pPr>
-            <a:lvl4pPr marL="1371600" indent="0">
-              <a:buNone/>
-              <a:defRPr sz="1600">
-                <a:solidFill>
-                  <a:schemeClr val="tx1">
-                    <a:tint val="75000"/>
-                  </a:schemeClr>
-                </a:solidFill>
-              </a:defRPr>
+            <a:lvl4pPr marL="1371600" indent="0" algn="ctr">
+              <a:buNone/>
+              <a:defRPr sz="1600"/>
             </a:lvl4pPr>
-            <a:lvl5pPr marL="1828800" indent="0">
-              <a:buNone/>
-              <a:defRPr sz="1600">
-                <a:solidFill>
-                  <a:schemeClr val="tx1">
-                    <a:tint val="75000"/>
-                  </a:schemeClr>
-                </a:solidFill>
-              </a:defRPr>
+            <a:lvl5pPr marL="1828800" indent="0" algn="ctr">
+              <a:buNone/>
+              <a:defRPr sz="1600"/>
             </a:lvl5pPr>
-            <a:lvl6pPr marL="2286000" indent="0">
-              <a:buNone/>
-              <a:defRPr sz="1600">
-                <a:solidFill>
-                  <a:schemeClr val="tx1">
-                    <a:tint val="75000"/>
-                  </a:schemeClr>
-                </a:solidFill>
-              </a:defRPr>
+            <a:lvl6pPr marL="2286000" indent="0" algn="ctr">
+              <a:buNone/>
+              <a:defRPr sz="1600"/>
             </a:lvl6pPr>
-            <a:lvl7pPr marL="2743200" indent="0">
-              <a:buNone/>
-              <a:defRPr sz="1600">
-                <a:solidFill>
-                  <a:schemeClr val="tx1">
-                    <a:tint val="75000"/>
-                  </a:schemeClr>
-                </a:solidFill>
-              </a:defRPr>
+            <a:lvl7pPr marL="2743200" indent="0" algn="ctr">
+              <a:buNone/>
+              <a:defRPr sz="1600"/>
             </a:lvl7pPr>
-            <a:lvl8pPr marL="3200400" indent="0">
-              <a:buNone/>
-              <a:defRPr sz="1600">
-                <a:solidFill>
-                  <a:schemeClr val="tx1">
-                    <a:tint val="75000"/>
-                  </a:schemeClr>
-                </a:solidFill>
-              </a:defRPr>
+            <a:lvl8pPr marL="3200400" indent="0" algn="ctr">
+              <a:buNone/>
+              <a:defRPr sz="1600"/>
             </a:lvl8pPr>
-            <a:lvl9pPr marL="3657600" indent="0">
-              <a:buNone/>
-              <a:defRPr sz="1600">
-                <a:solidFill>
-                  <a:schemeClr val="tx1">
-                    <a:tint val="75000"/>
-                  </a:schemeClr>
-                </a:solidFill>
-              </a:defRPr>
+            <a:lvl9pPr marL="3657600" indent="0" algn="ctr">
+              <a:buNone/>
+              <a:defRPr sz="1600"/>
             </a:lvl9pPr>
           </a:lstStyle>
           <a:p>
-            <a:pPr lvl="0"/>
-            <a:r>
-              <a:rPr lang="es-ES" smtClean="0"/>
-              <a:t>Haga clic para modificar el estilo de texto del patrón</a:t>
-            </a:r>
+            <a:r>
+              <a:rPr lang="es-ES" smtClean="0"/>
+              <a:t>Haga clic para modificar el estilo de subtítulo del patrón</a:t>
+            </a:r>
+            <a:endParaRPr lang="en-US" dirty="0"/>
           </a:p>
         </p:txBody>
       </p:sp>
@@ -1077,7 +3678,7 @@
     </p:spTree>
     <p:extLst>
       <p:ext uri="{BB962C8B-B14F-4D97-AF65-F5344CB8AC3E}">
-        <p14:creationId xmlns:p14="http://schemas.microsoft.com/office/powerpoint/2010/main" val="1403161176"/>
+        <p14:creationId xmlns:p14="http://schemas.microsoft.com/office/powerpoint/2010/main" val="4114800892"/>
       </p:ext>
     </p:extLst>
   </p:cSld>
@@ -1139,8 +3740,8 @@
         </p:nvSpPr>
         <p:spPr>
           <a:xfrm>
-            <a:off x="838200" y="1825625"/>
-            <a:ext cx="5181600" cy="4351338"/>
+            <a:off x="1120000" y="1825625"/>
+            <a:ext cx="5025216" cy="4351338"/>
           </a:xfrm>
         </p:spPr>
         <p:txBody>
@@ -1196,8 +3797,8 @@
         </p:nvSpPr>
         <p:spPr>
           <a:xfrm>
-            <a:off x="6172200" y="1825625"/>
-            <a:ext cx="5181600" cy="4351338"/>
+            <a:off x="6319840" y="1825625"/>
+            <a:ext cx="5033960" cy="4351338"/>
           </a:xfrm>
         </p:spPr>
         <p:txBody>
@@ -1309,7 +3910,7 @@
     </p:spTree>
     <p:extLst>
       <p:ext uri="{BB962C8B-B14F-4D97-AF65-F5344CB8AC3E}">
-        <p14:creationId xmlns:p14="http://schemas.microsoft.com/office/powerpoint/2010/main" val="1198775966"/>
+        <p14:creationId xmlns:p14="http://schemas.microsoft.com/office/powerpoint/2010/main" val="3932004340"/>
       </p:ext>
     </p:extLst>
   </p:cSld>
@@ -1376,8 +3977,8 @@
         </p:nvSpPr>
         <p:spPr>
           <a:xfrm>
-            <a:off x="839788" y="1681163"/>
-            <a:ext cx="5157787" cy="823912"/>
+            <a:off x="1120000" y="1681163"/>
+            <a:ext cx="5025216" cy="823912"/>
           </a:xfrm>
         </p:spPr>
         <p:txBody>
@@ -1385,7 +3986,34 @@
           <a:lstStyle>
             <a:lvl1pPr marL="0" indent="0">
               <a:buNone/>
-              <a:defRPr sz="2400" b="1"/>
+              <a:defRPr sz="2400" b="0">
+                <a:gradFill>
+                  <a:gsLst>
+                    <a:gs pos="15000">
+                      <a:schemeClr val="tx2"/>
+                    </a:gs>
+                    <a:gs pos="73000">
+                      <a:schemeClr val="tx2">
+                        <a:lumMod val="60000"/>
+                        <a:lumOff val="40000"/>
+                      </a:schemeClr>
+                    </a:gs>
+                    <a:gs pos="0">
+                      <a:schemeClr val="tx2">
+                        <a:lumMod val="90000"/>
+                        <a:lumOff val="10000"/>
+                      </a:schemeClr>
+                    </a:gs>
+                    <a:gs pos="100000">
+                      <a:schemeClr val="tx2">
+                        <a:lumMod val="0"/>
+                        <a:lumOff val="100000"/>
+                      </a:schemeClr>
+                    </a:gs>
+                  </a:gsLst>
+                  <a:lin ang="16200000" scaled="1"/>
+                </a:gradFill>
+              </a:defRPr>
             </a:lvl1pPr>
             <a:lvl2pPr marL="457200" indent="0">
               <a:buNone/>
@@ -1441,8 +4069,8 @@
         </p:nvSpPr>
         <p:spPr>
           <a:xfrm>
-            <a:off x="839788" y="2505075"/>
-            <a:ext cx="5157787" cy="3684588"/>
+            <a:off x="1120000" y="2505075"/>
+            <a:ext cx="5025216" cy="3684588"/>
           </a:xfrm>
         </p:spPr>
         <p:txBody>
@@ -1498,52 +4126,51 @@
         </p:nvSpPr>
         <p:spPr>
           <a:xfrm>
-            <a:off x="6172200" y="1681163"/>
-            <a:ext cx="5183188" cy="823912"/>
-          </a:xfrm>
-        </p:spPr>
-        <p:txBody>
-          <a:bodyPr anchor="b"/>
+            <a:off x="6319840" y="1681163"/>
+            <a:ext cx="5035548" cy="823912"/>
+          </a:xfrm>
+        </p:spPr>
+        <p:txBody>
+          <a:bodyPr vert="horz" lIns="91440" tIns="45720" rIns="91440" bIns="45720" rtlCol="0" anchor="b">
+            <a:normAutofit/>
+          </a:bodyPr>
           <a:lstStyle>
-            <a:lvl1pPr marL="0" indent="0">
-              <a:buNone/>
-              <a:defRPr sz="2400" b="1"/>
+            <a:lvl1pPr>
+              <a:buNone/>
+              <a:defRPr lang="en-US" sz="2400" b="0">
+                <a:gradFill>
+                  <a:gsLst>
+                    <a:gs pos="15000">
+                      <a:schemeClr val="tx2"/>
+                    </a:gs>
+                    <a:gs pos="73000">
+                      <a:schemeClr val="tx2">
+                        <a:lumMod val="60000"/>
+                        <a:lumOff val="40000"/>
+                      </a:schemeClr>
+                    </a:gs>
+                    <a:gs pos="0">
+                      <a:schemeClr val="tx2">
+                        <a:lumMod val="90000"/>
+                        <a:lumOff val="10000"/>
+                      </a:schemeClr>
+                    </a:gs>
+                    <a:gs pos="100000">
+                      <a:schemeClr val="tx2">
+                        <a:lumMod val="0"/>
+                        <a:lumOff val="100000"/>
+                      </a:schemeClr>
+                    </a:gs>
+                  </a:gsLst>
+                  <a:lin ang="16200000" scaled="1"/>
+                </a:gradFill>
+              </a:defRPr>
             </a:lvl1pPr>
-            <a:lvl2pPr marL="457200" indent="0">
-              <a:buNone/>
-              <a:defRPr sz="2000" b="1"/>
-            </a:lvl2pPr>
-            <a:lvl3pPr marL="914400" indent="0">
-              <a:buNone/>
-              <a:defRPr sz="1800" b="1"/>
-            </a:lvl3pPr>
-            <a:lvl4pPr marL="1371600" indent="0">
-              <a:buNone/>
-              <a:defRPr sz="1600" b="1"/>
-            </a:lvl4pPr>
-            <a:lvl5pPr marL="1828800" indent="0">
-              <a:buNone/>
-              <a:defRPr sz="1600" b="1"/>
-            </a:lvl5pPr>
-            <a:lvl6pPr marL="2286000" indent="0">
-              <a:buNone/>
-              <a:defRPr sz="1600" b="1"/>
-            </a:lvl6pPr>
-            <a:lvl7pPr marL="2743200" indent="0">
-              <a:buNone/>
-              <a:defRPr sz="1600" b="1"/>
-            </a:lvl7pPr>
-            <a:lvl8pPr marL="3200400" indent="0">
-              <a:buNone/>
-              <a:defRPr sz="1600" b="1"/>
-            </a:lvl8pPr>
-            <a:lvl9pPr marL="3657600" indent="0">
-              <a:buNone/>
-              <a:defRPr sz="1600" b="1"/>
-            </a:lvl9pPr>
           </a:lstStyle>
           <a:p>
-            <a:pPr lvl="0"/>
+            <a:pPr marL="0" lvl="0" indent="0">
+              <a:buNone/>
+            </a:pPr>
             <a:r>
               <a:rPr lang="es-ES" smtClean="0"/>
               <a:t>Haga clic para modificar el estilo de texto del patrón</a:t>
@@ -1563,8 +4190,8 @@
         </p:nvSpPr>
         <p:spPr>
           <a:xfrm>
-            <a:off x="6172200" y="2505075"/>
-            <a:ext cx="5183188" cy="3684588"/>
+            <a:off x="6319840" y="2505075"/>
+            <a:ext cx="5035548" cy="3684588"/>
           </a:xfrm>
         </p:spPr>
         <p:txBody>
@@ -1676,7 +4303,7 @@
     </p:spTree>
     <p:extLst>
       <p:ext uri="{BB962C8B-B14F-4D97-AF65-F5344CB8AC3E}">
-        <p14:creationId xmlns:p14="http://schemas.microsoft.com/office/powerpoint/2010/main" val="4074902538"/>
+        <p14:creationId xmlns:p14="http://schemas.microsoft.com/office/powerpoint/2010/main" val="3448006560"/>
       </p:ext>
     </p:extLst>
   </p:cSld>
@@ -1794,7 +4421,7 @@
     </p:spTree>
     <p:extLst>
       <p:ext uri="{BB962C8B-B14F-4D97-AF65-F5344CB8AC3E}">
-        <p14:creationId xmlns:p14="http://schemas.microsoft.com/office/powerpoint/2010/main" val="3903105791"/>
+        <p14:creationId xmlns:p14="http://schemas.microsoft.com/office/powerpoint/2010/main" val="43331911"/>
       </p:ext>
     </p:extLst>
   </p:cSld>
@@ -1889,7 +4516,7 @@
     </p:spTree>
     <p:extLst>
       <p:ext uri="{BB962C8B-B14F-4D97-AF65-F5344CB8AC3E}">
-        <p14:creationId xmlns:p14="http://schemas.microsoft.com/office/powerpoint/2010/main" val="1614046168"/>
+        <p14:creationId xmlns:p14="http://schemas.microsoft.com/office/powerpoint/2010/main" val="342053671"/>
       </p:ext>
     </p:extLst>
   </p:cSld>
@@ -1966,35 +4593,7 @@
         </p:spPr>
         <p:txBody>
           <a:bodyPr/>
-          <a:lstStyle>
-            <a:lvl1pPr>
-              <a:defRPr sz="3200"/>
-            </a:lvl1pPr>
-            <a:lvl2pPr>
-              <a:defRPr sz="2800"/>
-            </a:lvl2pPr>
-            <a:lvl3pPr>
-              <a:defRPr sz="2400"/>
-            </a:lvl3pPr>
-            <a:lvl4pPr>
-              <a:defRPr sz="2000"/>
-            </a:lvl4pPr>
-            <a:lvl5pPr>
-              <a:defRPr sz="2000"/>
-            </a:lvl5pPr>
-            <a:lvl6pPr>
-              <a:defRPr sz="2000"/>
-            </a:lvl6pPr>
-            <a:lvl7pPr>
-              <a:defRPr sz="2000"/>
-            </a:lvl7pPr>
-            <a:lvl8pPr>
-              <a:defRPr sz="2000"/>
-            </a:lvl8pPr>
-            <a:lvl9pPr>
-              <a:defRPr sz="2000"/>
-            </a:lvl9pPr>
-          </a:lstStyle>
+          <a:lstStyle/>
           <a:p>
             <a:pPr lvl="0"/>
             <a:r>
@@ -2045,8 +4644,8 @@
         </p:nvSpPr>
         <p:spPr>
           <a:xfrm>
-            <a:off x="839788" y="2057400"/>
-            <a:ext cx="3932237" cy="3811588"/>
+            <a:off x="1120000" y="2057400"/>
+            <a:ext cx="3652025" cy="3811588"/>
           </a:xfrm>
         </p:spPr>
         <p:txBody>
@@ -2054,7 +4653,31 @@
           <a:lstStyle>
             <a:lvl1pPr marL="0" indent="0">
               <a:buNone/>
-              <a:defRPr sz="1600"/>
+              <a:defRPr sz="1600">
+                <a:gradFill>
+                  <a:gsLst>
+                    <a:gs pos="15000">
+                      <a:schemeClr val="tx2"/>
+                    </a:gs>
+                    <a:gs pos="73000">
+                      <a:schemeClr val="tx2">
+                        <a:lumMod val="60000"/>
+                        <a:lumOff val="40000"/>
+                      </a:schemeClr>
+                    </a:gs>
+                    <a:gs pos="0">
+                      <a:schemeClr val="tx1"/>
+                    </a:gs>
+                    <a:gs pos="100000">
+                      <a:schemeClr val="tx2">
+                        <a:lumMod val="0"/>
+                        <a:lumOff val="100000"/>
+                      </a:schemeClr>
+                    </a:gs>
+                  </a:gsLst>
+                  <a:lin ang="16200000" scaled="1"/>
+                </a:gradFill>
+              </a:defRPr>
             </a:lvl1pPr>
             <a:lvl2pPr marL="457200" indent="0">
               <a:buNone/>
@@ -2166,7 +4789,7 @@
     </p:spTree>
     <p:extLst>
       <p:ext uri="{BB962C8B-B14F-4D97-AF65-F5344CB8AC3E}">
-        <p14:creationId xmlns:p14="http://schemas.microsoft.com/office/powerpoint/2010/main" val="3978672879"/>
+        <p14:creationId xmlns:p14="http://schemas.microsoft.com/office/powerpoint/2010/main" val="1407767673"/>
       </p:ext>
     </p:extLst>
   </p:cSld>
@@ -2302,8 +4925,8 @@
         </p:nvSpPr>
         <p:spPr>
           <a:xfrm>
-            <a:off x="839788" y="2057400"/>
-            <a:ext cx="3932237" cy="3811588"/>
+            <a:off x="1120000" y="2057400"/>
+            <a:ext cx="3652025" cy="3811588"/>
           </a:xfrm>
         </p:spPr>
         <p:txBody>
@@ -2311,7 +4934,31 @@
           <a:lstStyle>
             <a:lvl1pPr marL="0" indent="0">
               <a:buNone/>
-              <a:defRPr sz="1600"/>
+              <a:defRPr sz="1600">
+                <a:gradFill>
+                  <a:gsLst>
+                    <a:gs pos="15000">
+                      <a:schemeClr val="tx2"/>
+                    </a:gs>
+                    <a:gs pos="73000">
+                      <a:schemeClr val="tx2">
+                        <a:lumMod val="60000"/>
+                        <a:lumOff val="40000"/>
+                      </a:schemeClr>
+                    </a:gs>
+                    <a:gs pos="0">
+                      <a:schemeClr val="tx1"/>
+                    </a:gs>
+                    <a:gs pos="100000">
+                      <a:schemeClr val="tx2">
+                        <a:lumMod val="0"/>
+                        <a:lumOff val="100000"/>
+                      </a:schemeClr>
+                    </a:gs>
+                  </a:gsLst>
+                  <a:lin ang="16200000" scaled="1"/>
+                </a:gradFill>
+              </a:defRPr>
             </a:lvl1pPr>
             <a:lvl2pPr marL="457200" indent="0">
               <a:buNone/>
@@ -2423,7 +5070,7 @@
     </p:spTree>
     <p:extLst>
       <p:ext uri="{BB962C8B-B14F-4D97-AF65-F5344CB8AC3E}">
-        <p14:creationId xmlns:p14="http://schemas.microsoft.com/office/powerpoint/2010/main" val="1863688791"/>
+        <p14:creationId xmlns:p14="http://schemas.microsoft.com/office/powerpoint/2010/main" val="3091334779"/>
       </p:ext>
     </p:extLst>
   </p:cSld>
@@ -2437,9 +5084,18 @@
 <p:sldMaster xmlns:a="http://schemas.openxmlformats.org/drawingml/2006/main" xmlns:r="http://schemas.openxmlformats.org/officeDocument/2006/relationships" xmlns:p="http://schemas.openxmlformats.org/presentationml/2006/main">
   <p:cSld>
     <p:bg>
-      <p:bgRef idx="1001">
-        <a:schemeClr val="bg1"/>
-      </p:bgRef>
+      <p:bgPr>
+        <a:blipFill dpi="0" rotWithShape="1">
+          <a:blip r:embed="rId19">
+            <a:lum/>
+          </a:blip>
+          <a:srcRect/>
+          <a:stretch>
+            <a:fillRect/>
+          </a:stretch>
+        </a:blipFill>
+        <a:effectLst/>
+      </p:bgPr>
     </p:bg>
     <p:spTree>
       <p:nvGrpSpPr>
@@ -2500,8 +5156,8 @@
         </p:nvSpPr>
         <p:spPr>
           <a:xfrm>
-            <a:off x="838200" y="1825625"/>
-            <a:ext cx="10515600" cy="4351338"/>
+            <a:off x="1120000" y="1825625"/>
+            <a:ext cx="10233800" cy="4351338"/>
           </a:xfrm>
           <a:prstGeom prst="rect">
             <a:avLst/>
@@ -2574,11 +5230,29 @@
           <a:lstStyle>
             <a:lvl1pPr algn="l">
               <a:defRPr sz="1200">
-                <a:solidFill>
-                  <a:schemeClr val="tx1">
-                    <a:tint val="75000"/>
-                  </a:schemeClr>
-                </a:solidFill>
+                <a:gradFill flip="none" rotWithShape="1">
+                  <a:gsLst>
+                    <a:gs pos="28000">
+                      <a:schemeClr val="tx1">
+                        <a:lumMod val="93000"/>
+                      </a:schemeClr>
+                    </a:gs>
+                    <a:gs pos="0">
+                      <a:schemeClr val="bg1">
+                        <a:lumMod val="38000"/>
+                        <a:lumOff val="62000"/>
+                      </a:schemeClr>
+                    </a:gs>
+                    <a:gs pos="100000">
+                      <a:schemeClr val="tx2">
+                        <a:lumMod val="0"/>
+                        <a:lumOff val="100000"/>
+                      </a:schemeClr>
+                    </a:gs>
+                  </a:gsLst>
+                  <a:lin ang="5400000" scaled="1"/>
+                  <a:tileRect/>
+                </a:gradFill>
               </a:defRPr>
             </a:lvl1pPr>
           </a:lstStyle>
@@ -2615,11 +5289,29 @@
           <a:lstStyle>
             <a:lvl1pPr algn="ctr">
               <a:defRPr sz="1200">
-                <a:solidFill>
-                  <a:schemeClr val="tx1">
-                    <a:tint val="75000"/>
-                  </a:schemeClr>
-                </a:solidFill>
+                <a:gradFill flip="none" rotWithShape="1">
+                  <a:gsLst>
+                    <a:gs pos="28000">
+                      <a:schemeClr val="tx1">
+                        <a:lumMod val="93000"/>
+                      </a:schemeClr>
+                    </a:gs>
+                    <a:gs pos="0">
+                      <a:schemeClr val="bg1">
+                        <a:lumMod val="38000"/>
+                        <a:lumOff val="62000"/>
+                      </a:schemeClr>
+                    </a:gs>
+                    <a:gs pos="100000">
+                      <a:schemeClr val="tx2">
+                        <a:lumMod val="0"/>
+                        <a:lumOff val="100000"/>
+                      </a:schemeClr>
+                    </a:gs>
+                  </a:gsLst>
+                  <a:lin ang="5400000" scaled="1"/>
+                  <a:tileRect/>
+                </a:gradFill>
               </a:defRPr>
             </a:lvl1pPr>
           </a:lstStyle>
@@ -2652,11 +5344,29 @@
           <a:lstStyle>
             <a:lvl1pPr algn="r">
               <a:defRPr sz="1200">
-                <a:solidFill>
-                  <a:schemeClr val="tx1">
-                    <a:tint val="75000"/>
-                  </a:schemeClr>
-                </a:solidFill>
+                <a:gradFill flip="none" rotWithShape="1">
+                  <a:gsLst>
+                    <a:gs pos="28000">
+                      <a:schemeClr val="tx1">
+                        <a:lumMod val="93000"/>
+                      </a:schemeClr>
+                    </a:gs>
+                    <a:gs pos="0">
+                      <a:schemeClr val="bg1">
+                        <a:lumMod val="38000"/>
+                        <a:lumOff val="62000"/>
+                      </a:schemeClr>
+                    </a:gs>
+                    <a:gs pos="100000">
+                      <a:schemeClr val="tx2">
+                        <a:lumMod val="0"/>
+                        <a:lumOff val="100000"/>
+                      </a:schemeClr>
+                    </a:gs>
+                  </a:gsLst>
+                  <a:lin ang="5400000" scaled="1"/>
+                  <a:tileRect/>
+                </a:gradFill>
               </a:defRPr>
             </a:lvl1pPr>
           </a:lstStyle>
@@ -2672,23 +5382,29 @@
     </p:spTree>
     <p:extLst>
       <p:ext uri="{BB962C8B-B14F-4D97-AF65-F5344CB8AC3E}">
-        <p14:creationId xmlns:p14="http://schemas.microsoft.com/office/powerpoint/2010/main" val="1722238724"/>
+        <p14:creationId xmlns:p14="http://schemas.microsoft.com/office/powerpoint/2010/main" val="1785892901"/>
       </p:ext>
     </p:extLst>
   </p:cSld>
   <p:clrMap bg1="dk1" tx1="lt1" bg2="dk2" tx2="lt2" accent1="accent1" accent2="accent2" accent3="accent3" accent4="accent4" accent5="accent5" accent6="accent6" hlink="hlink" folHlink="folHlink"/>
   <p:sldLayoutIdLst>
-    <p:sldLayoutId id="2147483661" r:id="rId1"/>
-    <p:sldLayoutId id="2147483662" r:id="rId2"/>
-    <p:sldLayoutId id="2147483663" r:id="rId3"/>
-    <p:sldLayoutId id="2147483664" r:id="rId4"/>
-    <p:sldLayoutId id="2147483665" r:id="rId5"/>
-    <p:sldLayoutId id="2147483666" r:id="rId6"/>
-    <p:sldLayoutId id="2147483667" r:id="rId7"/>
-    <p:sldLayoutId id="2147483668" r:id="rId8"/>
-    <p:sldLayoutId id="2147483669" r:id="rId9"/>
-    <p:sldLayoutId id="2147483670" r:id="rId10"/>
-    <p:sldLayoutId id="2147483671" r:id="rId11"/>
+    <p:sldLayoutId id="2147483673" r:id="rId1"/>
+    <p:sldLayoutId id="2147483674" r:id="rId2"/>
+    <p:sldLayoutId id="2147483675" r:id="rId3"/>
+    <p:sldLayoutId id="2147483676" r:id="rId4"/>
+    <p:sldLayoutId id="2147483677" r:id="rId5"/>
+    <p:sldLayoutId id="2147483678" r:id="rId6"/>
+    <p:sldLayoutId id="2147483679" r:id="rId7"/>
+    <p:sldLayoutId id="2147483680" r:id="rId8"/>
+    <p:sldLayoutId id="2147483681" r:id="rId9"/>
+    <p:sldLayoutId id="2147483682" r:id="rId10"/>
+    <p:sldLayoutId id="2147483683" r:id="rId11"/>
+    <p:sldLayoutId id="2147483684" r:id="rId12"/>
+    <p:sldLayoutId id="2147483685" r:id="rId13"/>
+    <p:sldLayoutId id="2147483686" r:id="rId14"/>
+    <p:sldLayoutId id="2147483687" r:id="rId15"/>
+    <p:sldLayoutId id="2147483688" r:id="rId16"/>
+    <p:sldLayoutId id="2147483689" r:id="rId17"/>
   </p:sldLayoutIdLst>
   <p:txStyles>
     <p:titleStyle>
@@ -2700,10 +5416,30 @@
           <a:spcPct val="0"/>
         </a:spcBef>
         <a:buNone/>
-        <a:defRPr sz="4400" kern="1200">
-          <a:solidFill>
-            <a:schemeClr val="tx1"/>
-          </a:solidFill>
+        <a:defRPr sz="5400" b="0" kern="1200">
+          <a:gradFill flip="none" rotWithShape="1">
+            <a:gsLst>
+              <a:gs pos="28000">
+                <a:schemeClr val="tx1">
+                  <a:lumMod val="93000"/>
+                </a:schemeClr>
+              </a:gs>
+              <a:gs pos="0">
+                <a:schemeClr val="bg1">
+                  <a:lumMod val="25000"/>
+                  <a:lumOff val="75000"/>
+                </a:schemeClr>
+              </a:gs>
+              <a:gs pos="100000">
+                <a:schemeClr val="tx2">
+                  <a:lumMod val="0"/>
+                  <a:lumOff val="100000"/>
+                </a:schemeClr>
+              </a:gs>
+            </a:gsLst>
+            <a:lin ang="4800000" scaled="0"/>
+            <a:tileRect/>
+          </a:gradFill>
           <a:latin typeface="+mj-lt"/>
           <a:ea typeface="+mj-ea"/>
           <a:cs typeface="+mj-cs"/>
@@ -2721,9 +5457,28 @@
         <a:buFont typeface="Arial" panose="020B0604020202020204" pitchFamily="34" charset="0"/>
         <a:buChar char="•"/>
         <a:defRPr sz="2800" kern="1200">
-          <a:solidFill>
-            <a:schemeClr val="tx1"/>
-          </a:solidFill>
+          <a:gradFill>
+            <a:gsLst>
+              <a:gs pos="34000">
+                <a:schemeClr val="tx1">
+                  <a:lumMod val="93000"/>
+                </a:schemeClr>
+              </a:gs>
+              <a:gs pos="0">
+                <a:schemeClr val="bg1">
+                  <a:lumMod val="25000"/>
+                  <a:lumOff val="75000"/>
+                </a:schemeClr>
+              </a:gs>
+              <a:gs pos="100000">
+                <a:schemeClr val="tx2">
+                  <a:lumMod val="0"/>
+                  <a:lumOff val="100000"/>
+                </a:schemeClr>
+              </a:gs>
+            </a:gsLst>
+            <a:lin ang="4800000" scaled="0"/>
+          </a:gradFill>
           <a:latin typeface="+mn-lt"/>
           <a:ea typeface="+mn-ea"/>
           <a:cs typeface="+mn-cs"/>
@@ -2739,9 +5494,28 @@
         <a:buFont typeface="Arial" panose="020B0604020202020204" pitchFamily="34" charset="0"/>
         <a:buChar char="•"/>
         <a:defRPr sz="2400" kern="1200">
-          <a:solidFill>
-            <a:schemeClr val="tx1"/>
-          </a:solidFill>
+          <a:gradFill>
+            <a:gsLst>
+              <a:gs pos="34000">
+                <a:schemeClr val="tx1">
+                  <a:lumMod val="93000"/>
+                </a:schemeClr>
+              </a:gs>
+              <a:gs pos="0">
+                <a:schemeClr val="bg1">
+                  <a:lumMod val="25000"/>
+                  <a:lumOff val="75000"/>
+                </a:schemeClr>
+              </a:gs>
+              <a:gs pos="100000">
+                <a:schemeClr val="tx2">
+                  <a:lumMod val="0"/>
+                  <a:lumOff val="100000"/>
+                </a:schemeClr>
+              </a:gs>
+            </a:gsLst>
+            <a:lin ang="4800000" scaled="0"/>
+          </a:gradFill>
           <a:latin typeface="+mn-lt"/>
           <a:ea typeface="+mn-ea"/>
           <a:cs typeface="+mn-cs"/>
@@ -2757,9 +5531,28 @@
         <a:buFont typeface="Arial" panose="020B0604020202020204" pitchFamily="34" charset="0"/>
         <a:buChar char="•"/>
         <a:defRPr sz="2000" kern="1200">
-          <a:solidFill>
-            <a:schemeClr val="tx1"/>
-          </a:solidFill>
+          <a:gradFill>
+            <a:gsLst>
+              <a:gs pos="34000">
+                <a:schemeClr val="tx1">
+                  <a:lumMod val="93000"/>
+                </a:schemeClr>
+              </a:gs>
+              <a:gs pos="0">
+                <a:schemeClr val="bg1">
+                  <a:lumMod val="25000"/>
+                  <a:lumOff val="75000"/>
+                </a:schemeClr>
+              </a:gs>
+              <a:gs pos="100000">
+                <a:schemeClr val="tx2">
+                  <a:lumMod val="0"/>
+                  <a:lumOff val="100000"/>
+                </a:schemeClr>
+              </a:gs>
+            </a:gsLst>
+            <a:lin ang="4800000" scaled="0"/>
+          </a:gradFill>
           <a:latin typeface="+mn-lt"/>
           <a:ea typeface="+mn-ea"/>
           <a:cs typeface="+mn-cs"/>
@@ -2775,9 +5568,28 @@
         <a:buFont typeface="Arial" panose="020B0604020202020204" pitchFamily="34" charset="0"/>
         <a:buChar char="•"/>
         <a:defRPr sz="1800" kern="1200">
-          <a:solidFill>
-            <a:schemeClr val="tx1"/>
-          </a:solidFill>
+          <a:gradFill>
+            <a:gsLst>
+              <a:gs pos="34000">
+                <a:schemeClr val="tx1">
+                  <a:lumMod val="93000"/>
+                </a:schemeClr>
+              </a:gs>
+              <a:gs pos="0">
+                <a:schemeClr val="bg1">
+                  <a:lumMod val="25000"/>
+                  <a:lumOff val="75000"/>
+                </a:schemeClr>
+              </a:gs>
+              <a:gs pos="100000">
+                <a:schemeClr val="tx2">
+                  <a:lumMod val="0"/>
+                  <a:lumOff val="100000"/>
+                </a:schemeClr>
+              </a:gs>
+            </a:gsLst>
+            <a:lin ang="4800000" scaled="0"/>
+          </a:gradFill>
           <a:latin typeface="+mn-lt"/>
           <a:ea typeface="+mn-ea"/>
           <a:cs typeface="+mn-cs"/>
@@ -2793,9 +5605,28 @@
         <a:buFont typeface="Arial" panose="020B0604020202020204" pitchFamily="34" charset="0"/>
         <a:buChar char="•"/>
         <a:defRPr sz="1800" kern="1200">
-          <a:solidFill>
-            <a:schemeClr val="tx1"/>
-          </a:solidFill>
+          <a:gradFill>
+            <a:gsLst>
+              <a:gs pos="34000">
+                <a:schemeClr val="tx1">
+                  <a:lumMod val="93000"/>
+                </a:schemeClr>
+              </a:gs>
+              <a:gs pos="0">
+                <a:schemeClr val="bg1">
+                  <a:lumMod val="25000"/>
+                  <a:lumOff val="75000"/>
+                </a:schemeClr>
+              </a:gs>
+              <a:gs pos="100000">
+                <a:schemeClr val="tx2">
+                  <a:lumMod val="0"/>
+                  <a:lumOff val="100000"/>
+                </a:schemeClr>
+              </a:gs>
+            </a:gsLst>
+            <a:lin ang="4800000" scaled="0"/>
+          </a:gradFill>
           <a:latin typeface="+mn-lt"/>
           <a:ea typeface="+mn-ea"/>
           <a:cs typeface="+mn-cs"/>
@@ -2990,173 +5821,390 @@
           <a:chExt cx="0" cy="0"/>
         </a:xfrm>
       </p:grpSpPr>
-      <p:pic>
-        <p:nvPicPr>
-          <p:cNvPr id="5" name="Marcador de posición de imagen 4" descr="LoadTestTodo.xlsx - Excel (Error de activación de productos)"/>
-          <p:cNvPicPr>
-            <a:picLocks noGrp="1" noChangeAspect="1"/>
-          </p:cNvPicPr>
-          <p:nvPr>
-            <p:ph type="pic" idx="1"/>
-          </p:nvPr>
-        </p:nvPicPr>
-        <p:blipFill>
-          <a:blip r:embed="rId2">
-            <a:extLst>
-              <a:ext uri="{28A0092B-C50C-407E-A947-70E740481C1C}">
-                <a14:useLocalDpi xmlns:a14="http://schemas.microsoft.com/office/drawing/2010/main" val="0"/>
-              </a:ext>
-            </a:extLst>
-          </a:blip>
-          <a:srcRect/>
-          <a:stretch>
-            <a:fillRect/>
-          </a:stretch>
-        </p:blipFill>
-        <p:spPr>
-          <a:xfrm>
-            <a:off x="1692808" y="1531215"/>
-            <a:ext cx="8437030" cy="2026373"/>
-          </a:xfrm>
-        </p:spPr>
-      </p:pic>
-      <p:pic>
-        <p:nvPicPr>
-          <p:cNvPr id="6" name="Marcador de posición de imagen 4" descr="LoadTestTodo.xlsx - Excel (Error de activación de productos)"/>
-          <p:cNvPicPr>
-            <a:picLocks noGrp="1" noChangeAspect="1"/>
-          </p:cNvPicPr>
-          <p:nvPr>
-            <p:ph type="pic" idx="1"/>
-          </p:nvPr>
-        </p:nvPicPr>
-        <p:blipFill>
-          <a:blip r:embed="rId3">
-            <a:extLst>
-              <a:ext uri="{28A0092B-C50C-407E-A947-70E740481C1C}">
-                <a14:useLocalDpi xmlns:a14="http://schemas.microsoft.com/office/drawing/2010/main" val="0"/>
-              </a:ext>
-            </a:extLst>
-          </a:blip>
-          <a:srcRect/>
-          <a:stretch>
-            <a:fillRect/>
-          </a:stretch>
-        </p:blipFill>
-        <p:spPr>
-          <a:xfrm>
-            <a:off x="6013450" y="457200"/>
-            <a:ext cx="4582164" cy="2762636"/>
-          </a:xfrm>
-        </p:spPr>
-      </p:pic>
-      <p:pic>
-        <p:nvPicPr>
-          <p:cNvPr id="7" name="Marcador de posición de imagen 4" descr="LoadTestTodo.xlsx - Excel (Error de activación de productos)"/>
-          <p:cNvPicPr>
-            <a:picLocks noChangeAspect="1"/>
-          </p:cNvPicPr>
+      <p:sp>
+        <p:nvSpPr>
+          <p:cNvPr id="2" name="Título 1"/>
+          <p:cNvSpPr>
+            <a:spLocks noGrp="1"/>
+          </p:cNvSpPr>
+          <p:nvPr>
+            <p:ph type="title"/>
+          </p:nvPr>
+        </p:nvSpPr>
+        <p:spPr>
+          <a:xfrm>
+            <a:off x="2556898" y="1761066"/>
+            <a:ext cx="6893101" cy="1309510"/>
+          </a:xfrm>
+        </p:spPr>
+        <p:txBody>
+          <a:bodyPr>
+            <a:normAutofit/>
+          </a:bodyPr>
+          <a:lstStyle/>
+          <a:p>
+            <a:pPr algn="ctr"/>
+            <a:r>
+              <a:rPr lang="en-US" sz="4000" b="1" dirty="0" smtClean="0">
+                <a:latin typeface="Berlin Sans FB Demi" panose="020E0802020502020306" pitchFamily="34" charset="0"/>
+              </a:rPr>
+              <a:t>LOAD TEST for</a:t>
+            </a:r>
+            <a:br>
+              <a:rPr lang="en-US" sz="4000" b="1" dirty="0" smtClean="0">
+                <a:latin typeface="Berlin Sans FB Demi" panose="020E0802020502020306" pitchFamily="34" charset="0"/>
+              </a:rPr>
+            </a:br>
+            <a:r>
+              <a:rPr lang="en-US" sz="4000" b="1" dirty="0" smtClean="0">
+                <a:latin typeface="Berlin Sans FB Demi" panose="020E0802020502020306" pitchFamily="34" charset="0"/>
+              </a:rPr>
+              <a:t>TODO.LY web</a:t>
+            </a:r>
+            <a:endParaRPr lang="en-US" sz="4000" b="1" dirty="0">
+              <a:latin typeface="Berlin Sans FB Demi" panose="020E0802020502020306" pitchFamily="34" charset="0"/>
+            </a:endParaRPr>
+          </a:p>
+        </p:txBody>
+      </p:sp>
+      <p:sp>
+        <p:nvSpPr>
+          <p:cNvPr id="4" name="Marcador de texto 3"/>
+          <p:cNvSpPr>
+            <a:spLocks noGrp="1"/>
+          </p:cNvSpPr>
+          <p:nvPr>
+            <p:ph type="body" sz="half" idx="2"/>
+          </p:nvPr>
+        </p:nvSpPr>
+        <p:spPr>
+          <a:xfrm>
+            <a:off x="8469066" y="5057421"/>
+            <a:ext cx="1961867" cy="270934"/>
+          </a:xfrm>
+        </p:spPr>
+        <p:txBody>
+          <a:bodyPr>
+            <a:normAutofit fontScale="92500" lnSpcReduction="20000"/>
+          </a:bodyPr>
+          <a:lstStyle/>
+          <a:p>
+            <a:r>
+              <a:rPr lang="en-US" dirty="0" smtClean="0"/>
+              <a:t>@</a:t>
+            </a:r>
+            <a:r>
+              <a:rPr lang="en-US" dirty="0" err="1" smtClean="0"/>
+              <a:t>DanielGonzales</a:t>
+            </a:r>
+            <a:endParaRPr lang="en-US" dirty="0"/>
+          </a:p>
+        </p:txBody>
+      </p:sp>
+      <p:sp>
+        <p:nvSpPr>
+          <p:cNvPr id="5" name="Marcador de texto 3"/>
+          <p:cNvSpPr txBox="1">
+            <a:spLocks/>
+          </p:cNvSpPr>
           <p:nvPr/>
-        </p:nvPicPr>
-        <p:blipFill>
-          <a:blip r:embed="rId4">
-            <a:extLst>
-              <a:ext uri="{28A0092B-C50C-407E-A947-70E740481C1C}">
-                <a14:useLocalDpi xmlns:a14="http://schemas.microsoft.com/office/drawing/2010/main" val="0"/>
-              </a:ext>
-            </a:extLst>
-          </a:blip>
-          <a:srcRect/>
-          <a:stretch>
-            <a:fillRect/>
-          </a:stretch>
-        </p:blipFill>
-        <p:spPr>
-          <a:xfrm>
-            <a:off x="725488" y="4040742"/>
-            <a:ext cx="6172200" cy="2450228"/>
+        </p:nvSpPr>
+        <p:spPr>
+          <a:xfrm>
+            <a:off x="4651024" y="3747910"/>
+            <a:ext cx="3070576" cy="632177"/>
           </a:xfrm>
           <a:prstGeom prst="rect">
             <a:avLst/>
           </a:prstGeom>
         </p:spPr>
-      </p:pic>
-      <p:sp>
-        <p:nvSpPr>
-          <p:cNvPr id="8" name="Título 7"/>
-          <p:cNvSpPr>
-            <a:spLocks noGrp="1"/>
-          </p:cNvSpPr>
-          <p:nvPr>
-            <p:ph type="title"/>
-          </p:nvPr>
-        </p:nvSpPr>
-        <p:spPr>
-          <a:xfrm>
-            <a:off x="1919927" y="457200"/>
-            <a:ext cx="8675687" cy="671513"/>
-          </a:xfrm>
-        </p:spPr>
-        <p:txBody>
-          <a:bodyPr/>
-          <a:lstStyle/>
-          <a:p>
-            <a:r>
-              <a:rPr lang="en-US" dirty="0" smtClean="0"/>
-              <a:t>LOGIN</a:t>
-            </a:r>
-            <a:endParaRPr lang="en-US" dirty="0"/>
-          </a:p>
-        </p:txBody>
-      </p:sp>
-      <p:pic>
-        <p:nvPicPr>
-          <p:cNvPr id="9" name="Marcador de posición de imagen 4" descr="LoadTestTodo.xlsx - Excel (Error de activación de productos)"/>
-          <p:cNvPicPr>
-            <a:picLocks noChangeAspect="1"/>
-          </p:cNvPicPr>
-          <p:nvPr/>
-        </p:nvPicPr>
-        <p:blipFill>
-          <a:blip r:embed="rId5">
-            <a:extLst>
-              <a:ext uri="{28A0092B-C50C-407E-A947-70E740481C1C}">
-                <a14:useLocalDpi xmlns:a14="http://schemas.microsoft.com/office/drawing/2010/main" val="0"/>
-              </a:ext>
-            </a:extLst>
-          </a:blip>
-          <a:srcRect/>
-          <a:stretch>
-            <a:fillRect/>
-          </a:stretch>
-        </p:blipFill>
-        <p:spPr>
-          <a:xfrm>
-            <a:off x="7702052" y="4175050"/>
-            <a:ext cx="3626846" cy="2197176"/>
-          </a:xfrm>
-          <a:prstGeom prst="rect">
-            <a:avLst/>
-          </a:prstGeom>
-        </p:spPr>
-      </p:pic>
+        <p:txBody>
+          <a:bodyPr vert="horz" lIns="91440" tIns="45720" rIns="91440" bIns="45720" rtlCol="0">
+            <a:noAutofit/>
+          </a:bodyPr>
+          <a:lstStyle>
+            <a:lvl1pPr marL="0" indent="0" algn="l" defTabSz="914400" rtl="0" eaLnBrk="1" latinLnBrk="0" hangingPunct="1">
+              <a:lnSpc>
+                <a:spcPct val="90000"/>
+              </a:lnSpc>
+              <a:spcBef>
+                <a:spcPts val="1000"/>
+              </a:spcBef>
+              <a:buFont typeface="Arial" panose="020B0604020202020204" pitchFamily="34" charset="0"/>
+              <a:buNone/>
+              <a:defRPr sz="1600" kern="1200">
+                <a:gradFill>
+                  <a:gsLst>
+                    <a:gs pos="15000">
+                      <a:schemeClr val="tx2"/>
+                    </a:gs>
+                    <a:gs pos="73000">
+                      <a:schemeClr val="tx2">
+                        <a:lumMod val="60000"/>
+                        <a:lumOff val="40000"/>
+                      </a:schemeClr>
+                    </a:gs>
+                    <a:gs pos="0">
+                      <a:schemeClr val="tx1"/>
+                    </a:gs>
+                    <a:gs pos="100000">
+                      <a:schemeClr val="tx2">
+                        <a:lumMod val="0"/>
+                        <a:lumOff val="100000"/>
+                      </a:schemeClr>
+                    </a:gs>
+                  </a:gsLst>
+                  <a:lin ang="16200000" scaled="1"/>
+                </a:gradFill>
+                <a:latin typeface="+mn-lt"/>
+                <a:ea typeface="+mn-ea"/>
+                <a:cs typeface="+mn-cs"/>
+              </a:defRPr>
+            </a:lvl1pPr>
+            <a:lvl2pPr marL="457200" indent="0" algn="l" defTabSz="914400" rtl="0" eaLnBrk="1" latinLnBrk="0" hangingPunct="1">
+              <a:lnSpc>
+                <a:spcPct val="90000"/>
+              </a:lnSpc>
+              <a:spcBef>
+                <a:spcPts val="500"/>
+              </a:spcBef>
+              <a:buFont typeface="Arial" panose="020B0604020202020204" pitchFamily="34" charset="0"/>
+              <a:buNone/>
+              <a:defRPr sz="1400" kern="1200">
+                <a:gradFill>
+                  <a:gsLst>
+                    <a:gs pos="34000">
+                      <a:schemeClr val="tx1">
+                        <a:lumMod val="93000"/>
+                      </a:schemeClr>
+                    </a:gs>
+                    <a:gs pos="0">
+                      <a:schemeClr val="bg1">
+                        <a:lumMod val="25000"/>
+                        <a:lumOff val="75000"/>
+                      </a:schemeClr>
+                    </a:gs>
+                    <a:gs pos="100000">
+                      <a:schemeClr val="tx2">
+                        <a:lumMod val="0"/>
+                        <a:lumOff val="100000"/>
+                      </a:schemeClr>
+                    </a:gs>
+                  </a:gsLst>
+                  <a:lin ang="4800000" scaled="0"/>
+                </a:gradFill>
+                <a:latin typeface="+mn-lt"/>
+                <a:ea typeface="+mn-ea"/>
+                <a:cs typeface="+mn-cs"/>
+              </a:defRPr>
+            </a:lvl2pPr>
+            <a:lvl3pPr marL="914400" indent="0" algn="l" defTabSz="914400" rtl="0" eaLnBrk="1" latinLnBrk="0" hangingPunct="1">
+              <a:lnSpc>
+                <a:spcPct val="90000"/>
+              </a:lnSpc>
+              <a:spcBef>
+                <a:spcPts val="500"/>
+              </a:spcBef>
+              <a:buFont typeface="Arial" panose="020B0604020202020204" pitchFamily="34" charset="0"/>
+              <a:buNone/>
+              <a:defRPr sz="1200" kern="1200">
+                <a:gradFill>
+                  <a:gsLst>
+                    <a:gs pos="34000">
+                      <a:schemeClr val="tx1">
+                        <a:lumMod val="93000"/>
+                      </a:schemeClr>
+                    </a:gs>
+                    <a:gs pos="0">
+                      <a:schemeClr val="bg1">
+                        <a:lumMod val="25000"/>
+                        <a:lumOff val="75000"/>
+                      </a:schemeClr>
+                    </a:gs>
+                    <a:gs pos="100000">
+                      <a:schemeClr val="tx2">
+                        <a:lumMod val="0"/>
+                        <a:lumOff val="100000"/>
+                      </a:schemeClr>
+                    </a:gs>
+                  </a:gsLst>
+                  <a:lin ang="4800000" scaled="0"/>
+                </a:gradFill>
+                <a:latin typeface="+mn-lt"/>
+                <a:ea typeface="+mn-ea"/>
+                <a:cs typeface="+mn-cs"/>
+              </a:defRPr>
+            </a:lvl3pPr>
+            <a:lvl4pPr marL="1371600" indent="0" algn="l" defTabSz="914400" rtl="0" eaLnBrk="1" latinLnBrk="0" hangingPunct="1">
+              <a:lnSpc>
+                <a:spcPct val="90000"/>
+              </a:lnSpc>
+              <a:spcBef>
+                <a:spcPts val="500"/>
+              </a:spcBef>
+              <a:buFont typeface="Arial" panose="020B0604020202020204" pitchFamily="34" charset="0"/>
+              <a:buNone/>
+              <a:defRPr sz="1000" kern="1200">
+                <a:gradFill>
+                  <a:gsLst>
+                    <a:gs pos="34000">
+                      <a:schemeClr val="tx1">
+                        <a:lumMod val="93000"/>
+                      </a:schemeClr>
+                    </a:gs>
+                    <a:gs pos="0">
+                      <a:schemeClr val="bg1">
+                        <a:lumMod val="25000"/>
+                        <a:lumOff val="75000"/>
+                      </a:schemeClr>
+                    </a:gs>
+                    <a:gs pos="100000">
+                      <a:schemeClr val="tx2">
+                        <a:lumMod val="0"/>
+                        <a:lumOff val="100000"/>
+                      </a:schemeClr>
+                    </a:gs>
+                  </a:gsLst>
+                  <a:lin ang="4800000" scaled="0"/>
+                </a:gradFill>
+                <a:latin typeface="+mn-lt"/>
+                <a:ea typeface="+mn-ea"/>
+                <a:cs typeface="+mn-cs"/>
+              </a:defRPr>
+            </a:lvl4pPr>
+            <a:lvl5pPr marL="1828800" indent="0" algn="l" defTabSz="914400" rtl="0" eaLnBrk="1" latinLnBrk="0" hangingPunct="1">
+              <a:lnSpc>
+                <a:spcPct val="90000"/>
+              </a:lnSpc>
+              <a:spcBef>
+                <a:spcPts val="500"/>
+              </a:spcBef>
+              <a:buFont typeface="Arial" panose="020B0604020202020204" pitchFamily="34" charset="0"/>
+              <a:buNone/>
+              <a:defRPr sz="1000" kern="1200">
+                <a:gradFill>
+                  <a:gsLst>
+                    <a:gs pos="34000">
+                      <a:schemeClr val="tx1">
+                        <a:lumMod val="93000"/>
+                      </a:schemeClr>
+                    </a:gs>
+                    <a:gs pos="0">
+                      <a:schemeClr val="bg1">
+                        <a:lumMod val="25000"/>
+                        <a:lumOff val="75000"/>
+                      </a:schemeClr>
+                    </a:gs>
+                    <a:gs pos="100000">
+                      <a:schemeClr val="tx2">
+                        <a:lumMod val="0"/>
+                        <a:lumOff val="100000"/>
+                      </a:schemeClr>
+                    </a:gs>
+                  </a:gsLst>
+                  <a:lin ang="4800000" scaled="0"/>
+                </a:gradFill>
+                <a:latin typeface="+mn-lt"/>
+                <a:ea typeface="+mn-ea"/>
+                <a:cs typeface="+mn-cs"/>
+              </a:defRPr>
+            </a:lvl5pPr>
+            <a:lvl6pPr marL="2286000" indent="0" algn="l" defTabSz="914400" rtl="0" eaLnBrk="1" latinLnBrk="0" hangingPunct="1">
+              <a:lnSpc>
+                <a:spcPct val="90000"/>
+              </a:lnSpc>
+              <a:spcBef>
+                <a:spcPts val="500"/>
+              </a:spcBef>
+              <a:buFont typeface="Arial" panose="020B0604020202020204" pitchFamily="34" charset="0"/>
+              <a:buNone/>
+              <a:defRPr sz="1000" kern="1200">
+                <a:solidFill>
+                  <a:schemeClr val="tx1"/>
+                </a:solidFill>
+                <a:latin typeface="+mn-lt"/>
+                <a:ea typeface="+mn-ea"/>
+                <a:cs typeface="+mn-cs"/>
+              </a:defRPr>
+            </a:lvl6pPr>
+            <a:lvl7pPr marL="2743200" indent="0" algn="l" defTabSz="914400" rtl="0" eaLnBrk="1" latinLnBrk="0" hangingPunct="1">
+              <a:lnSpc>
+                <a:spcPct val="90000"/>
+              </a:lnSpc>
+              <a:spcBef>
+                <a:spcPts val="500"/>
+              </a:spcBef>
+              <a:buFont typeface="Arial" panose="020B0604020202020204" pitchFamily="34" charset="0"/>
+              <a:buNone/>
+              <a:defRPr sz="1000" kern="1200">
+                <a:solidFill>
+                  <a:schemeClr val="tx1"/>
+                </a:solidFill>
+                <a:latin typeface="+mn-lt"/>
+                <a:ea typeface="+mn-ea"/>
+                <a:cs typeface="+mn-cs"/>
+              </a:defRPr>
+            </a:lvl7pPr>
+            <a:lvl8pPr marL="3200400" indent="0" algn="l" defTabSz="914400" rtl="0" eaLnBrk="1" latinLnBrk="0" hangingPunct="1">
+              <a:lnSpc>
+                <a:spcPct val="90000"/>
+              </a:lnSpc>
+              <a:spcBef>
+                <a:spcPts val="500"/>
+              </a:spcBef>
+              <a:buFont typeface="Arial" panose="020B0604020202020204" pitchFamily="34" charset="0"/>
+              <a:buNone/>
+              <a:defRPr sz="1000" kern="1200">
+                <a:solidFill>
+                  <a:schemeClr val="tx1"/>
+                </a:solidFill>
+                <a:latin typeface="+mn-lt"/>
+                <a:ea typeface="+mn-ea"/>
+                <a:cs typeface="+mn-cs"/>
+              </a:defRPr>
+            </a:lvl8pPr>
+            <a:lvl9pPr marL="3657600" indent="0" algn="l" defTabSz="914400" rtl="0" eaLnBrk="1" latinLnBrk="0" hangingPunct="1">
+              <a:lnSpc>
+                <a:spcPct val="90000"/>
+              </a:lnSpc>
+              <a:spcBef>
+                <a:spcPts val="500"/>
+              </a:spcBef>
+              <a:buFont typeface="Arial" panose="020B0604020202020204" pitchFamily="34" charset="0"/>
+              <a:buNone/>
+              <a:defRPr sz="1000" kern="1200">
+                <a:solidFill>
+                  <a:schemeClr val="tx1"/>
+                </a:solidFill>
+                <a:latin typeface="+mn-lt"/>
+                <a:ea typeface="+mn-ea"/>
+                <a:cs typeface="+mn-cs"/>
+              </a:defRPr>
+            </a:lvl9pPr>
+          </a:lstStyle>
+          <a:p>
+            <a:r>
+              <a:rPr lang="en-US" sz="2800" b="1" dirty="0" smtClean="0">
+                <a:latin typeface="Berlin Sans FB Demi" panose="020E0802020502020306" pitchFamily="34" charset="0"/>
+              </a:rPr>
+              <a:t>Graphics Results</a:t>
+            </a:r>
+            <a:endParaRPr lang="en-US" sz="2800" b="1" dirty="0">
+              <a:latin typeface="Berlin Sans FB Demi" panose="020E0802020502020306" pitchFamily="34" charset="0"/>
+            </a:endParaRPr>
+          </a:p>
+        </p:txBody>
+      </p:sp>
     </p:spTree>
     <p:extLst>
       <p:ext uri="{BB962C8B-B14F-4D97-AF65-F5344CB8AC3E}">
-        <p14:creationId xmlns:p14="http://schemas.microsoft.com/office/powerpoint/2010/main" val="1720897304"/>
+        <p14:creationId xmlns:p14="http://schemas.microsoft.com/office/powerpoint/2010/main" val="1894636849"/>
       </p:ext>
     </p:extLst>
   </p:cSld>
   <p:clrMapOvr>
     <a:masterClrMapping/>
   </p:clrMapOvr>
-  <p:timing>
-    <p:tnLst>
-      <p:par>
-        <p:cTn id="1" dur="indefinite" restart="never" nodeType="tmRoot"/>
-      </p:par>
-    </p:tnLst>
-  </p:timing>
 </p:sld>
 </file>
 
@@ -3179,7 +6227,7 @@
       </p:grpSpPr>
       <p:sp>
         <p:nvSpPr>
-          <p:cNvPr id="2" name="Título 1"/>
+          <p:cNvPr id="6" name="Título 5"/>
           <p:cNvSpPr>
             <a:spLocks noGrp="1"/>
           </p:cNvSpPr>
@@ -3187,7 +6235,12 @@
             <p:ph type="title"/>
           </p:nvPr>
         </p:nvSpPr>
-        <p:spPr/>
+        <p:spPr>
+          <a:xfrm>
+            <a:off x="839788" y="457200"/>
+            <a:ext cx="10515600" cy="485775"/>
+          </a:xfrm>
+        </p:spPr>
         <p:txBody>
           <a:bodyPr>
             <a:normAutofit fontScale="90000"/>
@@ -3195,10 +6248,10 @@
           <a:lstStyle/>
           <a:p>
             <a:r>
-              <a:rPr lang="es-ES" smtClean="0"/>
-              <a:t>LoadTestTodo.xlsx - Excel (Error de activación de productos)</a:t>
-            </a:r>
-            <a:endParaRPr lang="en-US"/>
+              <a:rPr lang="en-US" dirty="0" smtClean="0"/>
+              <a:t>MAIN PAGE TEST RESULT</a:t>
+            </a:r>
+            <a:endParaRPr lang="en-US" dirty="0"/>
           </a:p>
         </p:txBody>
       </p:sp>
@@ -3227,34 +6280,77 @@
         </p:blipFill>
         <p:spPr>
           <a:xfrm>
-            <a:off x="3054350" y="1582738"/>
-            <a:ext cx="4563112" cy="2762636"/>
+            <a:off x="1554162" y="1220787"/>
+            <a:ext cx="9018587" cy="1951037"/>
           </a:xfrm>
         </p:spPr>
       </p:pic>
-      <p:sp>
-        <p:nvSpPr>
-          <p:cNvPr id="4" name="Marcador de texto 3"/>
-          <p:cNvSpPr>
-            <a:spLocks noGrp="1"/>
-          </p:cNvSpPr>
-          <p:nvPr>
-            <p:ph type="body" sz="half" idx="2"/>
-          </p:nvPr>
-        </p:nvSpPr>
-        <p:spPr/>
-        <p:txBody>
-          <a:bodyPr/>
-          <a:lstStyle/>
-          <a:p>
-            <a:endParaRPr lang="en-US"/>
-          </a:p>
-        </p:txBody>
-      </p:sp>
+      <p:pic>
+        <p:nvPicPr>
+          <p:cNvPr id="7" name="Marcador de posición de imagen 4" descr="LoadTestTodo.xlsx - Excel (Error de activación de productos)"/>
+          <p:cNvPicPr>
+            <a:picLocks noChangeAspect="1"/>
+          </p:cNvPicPr>
+          <p:nvPr/>
+        </p:nvPicPr>
+        <p:blipFill>
+          <a:blip r:embed="rId3">
+            <a:extLst>
+              <a:ext uri="{28A0092B-C50C-407E-A947-70E740481C1C}">
+                <a14:useLocalDpi xmlns:a14="http://schemas.microsoft.com/office/drawing/2010/main" val="0"/>
+              </a:ext>
+            </a:extLst>
+          </a:blip>
+          <a:srcRect/>
+          <a:stretch>
+            <a:fillRect/>
+          </a:stretch>
+        </p:blipFill>
+        <p:spPr>
+          <a:xfrm>
+            <a:off x="839787" y="3449636"/>
+            <a:ext cx="5875337" cy="2734057"/>
+          </a:xfrm>
+          <a:prstGeom prst="rect">
+            <a:avLst/>
+          </a:prstGeom>
+        </p:spPr>
+      </p:pic>
+      <p:pic>
+        <p:nvPicPr>
+          <p:cNvPr id="8" name="Marcador de posición de imagen 4" descr="LoadTestTodo.xlsx - Excel (Error de activación de productos)"/>
+          <p:cNvPicPr>
+            <a:picLocks noChangeAspect="1"/>
+          </p:cNvPicPr>
+          <p:nvPr/>
+        </p:nvPicPr>
+        <p:blipFill>
+          <a:blip r:embed="rId4">
+            <a:extLst>
+              <a:ext uri="{28A0092B-C50C-407E-A947-70E740481C1C}">
+                <a14:useLocalDpi xmlns:a14="http://schemas.microsoft.com/office/drawing/2010/main" val="0"/>
+              </a:ext>
+            </a:extLst>
+          </a:blip>
+          <a:srcRect/>
+          <a:stretch>
+            <a:fillRect/>
+          </a:stretch>
+        </p:blipFill>
+        <p:spPr>
+          <a:xfrm>
+            <a:off x="7353300" y="3635374"/>
+            <a:ext cx="3819525" cy="2282106"/>
+          </a:xfrm>
+          <a:prstGeom prst="rect">
+            <a:avLst/>
+          </a:prstGeom>
+        </p:spPr>
+      </p:pic>
     </p:spTree>
     <p:extLst>
       <p:ext uri="{BB962C8B-B14F-4D97-AF65-F5344CB8AC3E}">
-        <p14:creationId xmlns:p14="http://schemas.microsoft.com/office/powerpoint/2010/main" val="1329054361"/>
+        <p14:creationId xmlns:p14="http://schemas.microsoft.com/office/powerpoint/2010/main" val="2325668756"/>
       </p:ext>
     </p:extLst>
   </p:cSld>
@@ -3291,7 +6387,12 @@
             <p:ph type="title"/>
           </p:nvPr>
         </p:nvSpPr>
-        <p:spPr/>
+        <p:spPr>
+          <a:xfrm>
+            <a:off x="839788" y="457200"/>
+            <a:ext cx="10268479" cy="491067"/>
+          </a:xfrm>
+        </p:spPr>
         <p:txBody>
           <a:bodyPr>
             <a:normAutofit fontScale="90000"/>
@@ -3299,10 +6400,10 @@
           <a:lstStyle/>
           <a:p>
             <a:r>
-              <a:rPr lang="es-ES" smtClean="0"/>
-              <a:t>LoadTestTodo.xlsx - Excel (Error de activación de productos)</a:t>
-            </a:r>
-            <a:endParaRPr lang="en-US"/>
+              <a:rPr lang="es-ES" dirty="0" smtClean="0"/>
+              <a:t>CREATE PROJECT TEST RESULT</a:t>
+            </a:r>
+            <a:endParaRPr lang="en-US" dirty="0"/>
           </a:p>
         </p:txBody>
       </p:sp>
@@ -3331,207 +6432,21 @@
         </p:blipFill>
         <p:spPr>
           <a:xfrm>
-            <a:off x="3048000" y="1601788"/>
-            <a:ext cx="4572638" cy="2734057"/>
+            <a:off x="1525587" y="1186921"/>
+            <a:ext cx="9311745" cy="1906235"/>
           </a:xfrm>
         </p:spPr>
       </p:pic>
-      <p:sp>
-        <p:nvSpPr>
-          <p:cNvPr id="4" name="Marcador de texto 3"/>
-          <p:cNvSpPr>
-            <a:spLocks noGrp="1"/>
-          </p:cNvSpPr>
-          <p:nvPr>
-            <p:ph type="body" sz="half" idx="2"/>
-          </p:nvPr>
-        </p:nvSpPr>
-        <p:spPr/>
-        <p:txBody>
-          <a:bodyPr/>
-          <a:lstStyle/>
-          <a:p>
-            <a:endParaRPr lang="en-US"/>
-          </a:p>
-        </p:txBody>
-      </p:sp>
-    </p:spTree>
-    <p:extLst>
-      <p:ext uri="{BB962C8B-B14F-4D97-AF65-F5344CB8AC3E}">
-        <p14:creationId xmlns:p14="http://schemas.microsoft.com/office/powerpoint/2010/main" val="493940978"/>
-      </p:ext>
-    </p:extLst>
-  </p:cSld>
-  <p:clrMapOvr>
-    <a:masterClrMapping/>
-  </p:clrMapOvr>
-</p:sld>
-</file>
-
-<file path=ppt/slides/slide12.xml><?xml version="1.0" encoding="utf-8"?>
-<p:sld xmlns:a="http://schemas.openxmlformats.org/drawingml/2006/main" xmlns:r="http://schemas.openxmlformats.org/officeDocument/2006/relationships" xmlns:p="http://schemas.openxmlformats.org/presentationml/2006/main">
-  <p:cSld>
-    <p:spTree>
-      <p:nvGrpSpPr>
-        <p:cNvPr id="1" name=""/>
-        <p:cNvGrpSpPr/>
-        <p:nvPr/>
-      </p:nvGrpSpPr>
-      <p:grpSpPr>
-        <a:xfrm>
-          <a:off x="0" y="0"/>
-          <a:ext cx="0" cy="0"/>
-          <a:chOff x="0" y="0"/>
-          <a:chExt cx="0" cy="0"/>
-        </a:xfrm>
-      </p:grpSpPr>
-      <p:sp>
-        <p:nvSpPr>
-          <p:cNvPr id="2" name="Título 1"/>
-          <p:cNvSpPr>
-            <a:spLocks noGrp="1"/>
-          </p:cNvSpPr>
-          <p:nvPr>
-            <p:ph type="title"/>
-          </p:nvPr>
-        </p:nvSpPr>
-        <p:spPr/>
-        <p:txBody>
-          <a:bodyPr>
-            <a:normAutofit fontScale="90000"/>
-          </a:bodyPr>
-          <a:lstStyle/>
-          <a:p>
-            <a:r>
-              <a:rPr lang="es-ES" smtClean="0"/>
-              <a:t>LoadTestTodo.xlsx - Excel (Error de activación de productos)</a:t>
-            </a:r>
-            <a:endParaRPr lang="en-US"/>
-          </a:p>
-        </p:txBody>
-      </p:sp>
-      <p:sp>
-        <p:nvSpPr>
-          <p:cNvPr id="4" name="Marcador de texto 3"/>
-          <p:cNvSpPr>
-            <a:spLocks noGrp="1"/>
-          </p:cNvSpPr>
-          <p:nvPr>
-            <p:ph type="body" sz="half" idx="2"/>
-          </p:nvPr>
-        </p:nvSpPr>
-        <p:spPr/>
-        <p:txBody>
-          <a:bodyPr/>
-          <a:lstStyle/>
-          <a:p>
-            <a:endParaRPr lang="en-US"/>
-          </a:p>
-        </p:txBody>
-      </p:sp>
       <p:pic>
         <p:nvPicPr>
-          <p:cNvPr id="6" name="Imagen 5"/>
+          <p:cNvPr id="6" name="Marcador de posición de imagen 4" descr="LoadTestTodo.xlsx - Excel (Error de activación de productos)"/>
           <p:cNvPicPr>
             <a:picLocks noChangeAspect="1"/>
           </p:cNvPicPr>
           <p:nvPr/>
         </p:nvPicPr>
         <p:blipFill>
-          <a:blip r:embed="rId2"/>
-          <a:stretch>
-            <a:fillRect/>
-          </a:stretch>
-        </p:blipFill>
-        <p:spPr>
-          <a:xfrm>
-            <a:off x="2571258" y="2466840"/>
-            <a:ext cx="7049484" cy="1924319"/>
-          </a:xfrm>
-          <a:prstGeom prst="rect">
-            <a:avLst/>
-          </a:prstGeom>
-        </p:spPr>
-      </p:pic>
-      <p:sp>
-        <p:nvSpPr>
-          <p:cNvPr id="7" name="Marcador de posición de imagen 6"/>
-          <p:cNvSpPr>
-            <a:spLocks noGrp="1"/>
-          </p:cNvSpPr>
-          <p:nvPr>
-            <p:ph type="pic" idx="1"/>
-          </p:nvPr>
-        </p:nvSpPr>
-        <p:spPr/>
-      </p:sp>
-    </p:spTree>
-    <p:extLst>
-      <p:ext uri="{BB962C8B-B14F-4D97-AF65-F5344CB8AC3E}">
-        <p14:creationId xmlns:p14="http://schemas.microsoft.com/office/powerpoint/2010/main" val="1165847412"/>
-      </p:ext>
-    </p:extLst>
-  </p:cSld>
-  <p:clrMapOvr>
-    <a:masterClrMapping/>
-  </p:clrMapOvr>
-</p:sld>
-</file>
-
-<file path=ppt/slides/slide13.xml><?xml version="1.0" encoding="utf-8"?>
-<p:sld xmlns:a="http://schemas.openxmlformats.org/drawingml/2006/main" xmlns:r="http://schemas.openxmlformats.org/officeDocument/2006/relationships" xmlns:p="http://schemas.openxmlformats.org/presentationml/2006/main">
-  <p:cSld>
-    <p:spTree>
-      <p:nvGrpSpPr>
-        <p:cNvPr id="1" name=""/>
-        <p:cNvGrpSpPr/>
-        <p:nvPr/>
-      </p:nvGrpSpPr>
-      <p:grpSpPr>
-        <a:xfrm>
-          <a:off x="0" y="0"/>
-          <a:ext cx="0" cy="0"/>
-          <a:chOff x="0" y="0"/>
-          <a:chExt cx="0" cy="0"/>
-        </a:xfrm>
-      </p:grpSpPr>
-      <p:sp>
-        <p:nvSpPr>
-          <p:cNvPr id="2" name="Título 1"/>
-          <p:cNvSpPr>
-            <a:spLocks noGrp="1"/>
-          </p:cNvSpPr>
-          <p:nvPr>
-            <p:ph type="title"/>
-          </p:nvPr>
-        </p:nvSpPr>
-        <p:spPr/>
-        <p:txBody>
-          <a:bodyPr>
-            <a:normAutofit fontScale="90000"/>
-          </a:bodyPr>
-          <a:lstStyle/>
-          <a:p>
-            <a:r>
-              <a:rPr lang="es-ES" smtClean="0"/>
-              <a:t>LoadTestTodo.xlsx - Excel (Error de activación de productos)</a:t>
-            </a:r>
-            <a:endParaRPr lang="en-US"/>
-          </a:p>
-        </p:txBody>
-      </p:sp>
-      <p:pic>
-        <p:nvPicPr>
-          <p:cNvPr id="5" name="Marcador de posición de imagen 4" descr="LoadTestTodo.xlsx - Excel (Error de activación de productos)"/>
-          <p:cNvPicPr>
-            <a:picLocks noGrp="1" noChangeAspect="1"/>
-          </p:cNvPicPr>
-          <p:nvPr>
-            <p:ph type="pic" idx="1"/>
-          </p:nvPr>
-        </p:nvPicPr>
-        <p:blipFill>
-          <a:blip r:embed="rId2">
+          <a:blip r:embed="rId3">
             <a:extLst>
               <a:ext uri="{28A0092B-C50C-407E-A947-70E740481C1C}">
                 <a14:useLocalDpi xmlns:a14="http://schemas.microsoft.com/office/drawing/2010/main" val="0"/>
@@ -3545,97 +6460,24 @@
         </p:blipFill>
         <p:spPr>
           <a:xfrm>
-            <a:off x="3048000" y="1595438"/>
-            <a:ext cx="4572638" cy="2743583"/>
-          </a:xfrm>
+            <a:off x="839788" y="3439055"/>
+            <a:ext cx="5910968" cy="2927878"/>
+          </a:xfrm>
+          <a:prstGeom prst="rect">
+            <a:avLst/>
+          </a:prstGeom>
         </p:spPr>
       </p:pic>
-      <p:sp>
-        <p:nvSpPr>
-          <p:cNvPr id="4" name="Marcador de texto 3"/>
-          <p:cNvSpPr>
-            <a:spLocks noGrp="1"/>
-          </p:cNvSpPr>
-          <p:nvPr>
-            <p:ph type="body" sz="half" idx="2"/>
-          </p:nvPr>
-        </p:nvSpPr>
-        <p:spPr/>
-        <p:txBody>
-          <a:bodyPr/>
-          <a:lstStyle/>
-          <a:p>
-            <a:endParaRPr lang="en-US"/>
-          </a:p>
-        </p:txBody>
-      </p:sp>
-    </p:spTree>
-    <p:extLst>
-      <p:ext uri="{BB962C8B-B14F-4D97-AF65-F5344CB8AC3E}">
-        <p14:creationId xmlns:p14="http://schemas.microsoft.com/office/powerpoint/2010/main" val="1723570692"/>
-      </p:ext>
-    </p:extLst>
-  </p:cSld>
-  <p:clrMapOvr>
-    <a:masterClrMapping/>
-  </p:clrMapOvr>
-</p:sld>
-</file>
-
-<file path=ppt/slides/slide14.xml><?xml version="1.0" encoding="utf-8"?>
-<p:sld xmlns:a="http://schemas.openxmlformats.org/drawingml/2006/main" xmlns:r="http://schemas.openxmlformats.org/officeDocument/2006/relationships" xmlns:p="http://schemas.openxmlformats.org/presentationml/2006/main">
-  <p:cSld>
-    <p:spTree>
-      <p:nvGrpSpPr>
-        <p:cNvPr id="1" name=""/>
-        <p:cNvGrpSpPr/>
-        <p:nvPr/>
-      </p:nvGrpSpPr>
-      <p:grpSpPr>
-        <a:xfrm>
-          <a:off x="0" y="0"/>
-          <a:ext cx="0" cy="0"/>
-          <a:chOff x="0" y="0"/>
-          <a:chExt cx="0" cy="0"/>
-        </a:xfrm>
-      </p:grpSpPr>
-      <p:sp>
-        <p:nvSpPr>
-          <p:cNvPr id="2" name="Título 1"/>
-          <p:cNvSpPr>
-            <a:spLocks noGrp="1"/>
-          </p:cNvSpPr>
-          <p:nvPr>
-            <p:ph type="title"/>
-          </p:nvPr>
-        </p:nvSpPr>
-        <p:spPr/>
-        <p:txBody>
-          <a:bodyPr>
-            <a:normAutofit fontScale="90000"/>
-          </a:bodyPr>
-          <a:lstStyle/>
-          <a:p>
-            <a:r>
-              <a:rPr lang="es-ES" smtClean="0"/>
-              <a:t>LoadTestTodo.xlsx - Excel (Error de activación de productos)</a:t>
-            </a:r>
-            <a:endParaRPr lang="en-US"/>
-          </a:p>
-        </p:txBody>
-      </p:sp>
       <p:pic>
         <p:nvPicPr>
-          <p:cNvPr id="5" name="Marcador de posición de imagen 4" descr="LoadTestTodo.xlsx - Excel (Error de activación de productos)"/>
+          <p:cNvPr id="7" name="Marcador de posición de imagen 4" descr="LoadTestTodo.xlsx - Excel (Error de activación de productos)"/>
           <p:cNvPicPr>
-            <a:picLocks noGrp="1" noChangeAspect="1"/>
+            <a:picLocks noChangeAspect="1"/>
           </p:cNvPicPr>
-          <p:nvPr>
-            <p:ph type="pic" idx="1"/>
-          </p:nvPr>
+          <p:nvPr/>
         </p:nvPicPr>
         <p:blipFill>
-          <a:blip r:embed="rId2">
+          <a:blip r:embed="rId4">
             <a:extLst>
               <a:ext uri="{28A0092B-C50C-407E-A947-70E740481C1C}">
                 <a14:useLocalDpi xmlns:a14="http://schemas.microsoft.com/office/drawing/2010/main" val="0"/>
@@ -3649,554 +6491,18 @@
         </p:blipFill>
         <p:spPr>
           <a:xfrm>
-            <a:off x="3054350" y="1595438"/>
-            <a:ext cx="4563112" cy="2743583"/>
-          </a:xfrm>
+            <a:off x="7360355" y="3630967"/>
+            <a:ext cx="4189662" cy="2487612"/>
+          </a:xfrm>
+          <a:prstGeom prst="rect">
+            <a:avLst/>
+          </a:prstGeom>
         </p:spPr>
       </p:pic>
-      <p:sp>
-        <p:nvSpPr>
-          <p:cNvPr id="4" name="Marcador de texto 3"/>
-          <p:cNvSpPr>
-            <a:spLocks noGrp="1"/>
-          </p:cNvSpPr>
-          <p:nvPr>
-            <p:ph type="body" sz="half" idx="2"/>
-          </p:nvPr>
-        </p:nvSpPr>
-        <p:spPr/>
-        <p:txBody>
-          <a:bodyPr/>
-          <a:lstStyle/>
-          <a:p>
-            <a:endParaRPr lang="en-US"/>
-          </a:p>
-        </p:txBody>
-      </p:sp>
     </p:spTree>
     <p:extLst>
       <p:ext uri="{BB962C8B-B14F-4D97-AF65-F5344CB8AC3E}">
-        <p14:creationId xmlns:p14="http://schemas.microsoft.com/office/powerpoint/2010/main" val="3022884110"/>
-      </p:ext>
-    </p:extLst>
-  </p:cSld>
-  <p:clrMapOvr>
-    <a:masterClrMapping/>
-  </p:clrMapOvr>
-</p:sld>
-</file>
-
-<file path=ppt/slides/slide15.xml><?xml version="1.0" encoding="utf-8"?>
-<p:sld xmlns:a="http://schemas.openxmlformats.org/drawingml/2006/main" xmlns:r="http://schemas.openxmlformats.org/officeDocument/2006/relationships" xmlns:p="http://schemas.openxmlformats.org/presentationml/2006/main">
-  <p:cSld>
-    <p:spTree>
-      <p:nvGrpSpPr>
-        <p:cNvPr id="1" name=""/>
-        <p:cNvGrpSpPr/>
-        <p:nvPr/>
-      </p:nvGrpSpPr>
-      <p:grpSpPr>
-        <a:xfrm>
-          <a:off x="0" y="0"/>
-          <a:ext cx="0" cy="0"/>
-          <a:chOff x="0" y="0"/>
-          <a:chExt cx="0" cy="0"/>
-        </a:xfrm>
-      </p:grpSpPr>
-      <p:sp>
-        <p:nvSpPr>
-          <p:cNvPr id="2" name="Título 1"/>
-          <p:cNvSpPr>
-            <a:spLocks noGrp="1"/>
-          </p:cNvSpPr>
-          <p:nvPr>
-            <p:ph type="title"/>
-          </p:nvPr>
-        </p:nvSpPr>
-        <p:spPr/>
-        <p:txBody>
-          <a:bodyPr>
-            <a:normAutofit fontScale="90000"/>
-          </a:bodyPr>
-          <a:lstStyle/>
-          <a:p>
-            <a:r>
-              <a:rPr lang="es-ES" smtClean="0"/>
-              <a:t>LoadTestTodo.xlsx - Excel (Error de activación de productos)</a:t>
-            </a:r>
-            <a:endParaRPr lang="en-US"/>
-          </a:p>
-        </p:txBody>
-      </p:sp>
-      <p:pic>
-        <p:nvPicPr>
-          <p:cNvPr id="5" name="Marcador de posición de imagen 4" descr="LoadTestTodo.xlsx - Excel (Error de activación de productos)"/>
-          <p:cNvPicPr>
-            <a:picLocks noGrp="1" noChangeAspect="1"/>
-          </p:cNvPicPr>
-          <p:nvPr>
-            <p:ph type="pic" idx="1"/>
-          </p:nvPr>
-        </p:nvPicPr>
-        <p:blipFill>
-          <a:blip r:embed="rId2">
-            <a:extLst>
-              <a:ext uri="{28A0092B-C50C-407E-A947-70E740481C1C}">
-                <a14:useLocalDpi xmlns:a14="http://schemas.microsoft.com/office/drawing/2010/main" val="0"/>
-              </a:ext>
-            </a:extLst>
-          </a:blip>
-          <a:srcRect/>
-          <a:stretch>
-            <a:fillRect/>
-          </a:stretch>
-        </p:blipFill>
-        <p:spPr>
-          <a:xfrm>
-            <a:off x="5183188" y="2135188"/>
-            <a:ext cx="6172200" cy="1684082"/>
-          </a:xfrm>
-        </p:spPr>
-      </p:pic>
-      <p:sp>
-        <p:nvSpPr>
-          <p:cNvPr id="4" name="Marcador de texto 3"/>
-          <p:cNvSpPr>
-            <a:spLocks noGrp="1"/>
-          </p:cNvSpPr>
-          <p:nvPr>
-            <p:ph type="body" sz="half" idx="2"/>
-          </p:nvPr>
-        </p:nvSpPr>
-        <p:spPr/>
-        <p:txBody>
-          <a:bodyPr/>
-          <a:lstStyle/>
-          <a:p>
-            <a:endParaRPr lang="en-US"/>
-          </a:p>
-        </p:txBody>
-      </p:sp>
-    </p:spTree>
-    <p:extLst>
-      <p:ext uri="{BB962C8B-B14F-4D97-AF65-F5344CB8AC3E}">
-        <p14:creationId xmlns:p14="http://schemas.microsoft.com/office/powerpoint/2010/main" val="496631446"/>
-      </p:ext>
-    </p:extLst>
-  </p:cSld>
-  <p:clrMapOvr>
-    <a:masterClrMapping/>
-  </p:clrMapOvr>
-</p:sld>
-</file>
-
-<file path=ppt/slides/slide16.xml><?xml version="1.0" encoding="utf-8"?>
-<p:sld xmlns:a="http://schemas.openxmlformats.org/drawingml/2006/main" xmlns:r="http://schemas.openxmlformats.org/officeDocument/2006/relationships" xmlns:p="http://schemas.openxmlformats.org/presentationml/2006/main">
-  <p:cSld>
-    <p:spTree>
-      <p:nvGrpSpPr>
-        <p:cNvPr id="1" name=""/>
-        <p:cNvGrpSpPr/>
-        <p:nvPr/>
-      </p:nvGrpSpPr>
-      <p:grpSpPr>
-        <a:xfrm>
-          <a:off x="0" y="0"/>
-          <a:ext cx="0" cy="0"/>
-          <a:chOff x="0" y="0"/>
-          <a:chExt cx="0" cy="0"/>
-        </a:xfrm>
-      </p:grpSpPr>
-      <p:sp>
-        <p:nvSpPr>
-          <p:cNvPr id="2" name="Título 1"/>
-          <p:cNvSpPr>
-            <a:spLocks noGrp="1"/>
-          </p:cNvSpPr>
-          <p:nvPr>
-            <p:ph type="title"/>
-          </p:nvPr>
-        </p:nvSpPr>
-        <p:spPr/>
-        <p:txBody>
-          <a:bodyPr>
-            <a:normAutofit fontScale="90000"/>
-          </a:bodyPr>
-          <a:lstStyle/>
-          <a:p>
-            <a:r>
-              <a:rPr lang="es-ES" smtClean="0"/>
-              <a:t>LoadTestTodo.xlsx - Excel (Error de activación de productos)</a:t>
-            </a:r>
-            <a:endParaRPr lang="en-US"/>
-          </a:p>
-        </p:txBody>
-      </p:sp>
-      <p:pic>
-        <p:nvPicPr>
-          <p:cNvPr id="5" name="Marcador de posición de imagen 4" descr="LoadTestTodo.xlsx - Excel (Error de activación de productos)"/>
-          <p:cNvPicPr>
-            <a:picLocks noGrp="1" noChangeAspect="1"/>
-          </p:cNvPicPr>
-          <p:nvPr>
-            <p:ph type="pic" idx="1"/>
-          </p:nvPr>
-        </p:nvPicPr>
-        <p:blipFill>
-          <a:blip r:embed="rId2">
-            <a:extLst>
-              <a:ext uri="{28A0092B-C50C-407E-A947-70E740481C1C}">
-                <a14:useLocalDpi xmlns:a14="http://schemas.microsoft.com/office/drawing/2010/main" val="0"/>
-              </a:ext>
-            </a:extLst>
-          </a:blip>
-          <a:srcRect/>
-          <a:stretch>
-            <a:fillRect/>
-          </a:stretch>
-        </p:blipFill>
-        <p:spPr>
-          <a:xfrm>
-            <a:off x="3054350" y="1589088"/>
-            <a:ext cx="4563112" cy="2753109"/>
-          </a:xfrm>
-        </p:spPr>
-      </p:pic>
-      <p:sp>
-        <p:nvSpPr>
-          <p:cNvPr id="4" name="Marcador de texto 3"/>
-          <p:cNvSpPr>
-            <a:spLocks noGrp="1"/>
-          </p:cNvSpPr>
-          <p:nvPr>
-            <p:ph type="body" sz="half" idx="2"/>
-          </p:nvPr>
-        </p:nvSpPr>
-        <p:spPr/>
-        <p:txBody>
-          <a:bodyPr/>
-          <a:lstStyle/>
-          <a:p>
-            <a:endParaRPr lang="en-US"/>
-          </a:p>
-        </p:txBody>
-      </p:sp>
-    </p:spTree>
-    <p:extLst>
-      <p:ext uri="{BB962C8B-B14F-4D97-AF65-F5344CB8AC3E}">
-        <p14:creationId xmlns:p14="http://schemas.microsoft.com/office/powerpoint/2010/main" val="526080406"/>
-      </p:ext>
-    </p:extLst>
-  </p:cSld>
-  <p:clrMapOvr>
-    <a:masterClrMapping/>
-  </p:clrMapOvr>
-</p:sld>
-</file>
-
-<file path=ppt/slides/slide17.xml><?xml version="1.0" encoding="utf-8"?>
-<p:sld xmlns:a="http://schemas.openxmlformats.org/drawingml/2006/main" xmlns:r="http://schemas.openxmlformats.org/officeDocument/2006/relationships" xmlns:p="http://schemas.openxmlformats.org/presentationml/2006/main">
-  <p:cSld>
-    <p:spTree>
-      <p:nvGrpSpPr>
-        <p:cNvPr id="1" name=""/>
-        <p:cNvGrpSpPr/>
-        <p:nvPr/>
-      </p:nvGrpSpPr>
-      <p:grpSpPr>
-        <a:xfrm>
-          <a:off x="0" y="0"/>
-          <a:ext cx="0" cy="0"/>
-          <a:chOff x="0" y="0"/>
-          <a:chExt cx="0" cy="0"/>
-        </a:xfrm>
-      </p:grpSpPr>
-      <p:sp>
-        <p:nvSpPr>
-          <p:cNvPr id="2" name="Título 1"/>
-          <p:cNvSpPr>
-            <a:spLocks noGrp="1"/>
-          </p:cNvSpPr>
-          <p:nvPr>
-            <p:ph type="title"/>
-          </p:nvPr>
-        </p:nvSpPr>
-        <p:spPr/>
-        <p:txBody>
-          <a:bodyPr>
-            <a:normAutofit fontScale="90000"/>
-          </a:bodyPr>
-          <a:lstStyle/>
-          <a:p>
-            <a:r>
-              <a:rPr lang="es-ES" smtClean="0"/>
-              <a:t>LoadTestTodo.xlsx - Excel (Error de activación de productos)</a:t>
-            </a:r>
-            <a:endParaRPr lang="en-US"/>
-          </a:p>
-        </p:txBody>
-      </p:sp>
-      <p:pic>
-        <p:nvPicPr>
-          <p:cNvPr id="5" name="Marcador de posición de imagen 4" descr="LoadTestTodo.xlsx - Excel (Error de activación de productos)"/>
-          <p:cNvPicPr>
-            <a:picLocks noGrp="1" noChangeAspect="1"/>
-          </p:cNvPicPr>
-          <p:nvPr>
-            <p:ph type="pic" idx="1"/>
-          </p:nvPr>
-        </p:nvPicPr>
-        <p:blipFill>
-          <a:blip r:embed="rId2">
-            <a:extLst>
-              <a:ext uri="{28A0092B-C50C-407E-A947-70E740481C1C}">
-                <a14:useLocalDpi xmlns:a14="http://schemas.microsoft.com/office/drawing/2010/main" val="0"/>
-              </a:ext>
-            </a:extLst>
-          </a:blip>
-          <a:srcRect/>
-          <a:stretch>
-            <a:fillRect/>
-          </a:stretch>
-        </p:blipFill>
-        <p:spPr>
-          <a:xfrm>
-            <a:off x="3048000" y="1601788"/>
-            <a:ext cx="4572638" cy="2734057"/>
-          </a:xfrm>
-        </p:spPr>
-      </p:pic>
-      <p:sp>
-        <p:nvSpPr>
-          <p:cNvPr id="4" name="Marcador de texto 3"/>
-          <p:cNvSpPr>
-            <a:spLocks noGrp="1"/>
-          </p:cNvSpPr>
-          <p:nvPr>
-            <p:ph type="body" sz="half" idx="2"/>
-          </p:nvPr>
-        </p:nvSpPr>
-        <p:spPr/>
-        <p:txBody>
-          <a:bodyPr/>
-          <a:lstStyle/>
-          <a:p>
-            <a:endParaRPr lang="en-US"/>
-          </a:p>
-        </p:txBody>
-      </p:sp>
-    </p:spTree>
-    <p:extLst>
-      <p:ext uri="{BB962C8B-B14F-4D97-AF65-F5344CB8AC3E}">
-        <p14:creationId xmlns:p14="http://schemas.microsoft.com/office/powerpoint/2010/main" val="2781892569"/>
-      </p:ext>
-    </p:extLst>
-  </p:cSld>
-  <p:clrMapOvr>
-    <a:masterClrMapping/>
-  </p:clrMapOvr>
-</p:sld>
-</file>
-
-<file path=ppt/slides/slide18.xml><?xml version="1.0" encoding="utf-8"?>
-<p:sld xmlns:a="http://schemas.openxmlformats.org/drawingml/2006/main" xmlns:r="http://schemas.openxmlformats.org/officeDocument/2006/relationships" xmlns:p="http://schemas.openxmlformats.org/presentationml/2006/main">
-  <p:cSld>
-    <p:spTree>
-      <p:nvGrpSpPr>
-        <p:cNvPr id="1" name=""/>
-        <p:cNvGrpSpPr/>
-        <p:nvPr/>
-      </p:nvGrpSpPr>
-      <p:grpSpPr>
-        <a:xfrm>
-          <a:off x="0" y="0"/>
-          <a:ext cx="0" cy="0"/>
-          <a:chOff x="0" y="0"/>
-          <a:chExt cx="0" cy="0"/>
-        </a:xfrm>
-      </p:grpSpPr>
-      <p:sp>
-        <p:nvSpPr>
-          <p:cNvPr id="2" name="Título 1"/>
-          <p:cNvSpPr>
-            <a:spLocks noGrp="1"/>
-          </p:cNvSpPr>
-          <p:nvPr>
-            <p:ph type="title"/>
-          </p:nvPr>
-        </p:nvSpPr>
-        <p:spPr/>
-        <p:txBody>
-          <a:bodyPr>
-            <a:normAutofit fontScale="90000"/>
-          </a:bodyPr>
-          <a:lstStyle/>
-          <a:p>
-            <a:r>
-              <a:rPr lang="es-ES" smtClean="0"/>
-              <a:t>LoadTestTodo.xlsx - Excel (Error de activación de productos)</a:t>
-            </a:r>
-            <a:endParaRPr lang="en-US"/>
-          </a:p>
-        </p:txBody>
-      </p:sp>
-      <p:pic>
-        <p:nvPicPr>
-          <p:cNvPr id="5" name="Marcador de posición de imagen 4" descr="LoadTestTodo.xlsx - Excel (Error de activación de productos)"/>
-          <p:cNvPicPr>
-            <a:picLocks noGrp="1" noChangeAspect="1"/>
-          </p:cNvPicPr>
-          <p:nvPr>
-            <p:ph type="pic" idx="1"/>
-          </p:nvPr>
-        </p:nvPicPr>
-        <p:blipFill>
-          <a:blip r:embed="rId2">
-            <a:extLst>
-              <a:ext uri="{28A0092B-C50C-407E-A947-70E740481C1C}">
-                <a14:useLocalDpi xmlns:a14="http://schemas.microsoft.com/office/drawing/2010/main" val="0"/>
-              </a:ext>
-            </a:extLst>
-          </a:blip>
-          <a:srcRect/>
-          <a:stretch>
-            <a:fillRect/>
-          </a:stretch>
-        </p:blipFill>
-        <p:spPr>
-          <a:xfrm>
-            <a:off x="5183188" y="2147888"/>
-            <a:ext cx="6172200" cy="1674240"/>
-          </a:xfrm>
-        </p:spPr>
-      </p:pic>
-      <p:sp>
-        <p:nvSpPr>
-          <p:cNvPr id="4" name="Marcador de texto 3"/>
-          <p:cNvSpPr>
-            <a:spLocks noGrp="1"/>
-          </p:cNvSpPr>
-          <p:nvPr>
-            <p:ph type="body" sz="half" idx="2"/>
-          </p:nvPr>
-        </p:nvSpPr>
-        <p:spPr/>
-        <p:txBody>
-          <a:bodyPr/>
-          <a:lstStyle/>
-          <a:p>
-            <a:endParaRPr lang="en-US"/>
-          </a:p>
-        </p:txBody>
-      </p:sp>
-    </p:spTree>
-    <p:extLst>
-      <p:ext uri="{BB962C8B-B14F-4D97-AF65-F5344CB8AC3E}">
-        <p14:creationId xmlns:p14="http://schemas.microsoft.com/office/powerpoint/2010/main" val="1329130801"/>
-      </p:ext>
-    </p:extLst>
-  </p:cSld>
-  <p:clrMapOvr>
-    <a:masterClrMapping/>
-  </p:clrMapOvr>
-</p:sld>
-</file>
-
-<file path=ppt/slides/slide19.xml><?xml version="1.0" encoding="utf-8"?>
-<p:sld xmlns:a="http://schemas.openxmlformats.org/drawingml/2006/main" xmlns:r="http://schemas.openxmlformats.org/officeDocument/2006/relationships" xmlns:p="http://schemas.openxmlformats.org/presentationml/2006/main">
-  <p:cSld>
-    <p:spTree>
-      <p:nvGrpSpPr>
-        <p:cNvPr id="1" name=""/>
-        <p:cNvGrpSpPr/>
-        <p:nvPr/>
-      </p:nvGrpSpPr>
-      <p:grpSpPr>
-        <a:xfrm>
-          <a:off x="0" y="0"/>
-          <a:ext cx="0" cy="0"/>
-          <a:chOff x="0" y="0"/>
-          <a:chExt cx="0" cy="0"/>
-        </a:xfrm>
-      </p:grpSpPr>
-      <p:sp>
-        <p:nvSpPr>
-          <p:cNvPr id="2" name="Título 1"/>
-          <p:cNvSpPr>
-            <a:spLocks noGrp="1"/>
-          </p:cNvSpPr>
-          <p:nvPr>
-            <p:ph type="title"/>
-          </p:nvPr>
-        </p:nvSpPr>
-        <p:spPr/>
-        <p:txBody>
-          <a:bodyPr>
-            <a:normAutofit fontScale="90000"/>
-          </a:bodyPr>
-          <a:lstStyle/>
-          <a:p>
-            <a:r>
-              <a:rPr lang="es-ES" smtClean="0"/>
-              <a:t>LoadTestTodo.xlsx - Excel (Error de activación de productos)</a:t>
-            </a:r>
-            <a:endParaRPr lang="en-US"/>
-          </a:p>
-        </p:txBody>
-      </p:sp>
-      <p:pic>
-        <p:nvPicPr>
-          <p:cNvPr id="5" name="Marcador de posición de imagen 4" descr="LoadTestTodo.xlsx - Excel (Error de activación de productos)"/>
-          <p:cNvPicPr>
-            <a:picLocks noGrp="1" noChangeAspect="1"/>
-          </p:cNvPicPr>
-          <p:nvPr>
-            <p:ph type="pic" idx="1"/>
-          </p:nvPr>
-        </p:nvPicPr>
-        <p:blipFill>
-          <a:blip r:embed="rId2">
-            <a:extLst>
-              <a:ext uri="{28A0092B-C50C-407E-A947-70E740481C1C}">
-                <a14:useLocalDpi xmlns:a14="http://schemas.microsoft.com/office/drawing/2010/main" val="0"/>
-              </a:ext>
-            </a:extLst>
-          </a:blip>
-          <a:srcRect/>
-          <a:stretch>
-            <a:fillRect/>
-          </a:stretch>
-        </p:blipFill>
-        <p:spPr>
-          <a:xfrm>
-            <a:off x="3035300" y="1576388"/>
-            <a:ext cx="4591691" cy="2772162"/>
-          </a:xfrm>
-        </p:spPr>
-      </p:pic>
-      <p:sp>
-        <p:nvSpPr>
-          <p:cNvPr id="4" name="Marcador de texto 3"/>
-          <p:cNvSpPr>
-            <a:spLocks noGrp="1"/>
-          </p:cNvSpPr>
-          <p:nvPr>
-            <p:ph type="body" sz="half" idx="2"/>
-          </p:nvPr>
-        </p:nvSpPr>
-        <p:spPr/>
-        <p:txBody>
-          <a:bodyPr/>
-          <a:lstStyle/>
-          <a:p>
-            <a:endParaRPr lang="en-US"/>
-          </a:p>
-        </p:txBody>
-      </p:sp>
-    </p:spTree>
-    <p:extLst>
-      <p:ext uri="{BB962C8B-B14F-4D97-AF65-F5344CB8AC3E}">
-        <p14:creationId xmlns:p14="http://schemas.microsoft.com/office/powerpoint/2010/main" val="1295283974"/>
+        <p14:creationId xmlns:p14="http://schemas.microsoft.com/office/powerpoint/2010/main" val="2569927222"/>
       </p:ext>
     </p:extLst>
   </p:cSld>
@@ -4225,7 +6531,7 @@
       </p:grpSpPr>
       <p:sp>
         <p:nvSpPr>
-          <p:cNvPr id="2" name="Título 1"/>
+          <p:cNvPr id="8" name="Título 7"/>
           <p:cNvSpPr>
             <a:spLocks noGrp="1"/>
           </p:cNvSpPr>
@@ -4235,19 +6541,17 @@
         </p:nvSpPr>
         <p:spPr>
           <a:xfrm>
-            <a:off x="2540000" y="342900"/>
-            <a:ext cx="7041356" cy="1062832"/>
-          </a:xfrm>
-        </p:spPr>
-        <p:txBody>
-          <a:bodyPr>
-            <a:normAutofit/>
-          </a:bodyPr>
-          <a:lstStyle/>
-          <a:p>
-            <a:r>
-              <a:rPr lang="es-ES" dirty="0" smtClean="0"/>
-              <a:t>LoadTestTodo.xlsx - Excel (Error de activación de productos)</a:t>
+            <a:off x="1919927" y="457200"/>
+            <a:ext cx="8675687" cy="671513"/>
+          </a:xfrm>
+        </p:spPr>
+        <p:txBody>
+          <a:bodyPr/>
+          <a:lstStyle/>
+          <a:p>
+            <a:r>
+              <a:rPr lang="en-US" dirty="0" smtClean="0"/>
+              <a:t>LOGIN TEST RESULT</a:t>
             </a:r>
             <a:endParaRPr lang="en-US" dirty="0"/>
           </a:p>
@@ -4278,8 +6582,8 @@
         </p:blipFill>
         <p:spPr>
           <a:xfrm>
-            <a:off x="1814513" y="1700213"/>
-            <a:ext cx="8415337" cy="1696939"/>
+            <a:off x="1692808" y="1531215"/>
+            <a:ext cx="8437030" cy="2026373"/>
           </a:xfrm>
         </p:spPr>
       </p:pic>
@@ -4306,6 +6610,165 @@
         </p:blipFill>
         <p:spPr>
           <a:xfrm>
+            <a:off x="725488" y="4040742"/>
+            <a:ext cx="6172200" cy="2450228"/>
+          </a:xfrm>
+          <a:prstGeom prst="rect">
+            <a:avLst/>
+          </a:prstGeom>
+        </p:spPr>
+      </p:pic>
+      <p:pic>
+        <p:nvPicPr>
+          <p:cNvPr id="9" name="Marcador de posición de imagen 4" descr="LoadTestTodo.xlsx - Excel (Error de activación de productos)"/>
+          <p:cNvPicPr>
+            <a:picLocks noChangeAspect="1"/>
+          </p:cNvPicPr>
+          <p:nvPr/>
+        </p:nvPicPr>
+        <p:blipFill>
+          <a:blip r:embed="rId4">
+            <a:extLst>
+              <a:ext uri="{28A0092B-C50C-407E-A947-70E740481C1C}">
+                <a14:useLocalDpi xmlns:a14="http://schemas.microsoft.com/office/drawing/2010/main" val="0"/>
+              </a:ext>
+            </a:extLst>
+          </a:blip>
+          <a:srcRect/>
+          <a:stretch>
+            <a:fillRect/>
+          </a:stretch>
+        </p:blipFill>
+        <p:spPr>
+          <a:xfrm>
+            <a:off x="7702052" y="4175050"/>
+            <a:ext cx="3626846" cy="2197176"/>
+          </a:xfrm>
+          <a:prstGeom prst="rect">
+            <a:avLst/>
+          </a:prstGeom>
+        </p:spPr>
+      </p:pic>
+    </p:spTree>
+    <p:extLst>
+      <p:ext uri="{BB962C8B-B14F-4D97-AF65-F5344CB8AC3E}">
+        <p14:creationId xmlns:p14="http://schemas.microsoft.com/office/powerpoint/2010/main" val="1720897304"/>
+      </p:ext>
+    </p:extLst>
+  </p:cSld>
+  <p:clrMapOvr>
+    <a:masterClrMapping/>
+  </p:clrMapOvr>
+  <p:timing>
+    <p:tnLst>
+      <p:par>
+        <p:cTn id="1" dur="indefinite" restart="never" nodeType="tmRoot"/>
+      </p:par>
+    </p:tnLst>
+  </p:timing>
+</p:sld>
+</file>
+
+<file path=ppt/slides/slide3.xml><?xml version="1.0" encoding="utf-8"?>
+<p:sld xmlns:a="http://schemas.openxmlformats.org/drawingml/2006/main" xmlns:r="http://schemas.openxmlformats.org/officeDocument/2006/relationships" xmlns:p="http://schemas.openxmlformats.org/presentationml/2006/main">
+  <p:cSld>
+    <p:spTree>
+      <p:nvGrpSpPr>
+        <p:cNvPr id="1" name=""/>
+        <p:cNvGrpSpPr/>
+        <p:nvPr/>
+      </p:nvGrpSpPr>
+      <p:grpSpPr>
+        <a:xfrm>
+          <a:off x="0" y="0"/>
+          <a:ext cx="0" cy="0"/>
+          <a:chOff x="0" y="0"/>
+          <a:chExt cx="0" cy="0"/>
+        </a:xfrm>
+      </p:grpSpPr>
+      <p:sp>
+        <p:nvSpPr>
+          <p:cNvPr id="2" name="Título 1"/>
+          <p:cNvSpPr>
+            <a:spLocks noGrp="1"/>
+          </p:cNvSpPr>
+          <p:nvPr>
+            <p:ph type="title"/>
+          </p:nvPr>
+        </p:nvSpPr>
+        <p:spPr>
+          <a:xfrm>
+            <a:off x="2540000" y="342900"/>
+            <a:ext cx="7041356" cy="614363"/>
+          </a:xfrm>
+        </p:spPr>
+        <p:txBody>
+          <a:bodyPr>
+            <a:normAutofit/>
+          </a:bodyPr>
+          <a:lstStyle/>
+          <a:p>
+            <a:r>
+              <a:rPr lang="es-ES" dirty="0" smtClean="0"/>
+              <a:t>LOGOUT TEST RESULT</a:t>
+            </a:r>
+            <a:endParaRPr lang="en-US" dirty="0"/>
+          </a:p>
+        </p:txBody>
+      </p:sp>
+      <p:pic>
+        <p:nvPicPr>
+          <p:cNvPr id="5" name="Marcador de posición de imagen 4" descr="LoadTestTodo.xlsx - Excel (Error de activación de productos)"/>
+          <p:cNvPicPr>
+            <a:picLocks noGrp="1" noChangeAspect="1"/>
+          </p:cNvPicPr>
+          <p:nvPr>
+            <p:ph type="pic" idx="1"/>
+          </p:nvPr>
+        </p:nvPicPr>
+        <p:blipFill>
+          <a:blip r:embed="rId2">
+            <a:extLst>
+              <a:ext uri="{28A0092B-C50C-407E-A947-70E740481C1C}">
+                <a14:useLocalDpi xmlns:a14="http://schemas.microsoft.com/office/drawing/2010/main" val="0"/>
+              </a:ext>
+            </a:extLst>
+          </a:blip>
+          <a:srcRect/>
+          <a:stretch>
+            <a:fillRect/>
+          </a:stretch>
+        </p:blipFill>
+        <p:spPr>
+          <a:xfrm>
+            <a:off x="1814513" y="1343025"/>
+            <a:ext cx="8415337" cy="2054127"/>
+          </a:xfrm>
+        </p:spPr>
+      </p:pic>
+      <p:pic>
+        <p:nvPicPr>
+          <p:cNvPr id="7" name="Marcador de posición de imagen 4" descr="LoadTestTodo.xlsx - Excel (Error de activación de productos)"/>
+          <p:cNvPicPr>
+            <a:picLocks noChangeAspect="1"/>
+          </p:cNvPicPr>
+          <p:nvPr/>
+        </p:nvPicPr>
+        <p:blipFill>
+          <a:blip r:embed="rId3">
+            <a:extLst>
+              <a:ext uri="{28A0092B-C50C-407E-A947-70E740481C1C}">
+                <a14:useLocalDpi xmlns:a14="http://schemas.microsoft.com/office/drawing/2010/main" val="0"/>
+              </a:ext>
+            </a:extLst>
+          </a:blip>
+          <a:srcRect/>
+          <a:stretch>
+            <a:fillRect/>
+          </a:stretch>
+        </p:blipFill>
+        <p:spPr>
+          <a:xfrm>
             <a:off x="725488" y="3825875"/>
             <a:ext cx="6172200" cy="2683566"/>
           </a:xfrm>
@@ -4349,526 +6812,6 @@
     <p:extLst>
       <p:ext uri="{BB962C8B-B14F-4D97-AF65-F5344CB8AC3E}">
         <p14:creationId xmlns:p14="http://schemas.microsoft.com/office/powerpoint/2010/main" val="1332288081"/>
-      </p:ext>
-    </p:extLst>
-  </p:cSld>
-  <p:clrMapOvr>
-    <a:masterClrMapping/>
-  </p:clrMapOvr>
-</p:sld>
-</file>
-
-<file path=ppt/slides/slide20.xml><?xml version="1.0" encoding="utf-8"?>
-<p:sld xmlns:a="http://schemas.openxmlformats.org/drawingml/2006/main" xmlns:r="http://schemas.openxmlformats.org/officeDocument/2006/relationships" xmlns:p="http://schemas.openxmlformats.org/presentationml/2006/main">
-  <p:cSld>
-    <p:spTree>
-      <p:nvGrpSpPr>
-        <p:cNvPr id="1" name=""/>
-        <p:cNvGrpSpPr/>
-        <p:nvPr/>
-      </p:nvGrpSpPr>
-      <p:grpSpPr>
-        <a:xfrm>
-          <a:off x="0" y="0"/>
-          <a:ext cx="0" cy="0"/>
-          <a:chOff x="0" y="0"/>
-          <a:chExt cx="0" cy="0"/>
-        </a:xfrm>
-      </p:grpSpPr>
-      <p:sp>
-        <p:nvSpPr>
-          <p:cNvPr id="2" name="Título 1"/>
-          <p:cNvSpPr>
-            <a:spLocks noGrp="1"/>
-          </p:cNvSpPr>
-          <p:nvPr>
-            <p:ph type="title"/>
-          </p:nvPr>
-        </p:nvSpPr>
-        <p:spPr/>
-        <p:txBody>
-          <a:bodyPr>
-            <a:normAutofit fontScale="90000"/>
-          </a:bodyPr>
-          <a:lstStyle/>
-          <a:p>
-            <a:r>
-              <a:rPr lang="es-ES" smtClean="0"/>
-              <a:t>LoadTestTodo.xlsx - Excel (Error de activación de productos)</a:t>
-            </a:r>
-            <a:endParaRPr lang="en-US"/>
-          </a:p>
-        </p:txBody>
-      </p:sp>
-      <p:pic>
-        <p:nvPicPr>
-          <p:cNvPr id="5" name="Marcador de posición de imagen 4" descr="LoadTestTodo.xlsx - Excel (Error de activación de productos)"/>
-          <p:cNvPicPr>
-            <a:picLocks noGrp="1" noChangeAspect="1"/>
-          </p:cNvPicPr>
-          <p:nvPr>
-            <p:ph type="pic" idx="1"/>
-          </p:nvPr>
-        </p:nvPicPr>
-        <p:blipFill>
-          <a:blip r:embed="rId2">
-            <a:extLst>
-              <a:ext uri="{28A0092B-C50C-407E-A947-70E740481C1C}">
-                <a14:useLocalDpi xmlns:a14="http://schemas.microsoft.com/office/drawing/2010/main" val="0"/>
-              </a:ext>
-            </a:extLst>
-          </a:blip>
-          <a:srcRect/>
-          <a:stretch>
-            <a:fillRect/>
-          </a:stretch>
-        </p:blipFill>
-        <p:spPr>
-          <a:xfrm>
-            <a:off x="3054350" y="1601788"/>
-            <a:ext cx="4563112" cy="2734057"/>
-          </a:xfrm>
-        </p:spPr>
-      </p:pic>
-      <p:sp>
-        <p:nvSpPr>
-          <p:cNvPr id="4" name="Marcador de texto 3"/>
-          <p:cNvSpPr>
-            <a:spLocks noGrp="1"/>
-          </p:cNvSpPr>
-          <p:nvPr>
-            <p:ph type="body" sz="half" idx="2"/>
-          </p:nvPr>
-        </p:nvSpPr>
-        <p:spPr/>
-        <p:txBody>
-          <a:bodyPr/>
-          <a:lstStyle/>
-          <a:p>
-            <a:endParaRPr lang="en-US"/>
-          </a:p>
-        </p:txBody>
-      </p:sp>
-    </p:spTree>
-    <p:extLst>
-      <p:ext uri="{BB962C8B-B14F-4D97-AF65-F5344CB8AC3E}">
-        <p14:creationId xmlns:p14="http://schemas.microsoft.com/office/powerpoint/2010/main" val="2286718275"/>
-      </p:ext>
-    </p:extLst>
-  </p:cSld>
-  <p:clrMapOvr>
-    <a:masterClrMapping/>
-  </p:clrMapOvr>
-</p:sld>
-</file>
-
-<file path=ppt/slides/slide21.xml><?xml version="1.0" encoding="utf-8"?>
-<p:sld xmlns:a="http://schemas.openxmlformats.org/drawingml/2006/main" xmlns:r="http://schemas.openxmlformats.org/officeDocument/2006/relationships" xmlns:p="http://schemas.openxmlformats.org/presentationml/2006/main">
-  <p:cSld>
-    <p:spTree>
-      <p:nvGrpSpPr>
-        <p:cNvPr id="1" name=""/>
-        <p:cNvGrpSpPr/>
-        <p:nvPr/>
-      </p:nvGrpSpPr>
-      <p:grpSpPr>
-        <a:xfrm>
-          <a:off x="0" y="0"/>
-          <a:ext cx="0" cy="0"/>
-          <a:chOff x="0" y="0"/>
-          <a:chExt cx="0" cy="0"/>
-        </a:xfrm>
-      </p:grpSpPr>
-      <p:sp>
-        <p:nvSpPr>
-          <p:cNvPr id="2" name="Título 1"/>
-          <p:cNvSpPr>
-            <a:spLocks noGrp="1"/>
-          </p:cNvSpPr>
-          <p:nvPr>
-            <p:ph type="title"/>
-          </p:nvPr>
-        </p:nvSpPr>
-        <p:spPr/>
-        <p:txBody>
-          <a:bodyPr>
-            <a:normAutofit fontScale="90000"/>
-          </a:bodyPr>
-          <a:lstStyle/>
-          <a:p>
-            <a:r>
-              <a:rPr lang="es-ES" smtClean="0"/>
-              <a:t>LoadTestTodo.xlsx - Excel (Error de activación de productos)</a:t>
-            </a:r>
-            <a:endParaRPr lang="en-US"/>
-          </a:p>
-        </p:txBody>
-      </p:sp>
-      <p:pic>
-        <p:nvPicPr>
-          <p:cNvPr id="5" name="Marcador de posición de imagen 4" descr="LoadTestTodo.xlsx - Excel (Error de activación de productos)"/>
-          <p:cNvPicPr>
-            <a:picLocks noGrp="1" noChangeAspect="1"/>
-          </p:cNvPicPr>
-          <p:nvPr>
-            <p:ph type="pic" idx="1"/>
-          </p:nvPr>
-        </p:nvPicPr>
-        <p:blipFill>
-          <a:blip r:embed="rId2">
-            <a:extLst>
-              <a:ext uri="{28A0092B-C50C-407E-A947-70E740481C1C}">
-                <a14:useLocalDpi xmlns:a14="http://schemas.microsoft.com/office/drawing/2010/main" val="0"/>
-              </a:ext>
-            </a:extLst>
-          </a:blip>
-          <a:srcRect/>
-          <a:stretch>
-            <a:fillRect/>
-          </a:stretch>
-        </p:blipFill>
-        <p:spPr>
-          <a:xfrm>
-            <a:off x="5183188" y="2135188"/>
-            <a:ext cx="6172200" cy="1686348"/>
-          </a:xfrm>
-        </p:spPr>
-      </p:pic>
-      <p:sp>
-        <p:nvSpPr>
-          <p:cNvPr id="4" name="Marcador de texto 3"/>
-          <p:cNvSpPr>
-            <a:spLocks noGrp="1"/>
-          </p:cNvSpPr>
-          <p:nvPr>
-            <p:ph type="body" sz="half" idx="2"/>
-          </p:nvPr>
-        </p:nvSpPr>
-        <p:spPr/>
-        <p:txBody>
-          <a:bodyPr/>
-          <a:lstStyle/>
-          <a:p>
-            <a:endParaRPr lang="en-US"/>
-          </a:p>
-        </p:txBody>
-      </p:sp>
-    </p:spTree>
-    <p:extLst>
-      <p:ext uri="{BB962C8B-B14F-4D97-AF65-F5344CB8AC3E}">
-        <p14:creationId xmlns:p14="http://schemas.microsoft.com/office/powerpoint/2010/main" val="2325668756"/>
-      </p:ext>
-    </p:extLst>
-  </p:cSld>
-  <p:clrMapOvr>
-    <a:masterClrMapping/>
-  </p:clrMapOvr>
-</p:sld>
-</file>
-
-<file path=ppt/slides/slide22.xml><?xml version="1.0" encoding="utf-8"?>
-<p:sld xmlns:a="http://schemas.openxmlformats.org/drawingml/2006/main" xmlns:r="http://schemas.openxmlformats.org/officeDocument/2006/relationships" xmlns:p="http://schemas.openxmlformats.org/presentationml/2006/main">
-  <p:cSld>
-    <p:spTree>
-      <p:nvGrpSpPr>
-        <p:cNvPr id="1" name=""/>
-        <p:cNvGrpSpPr/>
-        <p:nvPr/>
-      </p:nvGrpSpPr>
-      <p:grpSpPr>
-        <a:xfrm>
-          <a:off x="0" y="0"/>
-          <a:ext cx="0" cy="0"/>
-          <a:chOff x="0" y="0"/>
-          <a:chExt cx="0" cy="0"/>
-        </a:xfrm>
-      </p:grpSpPr>
-      <p:sp>
-        <p:nvSpPr>
-          <p:cNvPr id="2" name="Título 1"/>
-          <p:cNvSpPr>
-            <a:spLocks noGrp="1"/>
-          </p:cNvSpPr>
-          <p:nvPr>
-            <p:ph type="title"/>
-          </p:nvPr>
-        </p:nvSpPr>
-        <p:spPr/>
-        <p:txBody>
-          <a:bodyPr>
-            <a:normAutofit fontScale="90000"/>
-          </a:bodyPr>
-          <a:lstStyle/>
-          <a:p>
-            <a:r>
-              <a:rPr lang="es-ES" smtClean="0"/>
-              <a:t>LoadTestTodo.xlsx - Excel (Error de activación de productos)</a:t>
-            </a:r>
-            <a:endParaRPr lang="en-US"/>
-          </a:p>
-        </p:txBody>
-      </p:sp>
-      <p:pic>
-        <p:nvPicPr>
-          <p:cNvPr id="5" name="Marcador de posición de imagen 4" descr="LoadTestTodo.xlsx - Excel (Error de activación de productos)"/>
-          <p:cNvPicPr>
-            <a:picLocks noGrp="1" noChangeAspect="1"/>
-          </p:cNvPicPr>
-          <p:nvPr>
-            <p:ph type="pic" idx="1"/>
-          </p:nvPr>
-        </p:nvPicPr>
-        <p:blipFill>
-          <a:blip r:embed="rId2">
-            <a:extLst>
-              <a:ext uri="{28A0092B-C50C-407E-A947-70E740481C1C}">
-                <a14:useLocalDpi xmlns:a14="http://schemas.microsoft.com/office/drawing/2010/main" val="0"/>
-              </a:ext>
-            </a:extLst>
-          </a:blip>
-          <a:srcRect/>
-          <a:stretch>
-            <a:fillRect/>
-          </a:stretch>
-        </p:blipFill>
-        <p:spPr>
-          <a:xfrm>
-            <a:off x="3048000" y="1601788"/>
-            <a:ext cx="4572638" cy="2734057"/>
-          </a:xfrm>
-        </p:spPr>
-      </p:pic>
-      <p:sp>
-        <p:nvSpPr>
-          <p:cNvPr id="4" name="Marcador de texto 3"/>
-          <p:cNvSpPr>
-            <a:spLocks noGrp="1"/>
-          </p:cNvSpPr>
-          <p:nvPr>
-            <p:ph type="body" sz="half" idx="2"/>
-          </p:nvPr>
-        </p:nvSpPr>
-        <p:spPr/>
-        <p:txBody>
-          <a:bodyPr/>
-          <a:lstStyle/>
-          <a:p>
-            <a:endParaRPr lang="en-US"/>
-          </a:p>
-        </p:txBody>
-      </p:sp>
-    </p:spTree>
-    <p:extLst>
-      <p:ext uri="{BB962C8B-B14F-4D97-AF65-F5344CB8AC3E}">
-        <p14:creationId xmlns:p14="http://schemas.microsoft.com/office/powerpoint/2010/main" val="2482648838"/>
-      </p:ext>
-    </p:extLst>
-  </p:cSld>
-  <p:clrMapOvr>
-    <a:masterClrMapping/>
-  </p:clrMapOvr>
-</p:sld>
-</file>
-
-<file path=ppt/slides/slide23.xml><?xml version="1.0" encoding="utf-8"?>
-<p:sld xmlns:a="http://schemas.openxmlformats.org/drawingml/2006/main" xmlns:r="http://schemas.openxmlformats.org/officeDocument/2006/relationships" xmlns:p="http://schemas.openxmlformats.org/presentationml/2006/main">
-  <p:cSld>
-    <p:spTree>
-      <p:nvGrpSpPr>
-        <p:cNvPr id="1" name=""/>
-        <p:cNvGrpSpPr/>
-        <p:nvPr/>
-      </p:nvGrpSpPr>
-      <p:grpSpPr>
-        <a:xfrm>
-          <a:off x="0" y="0"/>
-          <a:ext cx="0" cy="0"/>
-          <a:chOff x="0" y="0"/>
-          <a:chExt cx="0" cy="0"/>
-        </a:xfrm>
-      </p:grpSpPr>
-      <p:sp>
-        <p:nvSpPr>
-          <p:cNvPr id="2" name="Título 1"/>
-          <p:cNvSpPr>
-            <a:spLocks noGrp="1"/>
-          </p:cNvSpPr>
-          <p:nvPr>
-            <p:ph type="title"/>
-          </p:nvPr>
-        </p:nvSpPr>
-        <p:spPr/>
-        <p:txBody>
-          <a:bodyPr>
-            <a:normAutofit fontScale="90000"/>
-          </a:bodyPr>
-          <a:lstStyle/>
-          <a:p>
-            <a:r>
-              <a:rPr lang="es-ES" smtClean="0"/>
-              <a:t>LoadTestTodo.xlsx - Excel (Error de activación de productos)</a:t>
-            </a:r>
-            <a:endParaRPr lang="en-US"/>
-          </a:p>
-        </p:txBody>
-      </p:sp>
-      <p:pic>
-        <p:nvPicPr>
-          <p:cNvPr id="5" name="Marcador de posición de imagen 4" descr="LoadTestTodo.xlsx - Excel (Error de activación de productos)"/>
-          <p:cNvPicPr>
-            <a:picLocks noGrp="1" noChangeAspect="1"/>
-          </p:cNvPicPr>
-          <p:nvPr>
-            <p:ph type="pic" idx="1"/>
-          </p:nvPr>
-        </p:nvPicPr>
-        <p:blipFill>
-          <a:blip r:embed="rId2">
-            <a:extLst>
-              <a:ext uri="{28A0092B-C50C-407E-A947-70E740481C1C}">
-                <a14:useLocalDpi xmlns:a14="http://schemas.microsoft.com/office/drawing/2010/main" val="0"/>
-              </a:ext>
-            </a:extLst>
-          </a:blip>
-          <a:srcRect/>
-          <a:stretch>
-            <a:fillRect/>
-          </a:stretch>
-        </p:blipFill>
-        <p:spPr>
-          <a:xfrm>
-            <a:off x="3067050" y="1614488"/>
-            <a:ext cx="4544059" cy="2715004"/>
-          </a:xfrm>
-        </p:spPr>
-      </p:pic>
-      <p:sp>
-        <p:nvSpPr>
-          <p:cNvPr id="4" name="Marcador de texto 3"/>
-          <p:cNvSpPr>
-            <a:spLocks noGrp="1"/>
-          </p:cNvSpPr>
-          <p:nvPr>
-            <p:ph type="body" sz="half" idx="2"/>
-          </p:nvPr>
-        </p:nvSpPr>
-        <p:spPr/>
-        <p:txBody>
-          <a:bodyPr/>
-          <a:lstStyle/>
-          <a:p>
-            <a:endParaRPr lang="en-US"/>
-          </a:p>
-        </p:txBody>
-      </p:sp>
-    </p:spTree>
-    <p:extLst>
-      <p:ext uri="{BB962C8B-B14F-4D97-AF65-F5344CB8AC3E}">
-        <p14:creationId xmlns:p14="http://schemas.microsoft.com/office/powerpoint/2010/main" val="1853811329"/>
-      </p:ext>
-    </p:extLst>
-  </p:cSld>
-  <p:clrMapOvr>
-    <a:masterClrMapping/>
-  </p:clrMapOvr>
-</p:sld>
-</file>
-
-<file path=ppt/slides/slide3.xml><?xml version="1.0" encoding="utf-8"?>
-<p:sld xmlns:a="http://schemas.openxmlformats.org/drawingml/2006/main" xmlns:r="http://schemas.openxmlformats.org/officeDocument/2006/relationships" xmlns:p="http://schemas.openxmlformats.org/presentationml/2006/main">
-  <p:cSld>
-    <p:spTree>
-      <p:nvGrpSpPr>
-        <p:cNvPr id="1" name=""/>
-        <p:cNvGrpSpPr/>
-        <p:nvPr/>
-      </p:nvGrpSpPr>
-      <p:grpSpPr>
-        <a:xfrm>
-          <a:off x="0" y="0"/>
-          <a:ext cx="0" cy="0"/>
-          <a:chOff x="0" y="0"/>
-          <a:chExt cx="0" cy="0"/>
-        </a:xfrm>
-      </p:grpSpPr>
-      <p:sp>
-        <p:nvSpPr>
-          <p:cNvPr id="2" name="Título 1"/>
-          <p:cNvSpPr>
-            <a:spLocks noGrp="1"/>
-          </p:cNvSpPr>
-          <p:nvPr>
-            <p:ph type="title"/>
-          </p:nvPr>
-        </p:nvSpPr>
-        <p:spPr/>
-        <p:txBody>
-          <a:bodyPr>
-            <a:normAutofit fontScale="90000"/>
-          </a:bodyPr>
-          <a:lstStyle/>
-          <a:p>
-            <a:r>
-              <a:rPr lang="es-ES" smtClean="0"/>
-              <a:t>LoadTestTodo.xlsx - Excel (Error de activación de productos)</a:t>
-            </a:r>
-            <a:endParaRPr lang="en-US"/>
-          </a:p>
-        </p:txBody>
-      </p:sp>
-      <p:pic>
-        <p:nvPicPr>
-          <p:cNvPr id="5" name="Marcador de posición de imagen 4" descr="LoadTestTodo.xlsx - Excel (Error de activación de productos)"/>
-          <p:cNvPicPr>
-            <a:picLocks noGrp="1" noChangeAspect="1"/>
-          </p:cNvPicPr>
-          <p:nvPr>
-            <p:ph type="pic" idx="1"/>
-          </p:nvPr>
-        </p:nvPicPr>
-        <p:blipFill>
-          <a:blip r:embed="rId2">
-            <a:extLst>
-              <a:ext uri="{28A0092B-C50C-407E-A947-70E740481C1C}">
-                <a14:useLocalDpi xmlns:a14="http://schemas.microsoft.com/office/drawing/2010/main" val="0"/>
-              </a:ext>
-            </a:extLst>
-          </a:blip>
-          <a:srcRect/>
-          <a:stretch>
-            <a:fillRect/>
-          </a:stretch>
-        </p:blipFill>
-        <p:spPr>
-          <a:xfrm>
-            <a:off x="5183188" y="2135188"/>
-            <a:ext cx="6172200" cy="1688621"/>
-          </a:xfrm>
-        </p:spPr>
-      </p:pic>
-      <p:sp>
-        <p:nvSpPr>
-          <p:cNvPr id="4" name="Marcador de texto 3"/>
-          <p:cNvSpPr>
-            <a:spLocks noGrp="1"/>
-          </p:cNvSpPr>
-          <p:nvPr>
-            <p:ph type="body" sz="half" idx="2"/>
-          </p:nvPr>
-        </p:nvSpPr>
-        <p:spPr/>
-        <p:txBody>
-          <a:bodyPr/>
-          <a:lstStyle/>
-          <a:p>
-            <a:endParaRPr lang="en-US"/>
-          </a:p>
-        </p:txBody>
-      </p:sp>
-    </p:spTree>
-    <p:extLst>
-      <p:ext uri="{BB962C8B-B14F-4D97-AF65-F5344CB8AC3E}">
-        <p14:creationId xmlns:p14="http://schemas.microsoft.com/office/powerpoint/2010/main" val="2714552992"/>
       </p:ext>
     </p:extLst>
   </p:cSld>
@@ -4905,18 +6848,23 @@
             <p:ph type="title"/>
           </p:nvPr>
         </p:nvSpPr>
-        <p:spPr/>
+        <p:spPr>
+          <a:xfrm>
+            <a:off x="839788" y="457200"/>
+            <a:ext cx="8489950" cy="657225"/>
+          </a:xfrm>
+        </p:spPr>
         <p:txBody>
           <a:bodyPr>
-            <a:normAutofit fontScale="90000"/>
+            <a:normAutofit/>
           </a:bodyPr>
           <a:lstStyle/>
           <a:p>
             <a:r>
-              <a:rPr lang="es-ES" smtClean="0"/>
-              <a:t>LoadTestTodo.xlsx - Excel (Error de activación de productos)</a:t>
-            </a:r>
-            <a:endParaRPr lang="en-US"/>
+              <a:rPr lang="es-ES" dirty="0" smtClean="0"/>
+              <a:t>CHANGE PASSWORD TEST RESULT</a:t>
+            </a:r>
+            <a:endParaRPr lang="en-US" dirty="0"/>
           </a:p>
         </p:txBody>
       </p:sp>
@@ -4945,34 +6893,77 @@
         </p:blipFill>
         <p:spPr>
           <a:xfrm>
-            <a:off x="3054350" y="1595438"/>
-            <a:ext cx="4563112" cy="2743583"/>
+            <a:off x="1257300" y="1614488"/>
+            <a:ext cx="9115425" cy="2014537"/>
           </a:xfrm>
         </p:spPr>
       </p:pic>
-      <p:sp>
-        <p:nvSpPr>
-          <p:cNvPr id="4" name="Marcador de texto 3"/>
-          <p:cNvSpPr>
-            <a:spLocks noGrp="1"/>
-          </p:cNvSpPr>
-          <p:nvPr>
-            <p:ph type="body" sz="half" idx="2"/>
-          </p:nvPr>
-        </p:nvSpPr>
-        <p:spPr/>
-        <p:txBody>
-          <a:bodyPr/>
-          <a:lstStyle/>
-          <a:p>
-            <a:endParaRPr lang="en-US"/>
-          </a:p>
-        </p:txBody>
-      </p:sp>
+      <p:pic>
+        <p:nvPicPr>
+          <p:cNvPr id="6" name="Marcador de posición de imagen 4" descr="LoadTestTodo.xlsx - Excel (Error de activación de productos)"/>
+          <p:cNvPicPr>
+            <a:picLocks noChangeAspect="1"/>
+          </p:cNvPicPr>
+          <p:nvPr/>
+        </p:nvPicPr>
+        <p:blipFill>
+          <a:blip r:embed="rId3">
+            <a:extLst>
+              <a:ext uri="{28A0092B-C50C-407E-A947-70E740481C1C}">
+                <a14:useLocalDpi xmlns:a14="http://schemas.microsoft.com/office/drawing/2010/main" val="0"/>
+              </a:ext>
+            </a:extLst>
+          </a:blip>
+          <a:srcRect/>
+          <a:stretch>
+            <a:fillRect/>
+          </a:stretch>
+        </p:blipFill>
+        <p:spPr>
+          <a:xfrm>
+            <a:off x="711199" y="3895726"/>
+            <a:ext cx="5489575" cy="2743583"/>
+          </a:xfrm>
+          <a:prstGeom prst="rect">
+            <a:avLst/>
+          </a:prstGeom>
+        </p:spPr>
+      </p:pic>
+      <p:pic>
+        <p:nvPicPr>
+          <p:cNvPr id="7" name="Marcador de posición de imagen 4" descr="LoadTestTodo.xlsx - Excel (Error de activación de productos)"/>
+          <p:cNvPicPr>
+            <a:picLocks noChangeAspect="1"/>
+          </p:cNvPicPr>
+          <p:nvPr/>
+        </p:nvPicPr>
+        <p:blipFill>
+          <a:blip r:embed="rId4">
+            <a:extLst>
+              <a:ext uri="{28A0092B-C50C-407E-A947-70E740481C1C}">
+                <a14:useLocalDpi xmlns:a14="http://schemas.microsoft.com/office/drawing/2010/main" val="0"/>
+              </a:ext>
+            </a:extLst>
+          </a:blip>
+          <a:srcRect/>
+          <a:stretch>
+            <a:fillRect/>
+          </a:stretch>
+        </p:blipFill>
+        <p:spPr>
+          <a:xfrm>
+            <a:off x="6956426" y="4129088"/>
+            <a:ext cx="3844925" cy="2310153"/>
+          </a:xfrm>
+          <a:prstGeom prst="rect">
+            <a:avLst/>
+          </a:prstGeom>
+        </p:spPr>
+      </p:pic>
     </p:spTree>
     <p:extLst>
       <p:ext uri="{BB962C8B-B14F-4D97-AF65-F5344CB8AC3E}">
-        <p14:creationId xmlns:p14="http://schemas.microsoft.com/office/powerpoint/2010/main" val="3366564847"/>
+        <p14:creationId xmlns:p14="http://schemas.microsoft.com/office/powerpoint/2010/main" val="2714552992"/>
       </p:ext>
     </p:extLst>
   </p:cSld>
@@ -5009,24 +7000,29 @@
             <p:ph type="title"/>
           </p:nvPr>
         </p:nvSpPr>
-        <p:spPr/>
+        <p:spPr>
+          <a:xfrm>
+            <a:off x="839788" y="457200"/>
+            <a:ext cx="10047287" cy="539750"/>
+          </a:xfrm>
+        </p:spPr>
         <p:txBody>
           <a:bodyPr>
-            <a:normAutofit fontScale="90000"/>
+            <a:normAutofit/>
           </a:bodyPr>
           <a:lstStyle/>
           <a:p>
             <a:r>
-              <a:rPr lang="es-ES" smtClean="0"/>
-              <a:t>LoadTestTodo.xlsx - Excel (Error de activación de productos)</a:t>
-            </a:r>
-            <a:endParaRPr lang="en-US"/>
+              <a:rPr lang="es-ES" dirty="0" smtClean="0"/>
+              <a:t>CREATE TASK TEST RESULT</a:t>
+            </a:r>
+            <a:endParaRPr lang="en-US" dirty="0"/>
           </a:p>
         </p:txBody>
       </p:sp>
       <p:pic>
         <p:nvPicPr>
-          <p:cNvPr id="5" name="Marcador de posición de imagen 4" descr="LoadTestTodo.xlsx - Excel (Error de activación de productos)"/>
+          <p:cNvPr id="8" name="Marcador de posición de imagen 4" descr="LoadTestTodo.xlsx - Excel (Error de activación de productos)"/>
           <p:cNvPicPr>
             <a:picLocks noGrp="1" noChangeAspect="1"/>
           </p:cNvPicPr>
@@ -5049,34 +7045,70 @@
         </p:blipFill>
         <p:spPr>
           <a:xfrm>
-            <a:off x="3041650" y="1589088"/>
-            <a:ext cx="4582164" cy="2753109"/>
+            <a:off x="839787" y="3560630"/>
+            <a:ext cx="5761037" cy="2772162"/>
           </a:xfrm>
         </p:spPr>
       </p:pic>
-      <p:sp>
-        <p:nvSpPr>
-          <p:cNvPr id="4" name="Marcador de texto 3"/>
-          <p:cNvSpPr>
-            <a:spLocks noGrp="1"/>
-          </p:cNvSpPr>
-          <p:nvPr>
-            <p:ph type="body" sz="half" idx="2"/>
-          </p:nvPr>
-        </p:nvSpPr>
-        <p:spPr/>
-        <p:txBody>
-          <a:bodyPr/>
-          <a:lstStyle/>
-          <a:p>
-            <a:endParaRPr lang="en-US"/>
-          </a:p>
-        </p:txBody>
-      </p:sp>
+      <p:pic>
+        <p:nvPicPr>
+          <p:cNvPr id="6" name="Imagen 5"/>
+          <p:cNvPicPr>
+            <a:picLocks noChangeAspect="1"/>
+          </p:cNvPicPr>
+          <p:nvPr/>
+        </p:nvPicPr>
+        <p:blipFill>
+          <a:blip r:embed="rId3"/>
+          <a:stretch>
+            <a:fillRect/>
+          </a:stretch>
+        </p:blipFill>
+        <p:spPr>
+          <a:xfrm>
+            <a:off x="1482724" y="1242879"/>
+            <a:ext cx="8832851" cy="2071822"/>
+          </a:xfrm>
+          <a:prstGeom prst="rect">
+            <a:avLst/>
+          </a:prstGeom>
+        </p:spPr>
+      </p:pic>
+      <p:pic>
+        <p:nvPicPr>
+          <p:cNvPr id="9" name="Marcador de posición de imagen 4" descr="LoadTestTodo.xlsx - Excel (Error de activación de productos)"/>
+          <p:cNvPicPr>
+            <a:picLocks noChangeAspect="1"/>
+          </p:cNvPicPr>
+          <p:nvPr/>
+        </p:nvPicPr>
+        <p:blipFill>
+          <a:blip r:embed="rId4">
+            <a:extLst>
+              <a:ext uri="{28A0092B-C50C-407E-A947-70E740481C1C}">
+                <a14:useLocalDpi xmlns:a14="http://schemas.microsoft.com/office/drawing/2010/main" val="0"/>
+              </a:ext>
+            </a:extLst>
+          </a:blip>
+          <a:srcRect/>
+          <a:stretch>
+            <a:fillRect/>
+          </a:stretch>
+        </p:blipFill>
+        <p:spPr>
+          <a:xfrm>
+            <a:off x="7419975" y="3765421"/>
+            <a:ext cx="3786320" cy="2263904"/>
+          </a:xfrm>
+          <a:prstGeom prst="rect">
+            <a:avLst/>
+          </a:prstGeom>
+        </p:spPr>
+      </p:pic>
     </p:spTree>
     <p:extLst>
       <p:ext uri="{BB962C8B-B14F-4D97-AF65-F5344CB8AC3E}">
-        <p14:creationId xmlns:p14="http://schemas.microsoft.com/office/powerpoint/2010/main" val="3767049450"/>
+        <p14:creationId xmlns:p14="http://schemas.microsoft.com/office/powerpoint/2010/main" val="1556275410"/>
       </p:ext>
     </p:extLst>
   </p:cSld>
@@ -5113,40 +7145,56 @@
             <p:ph type="title"/>
           </p:nvPr>
         </p:nvSpPr>
-        <p:spPr/>
+        <p:spPr>
+          <a:xfrm>
+            <a:off x="839788" y="457200"/>
+            <a:ext cx="10247312" cy="542925"/>
+          </a:xfrm>
+        </p:spPr>
         <p:txBody>
           <a:bodyPr>
-            <a:normAutofit fontScale="90000"/>
+            <a:normAutofit/>
           </a:bodyPr>
           <a:lstStyle/>
           <a:p>
             <a:r>
-              <a:rPr lang="es-ES" smtClean="0"/>
-              <a:t>LoadTestTodo.xlsx - Excel (Error de activación de productos)</a:t>
-            </a:r>
-            <a:endParaRPr lang="en-US"/>
-          </a:p>
-        </p:txBody>
-      </p:sp>
-      <p:sp>
-        <p:nvSpPr>
-          <p:cNvPr id="4" name="Marcador de texto 3"/>
-          <p:cNvSpPr>
-            <a:spLocks noGrp="1"/>
-          </p:cNvSpPr>
-          <p:nvPr>
-            <p:ph type="body" sz="half" idx="2"/>
-          </p:nvPr>
-        </p:nvSpPr>
-        <p:spPr/>
-        <p:txBody>
-          <a:bodyPr/>
-          <a:lstStyle/>
-          <a:p>
-            <a:endParaRPr lang="en-US"/>
-          </a:p>
-        </p:txBody>
-      </p:sp>
+              <a:rPr lang="es-ES" dirty="0" smtClean="0"/>
+              <a:t>DELETE ALL TASK TEST RESULT</a:t>
+            </a:r>
+            <a:endParaRPr lang="en-US" dirty="0"/>
+          </a:p>
+        </p:txBody>
+      </p:sp>
+      <p:pic>
+        <p:nvPicPr>
+          <p:cNvPr id="8" name="Marcador de posición de imagen 4" descr="LoadTestTodo.xlsx - Excel (Error de activación de productos)"/>
+          <p:cNvPicPr>
+            <a:picLocks noGrp="1" noChangeAspect="1"/>
+          </p:cNvPicPr>
+          <p:nvPr>
+            <p:ph type="pic" idx="1"/>
+          </p:nvPr>
+        </p:nvPicPr>
+        <p:blipFill>
+          <a:blip r:embed="rId2">
+            <a:extLst>
+              <a:ext uri="{28A0092B-C50C-407E-A947-70E740481C1C}">
+                <a14:useLocalDpi xmlns:a14="http://schemas.microsoft.com/office/drawing/2010/main" val="0"/>
+              </a:ext>
+            </a:extLst>
+          </a:blip>
+          <a:srcRect/>
+          <a:stretch>
+            <a:fillRect/>
+          </a:stretch>
+        </p:blipFill>
+        <p:spPr>
+          <a:xfrm>
+            <a:off x="839788" y="3568700"/>
+            <a:ext cx="5846762" cy="2762636"/>
+          </a:xfrm>
+        </p:spPr>
+      </p:pic>
       <p:pic>
         <p:nvPicPr>
           <p:cNvPr id="6" name="Imagen 5"/>
@@ -5156,37 +7204,56 @@
           <p:nvPr/>
         </p:nvPicPr>
         <p:blipFill>
-          <a:blip r:embed="rId2"/>
+          <a:blip r:embed="rId3"/>
           <a:stretch>
             <a:fillRect/>
           </a:stretch>
         </p:blipFill>
         <p:spPr>
           <a:xfrm>
-            <a:off x="2571258" y="2471604"/>
-            <a:ext cx="7049484" cy="1914792"/>
+            <a:off x="1661618" y="1133339"/>
+            <a:ext cx="8811119" cy="2181361"/>
           </a:xfrm>
           <a:prstGeom prst="rect">
             <a:avLst/>
           </a:prstGeom>
         </p:spPr>
       </p:pic>
-      <p:sp>
-        <p:nvSpPr>
-          <p:cNvPr id="7" name="Marcador de posición de imagen 6"/>
-          <p:cNvSpPr>
-            <a:spLocks noGrp="1"/>
-          </p:cNvSpPr>
-          <p:nvPr>
-            <p:ph type="pic" idx="1"/>
-          </p:nvPr>
-        </p:nvSpPr>
-        <p:spPr/>
-      </p:sp>
+      <p:pic>
+        <p:nvPicPr>
+          <p:cNvPr id="9" name="Marcador de posición de imagen 4" descr="LoadTestTodo.xlsx - Excel (Error de activación de productos)"/>
+          <p:cNvPicPr>
+            <a:picLocks noChangeAspect="1"/>
+          </p:cNvPicPr>
+          <p:nvPr/>
+        </p:nvPicPr>
+        <p:blipFill>
+          <a:blip r:embed="rId4">
+            <a:extLst>
+              <a:ext uri="{28A0092B-C50C-407E-A947-70E740481C1C}">
+                <a14:useLocalDpi xmlns:a14="http://schemas.microsoft.com/office/drawing/2010/main" val="0"/>
+              </a:ext>
+            </a:extLst>
+          </a:blip>
+          <a:srcRect/>
+          <a:stretch>
+            <a:fillRect/>
+          </a:stretch>
+        </p:blipFill>
+        <p:spPr>
+          <a:xfrm>
+            <a:off x="7105650" y="3725863"/>
+            <a:ext cx="3981450" cy="2380576"/>
+          </a:xfrm>
+          <a:prstGeom prst="rect">
+            <a:avLst/>
+          </a:prstGeom>
+        </p:spPr>
+      </p:pic>
     </p:spTree>
     <p:extLst>
       <p:ext uri="{BB962C8B-B14F-4D97-AF65-F5344CB8AC3E}">
-        <p14:creationId xmlns:p14="http://schemas.microsoft.com/office/powerpoint/2010/main" val="1556275410"/>
+        <p14:creationId xmlns:p14="http://schemas.microsoft.com/office/powerpoint/2010/main" val="4096636688"/>
       </p:ext>
     </p:extLst>
   </p:cSld>
@@ -5223,24 +7290,29 @@
             <p:ph type="title"/>
           </p:nvPr>
         </p:nvSpPr>
-        <p:spPr/>
+        <p:spPr>
+          <a:xfrm>
+            <a:off x="839788" y="457200"/>
+            <a:ext cx="10361612" cy="539749"/>
+          </a:xfrm>
+        </p:spPr>
         <p:txBody>
           <a:bodyPr>
-            <a:normAutofit fontScale="90000"/>
+            <a:normAutofit/>
           </a:bodyPr>
           <a:lstStyle/>
           <a:p>
             <a:r>
-              <a:rPr lang="es-ES" smtClean="0"/>
-              <a:t>LoadTestTodo.xlsx - Excel (Error de activación de productos)</a:t>
-            </a:r>
-            <a:endParaRPr lang="en-US"/>
+              <a:rPr lang="es-ES" dirty="0" smtClean="0"/>
+              <a:t>DELETE PROJECT TEST RESULT</a:t>
+            </a:r>
+            <a:endParaRPr lang="en-US" dirty="0"/>
           </a:p>
         </p:txBody>
       </p:sp>
       <p:pic>
         <p:nvPicPr>
-          <p:cNvPr id="5" name="Marcador de posición de imagen 4" descr="LoadTestTodo.xlsx - Excel (Error de activación de productos)"/>
+          <p:cNvPr id="8" name="Marcador de posición de imagen 4" descr="LoadTestTodo.xlsx - Excel (Error de activación de productos)"/>
           <p:cNvPicPr>
             <a:picLocks noGrp="1" noChangeAspect="1"/>
           </p:cNvPicPr>
@@ -5263,34 +7335,70 @@
         </p:blipFill>
         <p:spPr>
           <a:xfrm>
-            <a:off x="3041650" y="1576388"/>
-            <a:ext cx="4582164" cy="2772162"/>
+            <a:off x="839787" y="3613017"/>
+            <a:ext cx="5646737" cy="2859221"/>
           </a:xfrm>
         </p:spPr>
       </p:pic>
-      <p:sp>
-        <p:nvSpPr>
-          <p:cNvPr id="4" name="Marcador de texto 3"/>
-          <p:cNvSpPr>
-            <a:spLocks noGrp="1"/>
-          </p:cNvSpPr>
-          <p:nvPr>
-            <p:ph type="body" sz="half" idx="2"/>
-          </p:nvPr>
-        </p:nvSpPr>
-        <p:spPr/>
-        <p:txBody>
-          <a:bodyPr/>
-          <a:lstStyle/>
-          <a:p>
-            <a:endParaRPr lang="en-US"/>
-          </a:p>
-        </p:txBody>
-      </p:sp>
+      <p:pic>
+        <p:nvPicPr>
+          <p:cNvPr id="6" name="Imagen 5"/>
+          <p:cNvPicPr>
+            <a:picLocks noChangeAspect="1"/>
+          </p:cNvPicPr>
+          <p:nvPr/>
+        </p:nvPicPr>
+        <p:blipFill>
+          <a:blip r:embed="rId3"/>
+          <a:stretch>
+            <a:fillRect/>
+          </a:stretch>
+        </p:blipFill>
+        <p:spPr>
+          <a:xfrm>
+            <a:off x="1714007" y="1252403"/>
+            <a:ext cx="8830168" cy="2105160"/>
+          </a:xfrm>
+          <a:prstGeom prst="rect">
+            <a:avLst/>
+          </a:prstGeom>
+        </p:spPr>
+      </p:pic>
+      <p:pic>
+        <p:nvPicPr>
+          <p:cNvPr id="9" name="Marcador de posición de imagen 4" descr="LoadTestTodo.xlsx - Excel (Error de activación de productos)"/>
+          <p:cNvPicPr>
+            <a:picLocks noChangeAspect="1"/>
+          </p:cNvPicPr>
+          <p:nvPr/>
+        </p:nvPicPr>
+        <p:blipFill>
+          <a:blip r:embed="rId4">
+            <a:extLst>
+              <a:ext uri="{28A0092B-C50C-407E-A947-70E740481C1C}">
+                <a14:useLocalDpi xmlns:a14="http://schemas.microsoft.com/office/drawing/2010/main" val="0"/>
+              </a:ext>
+            </a:extLst>
+          </a:blip>
+          <a:srcRect/>
+          <a:stretch>
+            <a:fillRect/>
+          </a:stretch>
+        </p:blipFill>
+        <p:spPr>
+          <a:xfrm>
+            <a:off x="7041144" y="3785135"/>
+            <a:ext cx="4160256" cy="2501365"/>
+          </a:xfrm>
+          <a:prstGeom prst="rect">
+            <a:avLst/>
+          </a:prstGeom>
+        </p:spPr>
+      </p:pic>
     </p:spTree>
     <p:extLst>
       <p:ext uri="{BB962C8B-B14F-4D97-AF65-F5344CB8AC3E}">
-        <p14:creationId xmlns:p14="http://schemas.microsoft.com/office/powerpoint/2010/main" val="3214117876"/>
+        <p14:creationId xmlns:p14="http://schemas.microsoft.com/office/powerpoint/2010/main" val="1165847412"/>
       </p:ext>
     </p:extLst>
   </p:cSld>
@@ -5327,7 +7435,12 @@
             <p:ph type="title"/>
           </p:nvPr>
         </p:nvSpPr>
-        <p:spPr/>
+        <p:spPr>
+          <a:xfrm>
+            <a:off x="839788" y="457200"/>
+            <a:ext cx="10515600" cy="442913"/>
+          </a:xfrm>
+        </p:spPr>
         <p:txBody>
           <a:bodyPr>
             <a:normAutofit fontScale="90000"/>
@@ -5335,10 +7448,10 @@
           <a:lstStyle/>
           <a:p>
             <a:r>
-              <a:rPr lang="es-ES" smtClean="0"/>
-              <a:t>LoadTestTodo.xlsx - Excel (Error de activación de productos)</a:t>
-            </a:r>
-            <a:endParaRPr lang="en-US"/>
+              <a:rPr lang="es-ES" dirty="0" smtClean="0"/>
+              <a:t>DELETE TASK TEST RESULT</a:t>
+            </a:r>
+            <a:endParaRPr lang="en-US" dirty="0"/>
           </a:p>
         </p:txBody>
       </p:sp>
@@ -5367,34 +7480,77 @@
         </p:blipFill>
         <p:spPr>
           <a:xfrm>
-            <a:off x="3048000" y="1601788"/>
-            <a:ext cx="4572638" cy="2734057"/>
+            <a:off x="1582738" y="1163637"/>
+            <a:ext cx="8775700" cy="2022475"/>
           </a:xfrm>
         </p:spPr>
       </p:pic>
-      <p:sp>
-        <p:nvSpPr>
-          <p:cNvPr id="4" name="Marcador de texto 3"/>
-          <p:cNvSpPr>
-            <a:spLocks noGrp="1"/>
-          </p:cNvSpPr>
-          <p:nvPr>
-            <p:ph type="body" sz="half" idx="2"/>
-          </p:nvPr>
-        </p:nvSpPr>
-        <p:spPr/>
-        <p:txBody>
-          <a:bodyPr/>
-          <a:lstStyle/>
-          <a:p>
-            <a:endParaRPr lang="en-US"/>
-          </a:p>
-        </p:txBody>
-      </p:sp>
+      <p:pic>
+        <p:nvPicPr>
+          <p:cNvPr id="6" name="Marcador de posición de imagen 4" descr="LoadTestTodo.xlsx - Excel (Error de activación de productos)"/>
+          <p:cNvPicPr>
+            <a:picLocks noChangeAspect="1"/>
+          </p:cNvPicPr>
+          <p:nvPr/>
+        </p:nvPicPr>
+        <p:blipFill>
+          <a:blip r:embed="rId3">
+            <a:extLst>
+              <a:ext uri="{28A0092B-C50C-407E-A947-70E740481C1C}">
+                <a14:useLocalDpi xmlns:a14="http://schemas.microsoft.com/office/drawing/2010/main" val="0"/>
+              </a:ext>
+            </a:extLst>
+          </a:blip>
+          <a:srcRect/>
+          <a:stretch>
+            <a:fillRect/>
+          </a:stretch>
+        </p:blipFill>
+        <p:spPr>
+          <a:xfrm>
+            <a:off x="839788" y="3560763"/>
+            <a:ext cx="5389562" cy="2753109"/>
+          </a:xfrm>
+          <a:prstGeom prst="rect">
+            <a:avLst/>
+          </a:prstGeom>
+        </p:spPr>
+      </p:pic>
+      <p:pic>
+        <p:nvPicPr>
+          <p:cNvPr id="7" name="Marcador de posición de imagen 4" descr="LoadTestTodo.xlsx - Excel (Error de activación de productos)"/>
+          <p:cNvPicPr>
+            <a:picLocks noChangeAspect="1"/>
+          </p:cNvPicPr>
+          <p:nvPr/>
+        </p:nvPicPr>
+        <p:blipFill>
+          <a:blip r:embed="rId4">
+            <a:extLst>
+              <a:ext uri="{28A0092B-C50C-407E-A947-70E740481C1C}">
+                <a14:useLocalDpi xmlns:a14="http://schemas.microsoft.com/office/drawing/2010/main" val="0"/>
+              </a:ext>
+            </a:extLst>
+          </a:blip>
+          <a:srcRect/>
+          <a:stretch>
+            <a:fillRect/>
+          </a:stretch>
+        </p:blipFill>
+        <p:spPr>
+          <a:xfrm>
+            <a:off x="7019926" y="3832225"/>
+            <a:ext cx="3709987" cy="2218263"/>
+          </a:xfrm>
+          <a:prstGeom prst="rect">
+            <a:avLst/>
+          </a:prstGeom>
+        </p:spPr>
+      </p:pic>
     </p:spTree>
     <p:extLst>
       <p:ext uri="{BB962C8B-B14F-4D97-AF65-F5344CB8AC3E}">
-        <p14:creationId xmlns:p14="http://schemas.microsoft.com/office/powerpoint/2010/main" val="1463016844"/>
+        <p14:creationId xmlns:p14="http://schemas.microsoft.com/office/powerpoint/2010/main" val="496631446"/>
       </p:ext>
     </p:extLst>
   </p:cSld>
@@ -5431,7 +7587,12 @@
             <p:ph type="title"/>
           </p:nvPr>
         </p:nvSpPr>
-        <p:spPr/>
+        <p:spPr>
+          <a:xfrm>
+            <a:off x="839788" y="457200"/>
+            <a:ext cx="10318750" cy="514350"/>
+          </a:xfrm>
+        </p:spPr>
         <p:txBody>
           <a:bodyPr>
             <a:normAutofit fontScale="90000"/>
@@ -5439,72 +7600,109 @@
           <a:lstStyle/>
           <a:p>
             <a:r>
-              <a:rPr lang="es-ES" smtClean="0"/>
-              <a:t>LoadTestTodo.xlsx - Excel (Error de activación de productos)</a:t>
-            </a:r>
-            <a:endParaRPr lang="en-US"/>
-          </a:p>
-        </p:txBody>
-      </p:sp>
-      <p:sp>
-        <p:nvSpPr>
-          <p:cNvPr id="4" name="Marcador de texto 3"/>
-          <p:cNvSpPr>
-            <a:spLocks noGrp="1"/>
-          </p:cNvSpPr>
-          <p:nvPr>
-            <p:ph type="body" sz="half" idx="2"/>
-          </p:nvPr>
-        </p:nvSpPr>
-        <p:spPr/>
-        <p:txBody>
-          <a:bodyPr/>
-          <a:lstStyle/>
-          <a:p>
-            <a:endParaRPr lang="en-US"/>
+              <a:rPr lang="es-ES" dirty="0" smtClean="0"/>
+              <a:t>EDIT PROJECT TEST RESULT</a:t>
+            </a:r>
+            <a:endParaRPr lang="en-US" dirty="0"/>
           </a:p>
         </p:txBody>
       </p:sp>
       <p:pic>
         <p:nvPicPr>
-          <p:cNvPr id="6" name="Imagen 5"/>
+          <p:cNvPr id="5" name="Marcador de posición de imagen 4" descr="LoadTestTodo.xlsx - Excel (Error de activación de productos)"/>
+          <p:cNvPicPr>
+            <a:picLocks noGrp="1" noChangeAspect="1"/>
+          </p:cNvPicPr>
+          <p:nvPr>
+            <p:ph type="pic" idx="1"/>
+          </p:nvPr>
+        </p:nvPicPr>
+        <p:blipFill>
+          <a:blip r:embed="rId2">
+            <a:extLst>
+              <a:ext uri="{28A0092B-C50C-407E-A947-70E740481C1C}">
+                <a14:useLocalDpi xmlns:a14="http://schemas.microsoft.com/office/drawing/2010/main" val="0"/>
+              </a:ext>
+            </a:extLst>
+          </a:blip>
+          <a:srcRect/>
+          <a:stretch>
+            <a:fillRect/>
+          </a:stretch>
+        </p:blipFill>
+        <p:spPr>
+          <a:xfrm>
+            <a:off x="1468438" y="1233487"/>
+            <a:ext cx="8947150" cy="1952625"/>
+          </a:xfrm>
+        </p:spPr>
+      </p:pic>
+      <p:pic>
+        <p:nvPicPr>
+          <p:cNvPr id="6" name="Marcador de posición de imagen 4" descr="LoadTestTodo.xlsx - Excel (Error de activación de productos)"/>
           <p:cNvPicPr>
             <a:picLocks noChangeAspect="1"/>
           </p:cNvPicPr>
           <p:nvPr/>
         </p:nvPicPr>
         <p:blipFill>
-          <a:blip r:embed="rId2"/>
+          <a:blip r:embed="rId3">
+            <a:extLst>
+              <a:ext uri="{28A0092B-C50C-407E-A947-70E740481C1C}">
+                <a14:useLocalDpi xmlns:a14="http://schemas.microsoft.com/office/drawing/2010/main" val="0"/>
+              </a:ext>
+            </a:extLst>
+          </a:blip>
+          <a:srcRect/>
           <a:stretch>
             <a:fillRect/>
           </a:stretch>
         </p:blipFill>
         <p:spPr>
           <a:xfrm>
-            <a:off x="2561732" y="2462077"/>
-            <a:ext cx="7068536" cy="1933845"/>
+            <a:off x="839788" y="3562350"/>
+            <a:ext cx="5732462" cy="2772162"/>
           </a:xfrm>
           <a:prstGeom prst="rect">
             <a:avLst/>
           </a:prstGeom>
         </p:spPr>
       </p:pic>
-      <p:sp>
-        <p:nvSpPr>
-          <p:cNvPr id="7" name="Marcador de posición de imagen 6"/>
-          <p:cNvSpPr>
-            <a:spLocks noGrp="1"/>
-          </p:cNvSpPr>
-          <p:nvPr>
-            <p:ph type="pic" idx="1"/>
-          </p:nvPr>
-        </p:nvSpPr>
-        <p:spPr/>
-      </p:sp>
+      <p:pic>
+        <p:nvPicPr>
+          <p:cNvPr id="7" name="Marcador de posición de imagen 4" descr="LoadTestTodo.xlsx - Excel (Error de activación de productos)"/>
+          <p:cNvPicPr>
+            <a:picLocks noChangeAspect="1"/>
+          </p:cNvPicPr>
+          <p:nvPr/>
+        </p:nvPicPr>
+        <p:blipFill>
+          <a:blip r:embed="rId4">
+            <a:extLst>
+              <a:ext uri="{28A0092B-C50C-407E-A947-70E740481C1C}">
+                <a14:useLocalDpi xmlns:a14="http://schemas.microsoft.com/office/drawing/2010/main" val="0"/>
+              </a:ext>
+            </a:extLst>
+          </a:blip>
+          <a:srcRect/>
+          <a:stretch>
+            <a:fillRect/>
+          </a:stretch>
+        </p:blipFill>
+        <p:spPr>
+          <a:xfrm>
+            <a:off x="7240587" y="3719513"/>
+            <a:ext cx="3807362" cy="2281238"/>
+          </a:xfrm>
+          <a:prstGeom prst="rect">
+            <a:avLst/>
+          </a:prstGeom>
+        </p:spPr>
+      </p:pic>
     </p:spTree>
     <p:extLst>
       <p:ext uri="{BB962C8B-B14F-4D97-AF65-F5344CB8AC3E}">
-        <p14:creationId xmlns:p14="http://schemas.microsoft.com/office/powerpoint/2010/main" val="4096636688"/>
+        <p14:creationId xmlns:p14="http://schemas.microsoft.com/office/powerpoint/2010/main" val="1329130801"/>
       </p:ext>
     </p:extLst>
   </p:cSld>
@@ -5515,9 +7713,9 @@
 </file>
 
 <file path=ppt/theme/theme1.xml><?xml version="1.0" encoding="utf-8"?>
-<a:theme xmlns:a="http://schemas.openxmlformats.org/drawingml/2006/main" name="Office Theme">
+<a:theme xmlns:a="http://schemas.openxmlformats.org/drawingml/2006/main" name="Profundidad">
   <a:themeElements>
-    <a:clrScheme name="Tema de Office">
+    <a:clrScheme name="Profundidad">
       <a:dk1>
         <a:sysClr val="windowText" lastClr="000000"/>
       </a:dk1>
@@ -5525,52 +7723,52 @@
         <a:sysClr val="window" lastClr="FFFFFF"/>
       </a:lt1>
       <a:dk2>
-        <a:srgbClr val="44546A"/>
+        <a:srgbClr val="455F51"/>
       </a:dk2>
       <a:lt2>
-        <a:srgbClr val="E7E6E6"/>
+        <a:srgbClr val="94D7E4"/>
       </a:lt2>
       <a:accent1>
-        <a:srgbClr val="5B9BD5"/>
+        <a:srgbClr val="41AEBD"/>
       </a:accent1>
       <a:accent2>
-        <a:srgbClr val="ED7D31"/>
+        <a:srgbClr val="97E9D5"/>
       </a:accent2>
       <a:accent3>
-        <a:srgbClr val="A5A5A5"/>
+        <a:srgbClr val="A2CF49"/>
       </a:accent3>
       <a:accent4>
-        <a:srgbClr val="FFC000"/>
+        <a:srgbClr val="608F3D"/>
       </a:accent4>
       <a:accent5>
-        <a:srgbClr val="4472C4"/>
+        <a:srgbClr val="F4DE3A"/>
       </a:accent5>
       <a:accent6>
-        <a:srgbClr val="70AD47"/>
+        <a:srgbClr val="FCB11C"/>
       </a:accent6>
       <a:hlink>
-        <a:srgbClr val="0563C1"/>
+        <a:srgbClr val="FBCA98"/>
       </a:hlink>
       <a:folHlink>
-        <a:srgbClr val="954F72"/>
+        <a:srgbClr val="D3B86D"/>
       </a:folHlink>
     </a:clrScheme>
-    <a:fontScheme name="Tema de Office">
+    <a:fontScheme name="Profundidad">
       <a:majorFont>
-        <a:latin typeface="Calibri Light" panose="020F0302020204030204"/>
+        <a:latin typeface="Corbel" panose="020B0503020204020204"/>
         <a:ea typeface=""/>
         <a:cs typeface=""/>
-        <a:font script="Jpan" typeface="ＭＳ Ｐゴシック"/>
-        <a:font script="Hang" typeface="맑은 고딕"/>
-        <a:font script="Hans" typeface="宋体"/>
+        <a:font script="Jpan" typeface="HGｺﾞｼｯｸM"/>
+        <a:font script="Hang" typeface="HY엽서L"/>
+        <a:font script="Hans" typeface="华文楷体"/>
         <a:font script="Hant" typeface="新細明體"/>
-        <a:font script="Arab" typeface="Times New Roman"/>
-        <a:font script="Hebr" typeface="Times New Roman"/>
-        <a:font script="Thai" typeface="Angsana New"/>
+        <a:font script="Arab" typeface="Tahoma"/>
+        <a:font script="Hebr" typeface="Miriam"/>
+        <a:font script="Thai" typeface="DilleniaUPC"/>
         <a:font script="Ethi" typeface="Nyala"/>
         <a:font script="Beng" typeface="Vrinda"/>
         <a:font script="Gujr" typeface="Shruti"/>
-        <a:font script="Khmr" typeface="MoolBoran"/>
+        <a:font script="Khmr" typeface="DaunPenh"/>
         <a:font script="Knda" typeface="Tunga"/>
         <a:font script="Guru" typeface="Raavi"/>
         <a:font script="Cans" typeface="Euphemia"/>
@@ -5587,21 +7785,21 @@
         <a:font script="Laoo" typeface="DokChampa"/>
         <a:font script="Sinh" typeface="Iskoola Pota"/>
         <a:font script="Mong" typeface="Mongolian Baiti"/>
-        <a:font script="Viet" typeface="Times New Roman"/>
+        <a:font script="Viet" typeface="Arial"/>
         <a:font script="Uigh" typeface="Microsoft Uighur"/>
         <a:font script="Geor" typeface="Sylfaen"/>
       </a:majorFont>
       <a:minorFont>
-        <a:latin typeface="Calibri" panose="020F0502020204030204"/>
+        <a:latin typeface="Corbel" panose="020B0503020204020204"/>
         <a:ea typeface=""/>
         <a:cs typeface=""/>
-        <a:font script="Jpan" typeface="ＭＳ Ｐゴシック"/>
-        <a:font script="Hang" typeface="맑은 고딕"/>
-        <a:font script="Hans" typeface="宋体"/>
+        <a:font script="Jpan" typeface="HGｺﾞｼｯｸM"/>
+        <a:font script="Hang" typeface="HY엽서L"/>
+        <a:font script="Hans" typeface="华文楷体"/>
         <a:font script="Hant" typeface="新細明體"/>
-        <a:font script="Arab" typeface="Arial"/>
-        <a:font script="Hebr" typeface="Arial"/>
-        <a:font script="Thai" typeface="Cordia New"/>
+        <a:font script="Arab" typeface="Tahoma"/>
+        <a:font script="Hebr" typeface="Miriam"/>
+        <a:font script="Thai" typeface="DilleniaUPC"/>
         <a:font script="Ethi" typeface="Nyala"/>
         <a:font script="Beng" typeface="Vrinda"/>
         <a:font script="Gujr" typeface="Shruti"/>
@@ -5627,7 +7825,7 @@
         <a:font script="Geor" typeface="Sylfaen"/>
       </a:minorFont>
     </a:fontScheme>
-    <a:fmtScheme name="Tema de Office">
+    <a:fmtScheme name="Profundidad">
       <a:fillStyleLst>
         <a:solidFill>
           <a:schemeClr val="phClr"/>
@@ -5769,7 +7967,7 @@
   <a:extraClrSchemeLst/>
   <a:extLst>
     <a:ext uri="{05A4C25C-085E-4340-85A3-A5531E510DB2}">
-      <thm15:themeFamily xmlns:thm15="http://schemas.microsoft.com/office/thememl/2012/main" name="Office Theme" id="{62F939B6-93AF-4DB8-9C6B-D6C7DFDC589F}" vid="{4F46216B-77A9-411A-B9D3-5023FCB70208}"/>
+      <thm15:themeFamily xmlns:thm15="http://schemas.microsoft.com/office/thememl/2012/main" name="Depth" id="{7BEAFC2A-325C-49C4-AC08-2B765DA903F9}" vid="{1735E755-43E6-43AA-ABA2-C989ECC79AF5}"/>
     </a:ext>
   </a:extLst>
 </a:theme>
